--- a/Couchbase Java Workshop.pptx
+++ b/Couchbase Java Workshop.pptx
@@ -7,10 +7,10 @@
     <p:sldMasterId id="2147493486" r:id="rId6"/>
   </p:sldMasterIdLst>
   <p:notesMasterIdLst>
-    <p:notesMasterId r:id="rId61"/>
+    <p:notesMasterId r:id="rId64"/>
   </p:notesMasterIdLst>
   <p:handoutMasterIdLst>
-    <p:handoutMasterId r:id="rId62"/>
+    <p:handoutMasterId r:id="rId65"/>
   </p:handoutMasterIdLst>
   <p:sldIdLst>
     <p:sldId id="335" r:id="rId7"/>
@@ -51,22 +51,25 @@
     <p:sldId id="434" r:id="rId42"/>
     <p:sldId id="435" r:id="rId43"/>
     <p:sldId id="478" r:id="rId44"/>
-    <p:sldId id="439" r:id="rId45"/>
-    <p:sldId id="440" r:id="rId46"/>
-    <p:sldId id="441" r:id="rId47"/>
-    <p:sldId id="465" r:id="rId48"/>
-    <p:sldId id="466" r:id="rId49"/>
-    <p:sldId id="467" r:id="rId50"/>
-    <p:sldId id="468" r:id="rId51"/>
-    <p:sldId id="469" r:id="rId52"/>
-    <p:sldId id="470" r:id="rId53"/>
-    <p:sldId id="450" r:id="rId54"/>
-    <p:sldId id="337" r:id="rId55"/>
-    <p:sldId id="472" r:id="rId56"/>
-    <p:sldId id="474" r:id="rId57"/>
-    <p:sldId id="476" r:id="rId58"/>
-    <p:sldId id="477" r:id="rId59"/>
-    <p:sldId id="475" r:id="rId60"/>
+    <p:sldId id="465" r:id="rId45"/>
+    <p:sldId id="466" r:id="rId46"/>
+    <p:sldId id="467" r:id="rId47"/>
+    <p:sldId id="468" r:id="rId48"/>
+    <p:sldId id="469" r:id="rId49"/>
+    <p:sldId id="470" r:id="rId50"/>
+    <p:sldId id="479" r:id="rId51"/>
+    <p:sldId id="450" r:id="rId52"/>
+    <p:sldId id="337" r:id="rId53"/>
+    <p:sldId id="472" r:id="rId54"/>
+    <p:sldId id="474" r:id="rId55"/>
+    <p:sldId id="476" r:id="rId56"/>
+    <p:sldId id="477" r:id="rId57"/>
+    <p:sldId id="475" r:id="rId58"/>
+    <p:sldId id="480" r:id="rId59"/>
+    <p:sldId id="481" r:id="rId60"/>
+    <p:sldId id="483" r:id="rId61"/>
+    <p:sldId id="485" r:id="rId62"/>
+    <p:sldId id="484" r:id="rId63"/>
   </p:sldIdLst>
   <p:sldSz cx="9144000" cy="5143500" type="screen16x9"/>
   <p:notesSz cx="6858000" cy="9144000"/>
@@ -167,7 +170,7 @@
   </p:defaultTextStyle>
   <p:extLst>
     <p:ext uri="{EFAFB233-063F-42B5-8137-9DF3F51BA10A}">
-      <p15:sldGuideLst xmlns:p15="http://schemas.microsoft.com/office/powerpoint/2012/main" xmlns="">
+      <p15:sldGuideLst xmlns="" xmlns:p15="http://schemas.microsoft.com/office/powerpoint/2012/main">
         <p15:guide id="1" orient="horz" pos="1620">
           <p15:clr>
             <a:srgbClr val="A4A3A4"/>
@@ -281,7 +284,7 @@
           <a:p>
             <a:fld id="{1D3DF860-82B9-9042-8A24-0F7126EE1B5F}" type="datetimeFigureOut">
               <a:rPr lang="en-US" smtClean="0"/>
-              <a:t>2/1/16</a:t>
+              <a:t>2/2/16</a:t>
             </a:fld>
             <a:endParaRPr lang="en-US"/>
           </a:p>
@@ -447,7 +450,7 @@
           <a:p>
             <a:fld id="{72E35538-4DEF-AA44-B414-00DB06120A5A}" type="datetimeFigureOut">
               <a:rPr lang="en-US" smtClean="0"/>
-              <a:t>2/1/16</a:t>
+              <a:t>2/2/16</a:t>
             </a:fld>
             <a:endParaRPr lang="en-US"/>
           </a:p>
@@ -1167,7 +1170,7 @@
           <a:p>
             <a:fld id="{F39351FC-18D6-4741-8EEB-9FDB1F020AAC}" type="slidenum">
               <a:rPr lang="en-US" smtClean="0"/>
-              <a:t>51</a:t>
+              <a:t>49</a:t>
             </a:fld>
             <a:endParaRPr lang="en-US"/>
           </a:p>
@@ -13119,13 +13122,8 @@
             </a:pPr>
             <a:r>
               <a:rPr lang="en-US" dirty="0" smtClean="0"/>
-              <a:t>Document </a:t>
-            </a:r>
-            <a:r>
-              <a:rPr lang="en-US" dirty="0" smtClean="0"/>
-              <a:t>operations</a:t>
-            </a:r>
-            <a:endParaRPr lang="en-US" dirty="0" smtClean="0"/>
+              <a:t>Document operations</a:t>
+            </a:r>
           </a:p>
           <a:p>
             <a:pPr>
@@ -13146,11 +13144,7 @@
             </a:pPr>
             <a:r>
               <a:rPr lang="en-US" dirty="0" smtClean="0"/>
-              <a:t>N1QL </a:t>
-            </a:r>
-            <a:r>
-              <a:rPr lang="en-US" dirty="0" smtClean="0"/>
-              <a:t>queries</a:t>
+              <a:t>N1QL queries</a:t>
             </a:r>
             <a:endParaRPr lang="en-US" dirty="0"/>
           </a:p>
@@ -13238,13 +13232,8 @@
           <a:p>
             <a:r>
               <a:rPr lang="en-US" sz="1400" dirty="0" smtClean="0"/>
-              <a:t>// </a:t>
-            </a:r>
-            <a:r>
-              <a:rPr lang="en-US" sz="1400" dirty="0" smtClean="0"/>
-              <a:t>CRUD Operations</a:t>
-            </a:r>
-            <a:endParaRPr lang="en-US" sz="1400" dirty="0" smtClean="0"/>
+              <a:t>// CRUD Operations</a:t>
+            </a:r>
           </a:p>
           <a:p>
             <a:endParaRPr lang="en-US" sz="1400" b="1" dirty="0"/>
@@ -13294,7 +13283,6 @@
               <a:rPr lang="en-US" sz="1400" b="1" dirty="0" smtClean="0"/>
               <a:t>.*;</a:t>
             </a:r>
-            <a:endParaRPr lang="en-US" sz="1400" b="1" dirty="0" smtClean="0"/>
           </a:p>
           <a:p>
             <a:endParaRPr lang="en-US" sz="1400" dirty="0"/>
@@ -13772,7 +13760,6 @@
               <a:rPr lang="en-US" sz="1400" dirty="0" smtClean="0"/>
               <a:t>}</a:t>
             </a:r>
-            <a:endParaRPr lang="en-US" sz="1400" dirty="0" smtClean="0"/>
           </a:p>
           <a:p>
             <a:endParaRPr lang="en-US" sz="1400" dirty="0" smtClean="0"/>
@@ -17822,7 +17809,6 @@
               <a:rPr lang="en-US" dirty="0"/>
               <a:t>-java</a:t>
             </a:r>
-            <a:endParaRPr lang="en-US" dirty="0"/>
           </a:p>
         </p:txBody>
       </p:sp>
@@ -17871,8 +17857,8 @@
         </p:nvSpPr>
         <p:spPr>
           <a:xfrm>
-            <a:off x="2045226" y="2279362"/>
-            <a:ext cx="5053587" cy="584776"/>
+            <a:off x="1493998" y="2279362"/>
+            <a:ext cx="6156052" cy="584776"/>
           </a:xfrm>
           <a:prstGeom prst="rect">
             <a:avLst/>
@@ -17887,12 +17873,20 @@
           <a:p>
             <a:pPr algn="ctr"/>
             <a:r>
+              <a:rPr lang="en-US" sz="3200" b="1" dirty="0" err="1" smtClean="0">
+                <a:solidFill>
+                  <a:schemeClr val="accent2"/>
+                </a:solidFill>
+              </a:rPr>
+              <a:t>RxJava</a:t>
+            </a:r>
+            <a:r>
               <a:rPr lang="en-US" sz="3200" b="1" dirty="0" smtClean="0">
                 <a:solidFill>
                   <a:schemeClr val="accent2"/>
                 </a:solidFill>
               </a:rPr>
-              <a:t>More Complex Java Queries</a:t>
+              <a:t> and the Asynchronous API</a:t>
             </a:r>
           </a:p>
         </p:txBody>
@@ -17900,7 +17894,7 @@
     </p:spTree>
     <p:extLst>
       <p:ext uri="{BB962C8B-B14F-4D97-AF65-F5344CB8AC3E}">
-        <p14:creationId xmlns:p14="http://schemas.microsoft.com/office/powerpoint/2010/main" val="538320719"/>
+        <p14:creationId xmlns:p14="http://schemas.microsoft.com/office/powerpoint/2010/main" val="1337822616"/>
       </p:ext>
     </p:extLst>
   </p:cSld>
@@ -18891,8 +18885,12 @@
           <a:lstStyle/>
           <a:p>
             <a:r>
+              <a:rPr lang="en-US" dirty="0" err="1" smtClean="0"/>
+              <a:t>RxJava</a:t>
+            </a:r>
+            <a:r>
               <a:rPr lang="en-US" dirty="0" smtClean="0"/>
-              <a:t>Java Travel Sample</a:t>
+              <a:t> and the Asynchronous API</a:t>
             </a:r>
             <a:endParaRPr lang="en-US" dirty="0"/>
           </a:p>
@@ -18908,226 +18906,50 @@
             <p:ph idx="1"/>
           </p:nvPr>
         </p:nvSpPr>
-        <p:spPr>
-          <a:xfrm>
-            <a:off x="457208" y="685800"/>
-            <a:ext cx="8007739" cy="4019550"/>
-          </a:xfrm>
-        </p:spPr>
+        <p:spPr/>
         <p:txBody>
           <a:bodyPr/>
           <a:lstStyle/>
           <a:p>
-            <a:r>
-              <a:rPr lang="en-US" sz="1400" dirty="0"/>
-              <a:t>public static List&lt;Map&lt;String, Object&gt;&gt; </a:t>
-            </a:r>
-            <a:r>
-              <a:rPr lang="en-US" sz="1400" dirty="0" err="1"/>
-              <a:t>getAll</a:t>
-            </a:r>
-            <a:r>
-              <a:rPr lang="en-US" sz="1400" dirty="0"/>
-              <a:t>(final Bucket bucket, String from, String to) {</a:t>
-            </a:r>
-          </a:p>
-          <a:p>
-            <a:r>
-              <a:rPr lang="en-US" sz="1400" dirty="0"/>
-              <a:t>    String </a:t>
-            </a:r>
-            <a:r>
-              <a:rPr lang="en-US" sz="1400" dirty="0" err="1"/>
-              <a:t>queryStr</a:t>
-            </a:r>
-            <a:r>
-              <a:rPr lang="en-US" sz="1400" dirty="0"/>
-              <a:t> = "SELECT </a:t>
-            </a:r>
-            <a:r>
-              <a:rPr lang="en-US" sz="1400" dirty="0" err="1"/>
-              <a:t>faa</a:t>
-            </a:r>
-            <a:r>
-              <a:rPr lang="en-US" sz="1400" dirty="0"/>
-              <a:t> AS </a:t>
-            </a:r>
-            <a:r>
-              <a:rPr lang="en-US" sz="1400" dirty="0" err="1"/>
-              <a:t>fromAirport</a:t>
-            </a:r>
-            <a:r>
-              <a:rPr lang="en-US" sz="1400" dirty="0"/>
-              <a:t>, geo " +</a:t>
-            </a:r>
-          </a:p>
-          <a:p>
-            <a:r>
-              <a:rPr lang="en-US" sz="1400" dirty="0"/>
-              <a:t>                      "FROM `" + </a:t>
-            </a:r>
-            <a:r>
-              <a:rPr lang="en-US" sz="1400" dirty="0" err="1"/>
-              <a:t>bucket.name</a:t>
-            </a:r>
-            <a:r>
-              <a:rPr lang="en-US" sz="1400" dirty="0"/>
-              <a:t>() + "` r" +</a:t>
-            </a:r>
-          </a:p>
-          <a:p>
-            <a:r>
-              <a:rPr lang="en-US" sz="1400" dirty="0"/>
-              <a:t>                      "WHERE </a:t>
-            </a:r>
-            <a:r>
-              <a:rPr lang="en-US" sz="1400" dirty="0" err="1"/>
-              <a:t>airportname</a:t>
-            </a:r>
-            <a:r>
-              <a:rPr lang="en-US" sz="1400" dirty="0"/>
-              <a:t> = $1 " +</a:t>
-            </a:r>
-          </a:p>
-          <a:p>
-            <a:r>
-              <a:rPr lang="en-US" sz="1400" dirty="0"/>
-              <a:t>                      "UNION SELECT </a:t>
-            </a:r>
-            <a:r>
-              <a:rPr lang="en-US" sz="1400" dirty="0" err="1"/>
-              <a:t>faa</a:t>
-            </a:r>
-            <a:r>
-              <a:rPr lang="en-US" sz="1400" dirty="0"/>
-              <a:t> AS </a:t>
-            </a:r>
-            <a:r>
-              <a:rPr lang="en-US" sz="1400" dirty="0" err="1"/>
-              <a:t>toAirport</a:t>
-            </a:r>
-            <a:r>
-              <a:rPr lang="en-US" sz="1400" dirty="0"/>
-              <a:t>, geo " +</a:t>
-            </a:r>
-          </a:p>
-          <a:p>
-            <a:r>
-              <a:rPr lang="en-US" sz="1400" dirty="0"/>
-              <a:t>                      "FROM `" + </a:t>
-            </a:r>
-            <a:r>
-              <a:rPr lang="en-US" sz="1400" dirty="0" err="1"/>
-              <a:t>bucket.name</a:t>
-            </a:r>
-            <a:r>
-              <a:rPr lang="en-US" sz="1400" dirty="0"/>
-              <a:t>() + "` r" +</a:t>
-            </a:r>
-          </a:p>
-          <a:p>
-            <a:r>
-              <a:rPr lang="en-US" sz="1400" dirty="0"/>
-              <a:t>                      "WHERE </a:t>
-            </a:r>
-            <a:r>
-              <a:rPr lang="en-US" sz="1400" dirty="0" err="1"/>
-              <a:t>airportname</a:t>
-            </a:r>
-            <a:r>
-              <a:rPr lang="en-US" sz="1400" dirty="0"/>
-              <a:t> = $2";</a:t>
-            </a:r>
-          </a:p>
-          <a:p>
-            <a:r>
-              <a:rPr lang="en-US" sz="1400" dirty="0"/>
-              <a:t>    ParameterizedN1qlQuery query = ParameterizedN1qlQuery.parameterized(</a:t>
-            </a:r>
-            <a:r>
-              <a:rPr lang="en-US" sz="1400" dirty="0" err="1"/>
-              <a:t>queryStr</a:t>
-            </a:r>
-            <a:r>
-              <a:rPr lang="en-US" sz="1400" dirty="0"/>
-              <a:t>, </a:t>
-            </a:r>
-            <a:endParaRPr lang="en-US" sz="1400" dirty="0" smtClean="0"/>
-          </a:p>
-          <a:p>
-            <a:r>
-              <a:rPr lang="en-US" sz="1400" dirty="0"/>
-              <a:t> </a:t>
-            </a:r>
-            <a:r>
-              <a:rPr lang="en-US" sz="1400" dirty="0" smtClean="0"/>
-              <a:t>                                 </a:t>
-            </a:r>
-            <a:r>
-              <a:rPr lang="en-US" sz="1400" dirty="0" err="1" smtClean="0"/>
-              <a:t>JsonArray.create</a:t>
-            </a:r>
-            <a:r>
-              <a:rPr lang="en-US" sz="1400" dirty="0"/>
-              <a:t>().add(from).add(to));</a:t>
-            </a:r>
-          </a:p>
-          <a:p>
-            <a:r>
-              <a:rPr lang="en-US" sz="1400" dirty="0"/>
-              <a:t>    N1qlQueryResult </a:t>
-            </a:r>
-            <a:r>
-              <a:rPr lang="en-US" sz="1400" dirty="0" err="1"/>
-              <a:t>queryResult</a:t>
-            </a:r>
-            <a:r>
-              <a:rPr lang="en-US" sz="1400" dirty="0"/>
-              <a:t> = </a:t>
-            </a:r>
-            <a:r>
-              <a:rPr lang="en-US" sz="1400" dirty="0" err="1"/>
-              <a:t>bucket.query</a:t>
-            </a:r>
-            <a:r>
-              <a:rPr lang="en-US" sz="1400" dirty="0"/>
-              <a:t>(query);</a:t>
-            </a:r>
-          </a:p>
-          <a:p>
-            <a:r>
-              <a:rPr lang="en-US" sz="1400" dirty="0"/>
-              <a:t>    return </a:t>
-            </a:r>
-            <a:r>
-              <a:rPr lang="en-US" sz="1400" dirty="0" err="1"/>
-              <a:t>extractResultOrThrow</a:t>
-            </a:r>
-            <a:r>
-              <a:rPr lang="en-US" sz="1400" dirty="0"/>
-              <a:t>(</a:t>
-            </a:r>
-            <a:r>
-              <a:rPr lang="en-US" sz="1400" dirty="0" err="1"/>
-              <a:t>queryResult</a:t>
-            </a:r>
-            <a:r>
-              <a:rPr lang="en-US" sz="1400" dirty="0"/>
-              <a:t>);</a:t>
-            </a:r>
-          </a:p>
-          <a:p>
-            <a:r>
-              <a:rPr lang="en-US" sz="1400" dirty="0"/>
-              <a:t>}</a:t>
-            </a:r>
+            <a:pPr>
+              <a:lnSpc>
+                <a:spcPct val="150000"/>
+              </a:lnSpc>
+            </a:pPr>
+            <a:r>
+              <a:rPr lang="en-US" dirty="0" smtClean="0"/>
+              <a:t>Observable&lt;T&gt; and Observer&lt;T&gt;</a:t>
+            </a:r>
+          </a:p>
+          <a:p>
+            <a:pPr>
+              <a:lnSpc>
+                <a:spcPct val="150000"/>
+              </a:lnSpc>
+            </a:pPr>
+            <a:r>
+              <a:rPr lang="en-US" dirty="0" smtClean="0"/>
+              <a:t>Observables are streams of data</a:t>
+            </a:r>
+          </a:p>
+          <a:p>
+            <a:pPr>
+              <a:lnSpc>
+                <a:spcPct val="150000"/>
+              </a:lnSpc>
+            </a:pPr>
+            <a:r>
+              <a:rPr lang="en-US" dirty="0" smtClean="0"/>
+              <a:t>Rx operators manipulate the data stream</a:t>
+            </a:r>
+            <a:endParaRPr lang="en-US" dirty="0"/>
           </a:p>
         </p:txBody>
       </p:sp>
     </p:spTree>
     <p:extLst>
       <p:ext uri="{BB962C8B-B14F-4D97-AF65-F5344CB8AC3E}">
-        <p14:creationId xmlns:p14="http://schemas.microsoft.com/office/powerpoint/2010/main" val="2298769710"/>
+        <p14:creationId xmlns:p14="http://schemas.microsoft.com/office/powerpoint/2010/main" val="3104729291"/>
       </p:ext>
     </p:extLst>
   </p:cSld>
@@ -19178,7 +19000,7 @@
           <a:p>
             <a:r>
               <a:rPr lang="en-US" dirty="0" smtClean="0"/>
-              <a:t>Java Travel Sample</a:t>
+              <a:t>Observable&lt;T&gt; Operators</a:t>
             </a:r>
             <a:endParaRPr lang="en-US" dirty="0"/>
           </a:p>
@@ -19194,292 +19016,61 @@
             <p:ph idx="1"/>
           </p:nvPr>
         </p:nvSpPr>
-        <p:spPr>
-          <a:xfrm>
-            <a:off x="457208" y="685800"/>
-            <a:ext cx="8007739" cy="4019550"/>
-          </a:xfrm>
-        </p:spPr>
+        <p:spPr/>
         <p:txBody>
           <a:bodyPr/>
           <a:lstStyle/>
           <a:p>
-            <a:r>
-              <a:rPr lang="en-US" sz="1400" dirty="0"/>
-              <a:t>public static List&lt;Map&lt;String, Object&gt;&gt; </a:t>
-            </a:r>
-            <a:r>
-              <a:rPr lang="en-US" sz="1400" dirty="0" err="1"/>
-              <a:t>getAll</a:t>
-            </a:r>
-            <a:r>
-              <a:rPr lang="en-US" sz="1400" dirty="0"/>
-              <a:t>(final Bucket bucket, String from, String to, String leave) {</a:t>
-            </a:r>
-          </a:p>
-          <a:p>
-            <a:r>
-              <a:rPr lang="en-US" sz="1400" dirty="0"/>
-              <a:t>    String </a:t>
-            </a:r>
-            <a:r>
-              <a:rPr lang="en-US" sz="1400" dirty="0" err="1"/>
-              <a:t>queryStr</a:t>
-            </a:r>
-            <a:r>
-              <a:rPr lang="en-US" sz="1400" dirty="0"/>
-              <a:t> = "SELECT </a:t>
-            </a:r>
-            <a:r>
-              <a:rPr lang="en-US" sz="1400" dirty="0" err="1"/>
-              <a:t>r.id</a:t>
-            </a:r>
-            <a:r>
-              <a:rPr lang="en-US" sz="1400" dirty="0"/>
-              <a:t>, </a:t>
-            </a:r>
-            <a:r>
-              <a:rPr lang="en-US" sz="1400" dirty="0" err="1"/>
-              <a:t>a.name</a:t>
-            </a:r>
-            <a:r>
-              <a:rPr lang="en-US" sz="1400" dirty="0"/>
-              <a:t>, </a:t>
-            </a:r>
-            <a:r>
-              <a:rPr lang="en-US" sz="1400" dirty="0" err="1"/>
-              <a:t>s.flight</a:t>
-            </a:r>
-            <a:r>
-              <a:rPr lang="en-US" sz="1400" dirty="0"/>
-              <a:t>, </a:t>
-            </a:r>
-            <a:r>
-              <a:rPr lang="en-US" sz="1400" dirty="0" err="1"/>
-              <a:t>s.utc</a:t>
-            </a:r>
-            <a:r>
-              <a:rPr lang="en-US" sz="1400" dirty="0"/>
-              <a:t>, </a:t>
-            </a:r>
-            <a:r>
-              <a:rPr lang="en-US" sz="1400" dirty="0" err="1"/>
-              <a:t>r.sourceairport</a:t>
-            </a:r>
-            <a:r>
-              <a:rPr lang="en-US" sz="1400" dirty="0" smtClean="0"/>
-              <a:t>,</a:t>
-            </a:r>
-          </a:p>
-          <a:p>
-            <a:r>
-              <a:rPr lang="en-US" sz="1400" dirty="0"/>
-              <a:t> </a:t>
-            </a:r>
-            <a:r>
-              <a:rPr lang="en-US" sz="1400" dirty="0" smtClean="0"/>
-              <a:t>                                                  </a:t>
-            </a:r>
-            <a:r>
-              <a:rPr lang="en-US" sz="1400" dirty="0" err="1"/>
-              <a:t>r.destinationairport</a:t>
-            </a:r>
-            <a:r>
-              <a:rPr lang="en-US" sz="1400" dirty="0"/>
-              <a:t>, </a:t>
-            </a:r>
-            <a:r>
-              <a:rPr lang="en-US" sz="1400" dirty="0" err="1"/>
-              <a:t>r.equipment</a:t>
-            </a:r>
-            <a:r>
-              <a:rPr lang="en-US" sz="1400" dirty="0"/>
-              <a:t> " +</a:t>
-            </a:r>
-          </a:p>
-          <a:p>
-            <a:r>
-              <a:rPr lang="en-US" sz="1400" dirty="0"/>
-              <a:t>                      "FROM `" + </a:t>
-            </a:r>
-            <a:r>
-              <a:rPr lang="en-US" sz="1400" dirty="0" err="1"/>
-              <a:t>bucket.name</a:t>
-            </a:r>
-            <a:r>
-              <a:rPr lang="en-US" sz="1400" dirty="0"/>
-              <a:t>() + "` r" +</a:t>
-            </a:r>
-          </a:p>
-          <a:p>
-            <a:r>
-              <a:rPr lang="en-US" sz="1400" dirty="0"/>
-              <a:t>                      "UNNEST </a:t>
-            </a:r>
-            <a:r>
-              <a:rPr lang="en-US" sz="1400" dirty="0" err="1"/>
-              <a:t>r.schedule</a:t>
-            </a:r>
-            <a:r>
-              <a:rPr lang="en-US" sz="1400" dirty="0"/>
-              <a:t> s " +</a:t>
-            </a:r>
-          </a:p>
-          <a:p>
-            <a:r>
-              <a:rPr lang="en-US" sz="1400" dirty="0"/>
-              <a:t>                      "JOIN `" + </a:t>
-            </a:r>
-            <a:r>
-              <a:rPr lang="en-US" sz="1400" dirty="0" err="1"/>
-              <a:t>bucket.name</a:t>
-            </a:r>
-            <a:r>
-              <a:rPr lang="en-US" sz="1400" dirty="0"/>
-              <a:t>() + "` a ON KEYS </a:t>
-            </a:r>
-            <a:r>
-              <a:rPr lang="en-US" sz="1400" dirty="0" err="1"/>
-              <a:t>r.airlineid</a:t>
-            </a:r>
-            <a:r>
-              <a:rPr lang="en-US" sz="1400" dirty="0"/>
-              <a:t> " +</a:t>
-            </a:r>
-          </a:p>
-          <a:p>
-            <a:r>
-              <a:rPr lang="en-US" sz="1400" dirty="0"/>
-              <a:t>                      "WHERE </a:t>
-            </a:r>
-            <a:r>
-              <a:rPr lang="en-US" sz="1400" dirty="0" err="1"/>
-              <a:t>r.sourceairport</a:t>
-            </a:r>
-            <a:r>
-              <a:rPr lang="en-US" sz="1400" dirty="0"/>
-              <a:t> = $1 AND </a:t>
-            </a:r>
-            <a:r>
-              <a:rPr lang="en-US" sz="1400" dirty="0" err="1"/>
-              <a:t>r.destinationairport</a:t>
-            </a:r>
-            <a:r>
-              <a:rPr lang="en-US" sz="1400" dirty="0"/>
-              <a:t> = $2 AND </a:t>
-            </a:r>
-            <a:r>
-              <a:rPr lang="en-US" sz="1400" dirty="0" err="1"/>
-              <a:t>s.day</a:t>
-            </a:r>
-            <a:r>
-              <a:rPr lang="en-US" sz="1400" dirty="0"/>
-              <a:t> = $3 ” </a:t>
-            </a:r>
-          </a:p>
-          <a:p>
-            <a:r>
-              <a:rPr lang="en-US" sz="1400" dirty="0"/>
-              <a:t>                      "ORDER BY </a:t>
-            </a:r>
-            <a:r>
-              <a:rPr lang="en-US" sz="1400" dirty="0" err="1"/>
-              <a:t>a.name</a:t>
-            </a:r>
-            <a:r>
-              <a:rPr lang="en-US" sz="1400" dirty="0"/>
-              <a:t>";</a:t>
-            </a:r>
-          </a:p>
-          <a:p>
-            <a:r>
-              <a:rPr lang="en-US" sz="1400" dirty="0"/>
-              <a:t>    ParameterizedN1qlQuery query = ParameterizedN1qlQuery.parameterized(</a:t>
-            </a:r>
-            <a:r>
-              <a:rPr lang="en-US" sz="1400" dirty="0" err="1"/>
-              <a:t>queryStr</a:t>
-            </a:r>
-            <a:r>
-              <a:rPr lang="en-US" sz="1400" dirty="0"/>
-              <a:t>, </a:t>
-            </a:r>
-            <a:endParaRPr lang="en-US" sz="1400" dirty="0" smtClean="0"/>
-          </a:p>
-          <a:p>
-            <a:r>
-              <a:rPr lang="en-US" sz="1400" dirty="0"/>
-              <a:t> </a:t>
-            </a:r>
-            <a:r>
-              <a:rPr lang="en-US" sz="1400" dirty="0" smtClean="0"/>
-              <a:t>                     </a:t>
-            </a:r>
-            <a:r>
-              <a:rPr lang="en-US" sz="1400" dirty="0" err="1" smtClean="0"/>
-              <a:t>JsonArray.create</a:t>
-            </a:r>
-            <a:r>
-              <a:rPr lang="en-US" sz="1400" dirty="0"/>
-              <a:t>().add(from).add(to).add(leave));</a:t>
-            </a:r>
-          </a:p>
-          <a:p>
-            <a:r>
-              <a:rPr lang="en-US" sz="1400" dirty="0"/>
-              <a:t>    N1qlQueryResult </a:t>
-            </a:r>
-            <a:r>
-              <a:rPr lang="en-US" sz="1400" dirty="0" err="1"/>
-              <a:t>queryResult</a:t>
-            </a:r>
-            <a:r>
-              <a:rPr lang="en-US" sz="1400" dirty="0"/>
-              <a:t> = </a:t>
-            </a:r>
-            <a:r>
-              <a:rPr lang="en-US" sz="1400" dirty="0" err="1"/>
-              <a:t>bucket.query</a:t>
-            </a:r>
-            <a:r>
-              <a:rPr lang="en-US" sz="1400" dirty="0"/>
-              <a:t>(query);</a:t>
-            </a:r>
-          </a:p>
-          <a:p>
-            <a:r>
-              <a:rPr lang="en-US" sz="1400" dirty="0"/>
-              <a:t>    return </a:t>
-            </a:r>
-            <a:r>
-              <a:rPr lang="en-US" sz="1400" dirty="0" err="1"/>
-              <a:t>extractResultOrThrow</a:t>
-            </a:r>
-            <a:r>
-              <a:rPr lang="en-US" sz="1400" dirty="0"/>
-              <a:t>(</a:t>
-            </a:r>
-            <a:r>
-              <a:rPr lang="en-US" sz="1400" dirty="0" err="1"/>
-              <a:t>queryResult</a:t>
-            </a:r>
-            <a:r>
-              <a:rPr lang="en-US" sz="1400" dirty="0"/>
-              <a:t>);</a:t>
-            </a:r>
-          </a:p>
-          <a:p>
-            <a:r>
-              <a:rPr lang="en-US" sz="1400" dirty="0"/>
-              <a:t>}</a:t>
-            </a:r>
+            <a:pPr>
+              <a:lnSpc>
+                <a:spcPct val="150000"/>
+              </a:lnSpc>
+            </a:pPr>
+            <a:r>
+              <a:rPr lang="en-US" dirty="0" smtClean="0"/>
+              <a:t>Transformations</a:t>
+            </a:r>
+          </a:p>
+          <a:p>
+            <a:pPr>
+              <a:lnSpc>
+                <a:spcPct val="150000"/>
+              </a:lnSpc>
+            </a:pPr>
+            <a:r>
+              <a:rPr lang="en-US" dirty="0" smtClean="0"/>
+              <a:t>Filtering</a:t>
+            </a:r>
+          </a:p>
+          <a:p>
+            <a:pPr>
+              <a:lnSpc>
+                <a:spcPct val="150000"/>
+              </a:lnSpc>
+            </a:pPr>
+            <a:r>
+              <a:rPr lang="en-US" dirty="0" smtClean="0"/>
+              <a:t>Combinations</a:t>
+            </a:r>
+          </a:p>
+          <a:p>
+            <a:pPr>
+              <a:lnSpc>
+                <a:spcPct val="150000"/>
+              </a:lnSpc>
+            </a:pPr>
+            <a:r>
+              <a:rPr lang="en-US" dirty="0" smtClean="0"/>
+              <a:t>Managing Errors</a:t>
+            </a:r>
+            <a:endParaRPr lang="en-US" dirty="0"/>
           </a:p>
         </p:txBody>
       </p:sp>
     </p:spTree>
     <p:extLst>
       <p:ext uri="{BB962C8B-B14F-4D97-AF65-F5344CB8AC3E}">
-        <p14:creationId xmlns:p14="http://schemas.microsoft.com/office/powerpoint/2010/main" val="3451533496"/>
+        <p14:creationId xmlns:p14="http://schemas.microsoft.com/office/powerpoint/2010/main" val="917638533"/>
       </p:ext>
     </p:extLst>
   </p:cSld>
@@ -19515,50 +19106,116 @@
       </p:grpSpPr>
       <p:sp>
         <p:nvSpPr>
-          <p:cNvPr id="2" name="TextBox 1"/>
-          <p:cNvSpPr txBox="1"/>
-          <p:nvPr/>
+          <p:cNvPr id="2" name="Title 1"/>
+          <p:cNvSpPr>
+            <a:spLocks noGrp="1"/>
+          </p:cNvSpPr>
+          <p:nvPr>
+            <p:ph type="title"/>
+          </p:nvPr>
         </p:nvSpPr>
-        <p:spPr>
-          <a:xfrm>
-            <a:off x="1493998" y="2279362"/>
-            <a:ext cx="6156052" cy="584776"/>
-          </a:xfrm>
-          <a:prstGeom prst="rect">
-            <a:avLst/>
-          </a:prstGeom>
-          <a:noFill/>
-        </p:spPr>
+        <p:spPr/>
         <p:txBody>
-          <a:bodyPr wrap="none" rtlCol="0">
-            <a:spAutoFit/>
-          </a:bodyPr>
+          <a:bodyPr/>
           <a:lstStyle/>
           <a:p>
-            <a:pPr algn="ctr"/>
-            <a:r>
-              <a:rPr lang="en-US" sz="3200" b="1" dirty="0" err="1" smtClean="0">
-                <a:solidFill>
-                  <a:schemeClr val="accent2"/>
-                </a:solidFill>
-              </a:rPr>
-              <a:t>RxJava</a:t>
-            </a:r>
-            <a:r>
-              <a:rPr lang="en-US" sz="3200" b="1" dirty="0" smtClean="0">
-                <a:solidFill>
-                  <a:schemeClr val="accent2"/>
-                </a:solidFill>
-              </a:rPr>
-              <a:t> and the Asynchronous API</a:t>
-            </a:r>
+            <a:r>
+              <a:rPr lang="en-US" dirty="0" smtClean="0"/>
+              <a:t>Observable&lt;T&gt; Transformation</a:t>
+            </a:r>
+            <a:endParaRPr lang="en-US" dirty="0"/>
+          </a:p>
+        </p:txBody>
+      </p:sp>
+      <p:sp>
+        <p:nvSpPr>
+          <p:cNvPr id="3" name="Content Placeholder 2"/>
+          <p:cNvSpPr>
+            <a:spLocks noGrp="1"/>
+          </p:cNvSpPr>
+          <p:nvPr>
+            <p:ph idx="1"/>
+          </p:nvPr>
+        </p:nvSpPr>
+        <p:spPr/>
+        <p:txBody>
+          <a:bodyPr/>
+          <a:lstStyle/>
+          <a:p>
+            <a:pPr>
+              <a:lnSpc>
+                <a:spcPct val="150000"/>
+              </a:lnSpc>
+            </a:pPr>
+            <a:r>
+              <a:rPr lang="en-US" dirty="0" smtClean="0"/>
+              <a:t>Observable&lt;T&gt; source</a:t>
+            </a:r>
+          </a:p>
+          <a:p>
+            <a:pPr>
+              <a:lnSpc>
+                <a:spcPct val="150000"/>
+              </a:lnSpc>
+            </a:pPr>
+            <a:r>
+              <a:rPr lang="en-US" dirty="0" smtClean="0"/>
+              <a:t>Observable&lt;R&gt; target = </a:t>
+            </a:r>
+            <a:r>
+              <a:rPr lang="en-US" dirty="0" err="1" smtClean="0"/>
+              <a:t>source.map</a:t>
+            </a:r>
+            <a:r>
+              <a:rPr lang="en-US" dirty="0" smtClean="0"/>
+              <a:t>(</a:t>
+            </a:r>
+            <a:r>
+              <a:rPr lang="en-US" dirty="0" err="1" smtClean="0"/>
+              <a:t>mapFunction</a:t>
+            </a:r>
+            <a:r>
+              <a:rPr lang="en-US" dirty="0" smtClean="0"/>
+              <a:t>)</a:t>
+            </a:r>
+          </a:p>
+          <a:p>
+            <a:pPr>
+              <a:lnSpc>
+                <a:spcPct val="150000"/>
+              </a:lnSpc>
+            </a:pPr>
+            <a:r>
+              <a:rPr lang="en-US" dirty="0" err="1" smtClean="0"/>
+              <a:t>mapFunction</a:t>
+            </a:r>
+            <a:r>
+              <a:rPr lang="en-US" dirty="0" smtClean="0"/>
+              <a:t> transforms each T into an R</a:t>
+            </a:r>
+          </a:p>
+          <a:p>
+            <a:pPr lvl="1">
+              <a:lnSpc>
+                <a:spcPct val="150000"/>
+              </a:lnSpc>
+            </a:pPr>
+            <a:r>
+              <a:rPr lang="en-US" dirty="0" smtClean="0"/>
+              <a:t>Ex: T = String and R = </a:t>
+            </a:r>
+            <a:r>
+              <a:rPr lang="en-US" dirty="0" err="1" smtClean="0"/>
+              <a:t>int</a:t>
+            </a:r>
+            <a:endParaRPr lang="en-US" dirty="0"/>
           </a:p>
         </p:txBody>
       </p:sp>
     </p:spTree>
     <p:extLst>
       <p:ext uri="{BB962C8B-B14F-4D97-AF65-F5344CB8AC3E}">
-        <p14:creationId xmlns:p14="http://schemas.microsoft.com/office/powerpoint/2010/main" val="1337822616"/>
+        <p14:creationId xmlns:p14="http://schemas.microsoft.com/office/powerpoint/2010/main" val="1285891312"/>
       </p:ext>
     </p:extLst>
   </p:cSld>
@@ -19608,12 +19265,8 @@
           <a:lstStyle/>
           <a:p>
             <a:r>
-              <a:rPr lang="en-US" dirty="0" err="1" smtClean="0"/>
-              <a:t>RxJava</a:t>
-            </a:r>
-            <a:r>
               <a:rPr lang="en-US" dirty="0" smtClean="0"/>
-              <a:t> and the Asynchronous API</a:t>
+              <a:t>Observable&lt;T&gt; Filter</a:t>
             </a:r>
             <a:endParaRPr lang="en-US" dirty="0"/>
           </a:p>
@@ -19641,7 +19294,15 @@
             </a:pPr>
             <a:r>
               <a:rPr lang="en-US" dirty="0" smtClean="0"/>
-              <a:t>Observable&lt;T&gt; and Observer&lt;T&gt;</a:t>
+              <a:t>Observable&lt;T&gt; filter ( </a:t>
+            </a:r>
+            <a:r>
+              <a:rPr lang="en-US" dirty="0" err="1" smtClean="0"/>
+              <a:t>filterPredicate</a:t>
+            </a:r>
+            <a:r>
+              <a:rPr lang="en-US" dirty="0" smtClean="0"/>
+              <a:t> )</a:t>
             </a:r>
           </a:p>
           <a:p>
@@ -19652,27 +19313,20 @@
             </a:pPr>
             <a:r>
               <a:rPr lang="en-US" dirty="0" smtClean="0"/>
-              <a:t>Observables are streams of data</a:t>
-            </a:r>
-          </a:p>
-          <a:p>
-            <a:pPr>
-              <a:lnSpc>
-                <a:spcPct val="150000"/>
-              </a:lnSpc>
-            </a:pPr>
-            <a:r>
-              <a:rPr lang="en-US" dirty="0" smtClean="0"/>
-              <a:t>Rx operators manipulate the data stream</a:t>
-            </a:r>
-            <a:endParaRPr lang="en-US" dirty="0"/>
+              <a:t>Only emit T’s that match the </a:t>
+            </a:r>
+            <a:r>
+              <a:rPr lang="en-US" dirty="0" err="1" smtClean="0"/>
+              <a:t>filterPredicate</a:t>
+            </a:r>
+            <a:endParaRPr lang="en-US" dirty="0" smtClean="0"/>
           </a:p>
         </p:txBody>
       </p:sp>
     </p:spTree>
     <p:extLst>
       <p:ext uri="{BB962C8B-B14F-4D97-AF65-F5344CB8AC3E}">
-        <p14:creationId xmlns:p14="http://schemas.microsoft.com/office/powerpoint/2010/main" val="3104729291"/>
+        <p14:creationId xmlns:p14="http://schemas.microsoft.com/office/powerpoint/2010/main" val="718405194"/>
       </p:ext>
     </p:extLst>
   </p:cSld>
@@ -19722,8 +19376,12 @@
           <a:lstStyle/>
           <a:p>
             <a:r>
+              <a:rPr lang="en-US" dirty="0" err="1" smtClean="0"/>
+              <a:t>RxJava</a:t>
+            </a:r>
+            <a:r>
               <a:rPr lang="en-US" dirty="0" smtClean="0"/>
-              <a:t>Observable&lt;T&gt; Operators</a:t>
+              <a:t> Example</a:t>
             </a:r>
             <a:endParaRPr lang="en-US" dirty="0"/>
           </a:p>
@@ -19739,61 +19397,199 @@
             <p:ph idx="1"/>
           </p:nvPr>
         </p:nvSpPr>
-        <p:spPr/>
+        <p:spPr>
+          <a:xfrm>
+            <a:off x="457208" y="685800"/>
+            <a:ext cx="8007739" cy="4019550"/>
+          </a:xfrm>
+        </p:spPr>
         <p:txBody>
           <a:bodyPr/>
           <a:lstStyle/>
           <a:p>
-            <a:pPr>
-              <a:lnSpc>
-                <a:spcPct val="150000"/>
-              </a:lnSpc>
-            </a:pPr>
-            <a:r>
-              <a:rPr lang="en-US" dirty="0" smtClean="0"/>
-              <a:t>Transformations</a:t>
-            </a:r>
-          </a:p>
-          <a:p>
-            <a:pPr>
-              <a:lnSpc>
-                <a:spcPct val="150000"/>
-              </a:lnSpc>
-            </a:pPr>
-            <a:r>
-              <a:rPr lang="en-US" dirty="0" smtClean="0"/>
-              <a:t>Filtering</a:t>
-            </a:r>
-          </a:p>
-          <a:p>
-            <a:pPr>
-              <a:lnSpc>
-                <a:spcPct val="150000"/>
-              </a:lnSpc>
-            </a:pPr>
-            <a:r>
-              <a:rPr lang="en-US" dirty="0" smtClean="0"/>
-              <a:t>Combinations</a:t>
-            </a:r>
-          </a:p>
-          <a:p>
-            <a:pPr>
-              <a:lnSpc>
-                <a:spcPct val="150000"/>
-              </a:lnSpc>
-            </a:pPr>
-            <a:r>
-              <a:rPr lang="en-US" dirty="0" smtClean="0"/>
-              <a:t>Managing Errors</a:t>
-            </a:r>
-            <a:endParaRPr lang="en-US" dirty="0"/>
+            <a:r>
+              <a:rPr lang="en-US" sz="1400" dirty="0"/>
+              <a:t>return </a:t>
+            </a:r>
+            <a:r>
+              <a:rPr lang="en-US" sz="1400" dirty="0" err="1"/>
+              <a:t>bucket.async</a:t>
+            </a:r>
+            <a:r>
+              <a:rPr lang="en-US" sz="1400" dirty="0"/>
+              <a:t>()</a:t>
+            </a:r>
+          </a:p>
+          <a:p>
+            <a:r>
+              <a:rPr lang="en-US" sz="1400" dirty="0"/>
+              <a:t>.get("user::" + username)</a:t>
+            </a:r>
+          </a:p>
+          <a:p>
+            <a:r>
+              <a:rPr lang="en-US" sz="1400" dirty="0"/>
+              <a:t>.map(new Func1&lt;</a:t>
+            </a:r>
+            <a:r>
+              <a:rPr lang="en-US" sz="1400" dirty="0" err="1"/>
+              <a:t>JsonDocument</a:t>
+            </a:r>
+            <a:r>
+              <a:rPr lang="en-US" sz="1400" dirty="0"/>
+              <a:t>, </a:t>
+            </a:r>
+            <a:r>
+              <a:rPr lang="en-US" sz="1400" dirty="0" err="1"/>
+              <a:t>ResponseEntity</a:t>
+            </a:r>
+            <a:r>
+              <a:rPr lang="en-US" sz="1400" dirty="0"/>
+              <a:t>&lt;String&gt;&gt;() {</a:t>
+            </a:r>
+          </a:p>
+          <a:p>
+            <a:r>
+              <a:rPr lang="en-US" sz="1400" dirty="0"/>
+              <a:t>    @Override</a:t>
+            </a:r>
+          </a:p>
+          <a:p>
+            <a:r>
+              <a:rPr lang="en-US" sz="1400" dirty="0"/>
+              <a:t>    public </a:t>
+            </a:r>
+            <a:r>
+              <a:rPr lang="en-US" sz="1400" dirty="0" err="1"/>
+              <a:t>ResponseEntity</a:t>
+            </a:r>
+            <a:r>
+              <a:rPr lang="en-US" sz="1400" dirty="0"/>
+              <a:t>&lt;String&gt; call(</a:t>
+            </a:r>
+            <a:r>
+              <a:rPr lang="en-US" sz="1400" dirty="0" err="1"/>
+              <a:t>JsonDocument</a:t>
+            </a:r>
+            <a:r>
+              <a:rPr lang="en-US" sz="1400" dirty="0"/>
+              <a:t> doc) {</a:t>
+            </a:r>
+          </a:p>
+          <a:p>
+            <a:r>
+              <a:rPr lang="en-US" sz="1400" dirty="0"/>
+              <a:t>        return new </a:t>
+            </a:r>
+            <a:r>
+              <a:rPr lang="en-US" sz="1400" dirty="0" err="1"/>
+              <a:t>ResponseEntity</a:t>
+            </a:r>
+            <a:r>
+              <a:rPr lang="en-US" sz="1400" dirty="0"/>
+              <a:t>&lt;String&gt;(</a:t>
+            </a:r>
+            <a:r>
+              <a:rPr lang="en-US" sz="1400" dirty="0" err="1"/>
+              <a:t>doc.content</a:t>
+            </a:r>
+            <a:r>
+              <a:rPr lang="en-US" sz="1400" dirty="0"/>
+              <a:t>().</a:t>
+            </a:r>
+            <a:r>
+              <a:rPr lang="en-US" sz="1400" dirty="0" err="1"/>
+              <a:t>getArray</a:t>
+            </a:r>
+            <a:r>
+              <a:rPr lang="en-US" sz="1400" dirty="0"/>
+              <a:t>("flights").</a:t>
+            </a:r>
+            <a:r>
+              <a:rPr lang="en-US" sz="1400" dirty="0" err="1"/>
+              <a:t>toString</a:t>
+            </a:r>
+            <a:r>
+              <a:rPr lang="en-US" sz="1400" dirty="0"/>
+              <a:t>(), </a:t>
+            </a:r>
+            <a:r>
+              <a:rPr lang="en-US" sz="1400" dirty="0" err="1"/>
+              <a:t>HttpStatus.OK</a:t>
+            </a:r>
+            <a:r>
+              <a:rPr lang="en-US" sz="1400" dirty="0"/>
+              <a:t>);</a:t>
+            </a:r>
+          </a:p>
+          <a:p>
+            <a:r>
+              <a:rPr lang="en-US" sz="1400" dirty="0"/>
+              <a:t>    }</a:t>
+            </a:r>
+          </a:p>
+          <a:p>
+            <a:r>
+              <a:rPr lang="en-US" sz="1400" dirty="0"/>
+              <a:t>})</a:t>
+            </a:r>
+          </a:p>
+          <a:p>
+            <a:r>
+              <a:rPr lang="en-US" sz="1400" dirty="0"/>
+              <a:t>.</a:t>
+            </a:r>
+            <a:r>
+              <a:rPr lang="en-US" sz="1400" dirty="0" err="1"/>
+              <a:t>defaultIfEmpty</a:t>
+            </a:r>
+            <a:r>
+              <a:rPr lang="en-US" sz="1400" dirty="0"/>
+              <a:t>(new </a:t>
+            </a:r>
+            <a:r>
+              <a:rPr lang="en-US" sz="1400" dirty="0" err="1"/>
+              <a:t>ResponseEntity</a:t>
+            </a:r>
+            <a:r>
+              <a:rPr lang="en-US" sz="1400" dirty="0"/>
+              <a:t>&lt;String&gt;("{failure: 'No flights found'}", </a:t>
+            </a:r>
+            <a:r>
+              <a:rPr lang="en-US" sz="1400" dirty="0" err="1"/>
+              <a:t>HttpStatus.OK</a:t>
+            </a:r>
+            <a:r>
+              <a:rPr lang="en-US" sz="1400" dirty="0"/>
+              <a:t>))</a:t>
+            </a:r>
+          </a:p>
+          <a:p>
+            <a:r>
+              <a:rPr lang="en-US" sz="1400" dirty="0"/>
+              <a:t>.</a:t>
+            </a:r>
+            <a:r>
+              <a:rPr lang="en-US" sz="1400" dirty="0" err="1"/>
+              <a:t>toBlocking</a:t>
+            </a:r>
+            <a:r>
+              <a:rPr lang="en-US" sz="1400" dirty="0"/>
+              <a:t>()</a:t>
+            </a:r>
+          </a:p>
+          <a:p>
+            <a:r>
+              <a:rPr lang="en-US" sz="1400" dirty="0"/>
+              <a:t>.single();</a:t>
+            </a:r>
           </a:p>
         </p:txBody>
       </p:sp>
     </p:spTree>
     <p:extLst>
       <p:ext uri="{BB962C8B-B14F-4D97-AF65-F5344CB8AC3E}">
-        <p14:creationId xmlns:p14="http://schemas.microsoft.com/office/powerpoint/2010/main" val="917638533"/>
+        <p14:creationId xmlns:p14="http://schemas.microsoft.com/office/powerpoint/2010/main" val="3124101617"/>
       </p:ext>
     </p:extLst>
   </p:cSld>
@@ -19843,8 +19639,12 @@
           <a:lstStyle/>
           <a:p>
             <a:r>
+              <a:rPr lang="en-US" dirty="0" err="1" smtClean="0"/>
+              <a:t>RxJava</a:t>
+            </a:r>
+            <a:r>
               <a:rPr lang="en-US" dirty="0" smtClean="0"/>
-              <a:t>Observable&lt;T&gt; Transformation</a:t>
+              <a:t> Example</a:t>
             </a:r>
             <a:endParaRPr lang="en-US" dirty="0"/>
           </a:p>
@@ -19860,85 +19660,147 @@
             <p:ph idx="1"/>
           </p:nvPr>
         </p:nvSpPr>
-        <p:spPr/>
+        <p:spPr>
+          <a:xfrm>
+            <a:off x="457208" y="685800"/>
+            <a:ext cx="8007739" cy="4019550"/>
+          </a:xfrm>
+        </p:spPr>
         <p:txBody>
           <a:bodyPr/>
           <a:lstStyle/>
           <a:p>
-            <a:pPr>
-              <a:lnSpc>
-                <a:spcPct val="150000"/>
-              </a:lnSpc>
-            </a:pPr>
-            <a:r>
-              <a:rPr lang="en-US" dirty="0" smtClean="0"/>
-              <a:t>Observable&lt;T&gt; source</a:t>
-            </a:r>
-          </a:p>
-          <a:p>
-            <a:pPr>
-              <a:lnSpc>
-                <a:spcPct val="150000"/>
-              </a:lnSpc>
-            </a:pPr>
-            <a:r>
-              <a:rPr lang="en-US" dirty="0" smtClean="0"/>
-              <a:t>Observable&lt;R&gt; target = </a:t>
-            </a:r>
-            <a:r>
-              <a:rPr lang="en-US" dirty="0" err="1" smtClean="0"/>
-              <a:t>source.map</a:t>
-            </a:r>
-            <a:r>
-              <a:rPr lang="en-US" dirty="0" smtClean="0"/>
+            <a:r>
+              <a:rPr lang="en-US" sz="1400" dirty="0" smtClean="0"/>
+              <a:t>// </a:t>
+            </a:r>
+            <a:r>
+              <a:rPr lang="en-US" sz="1400" dirty="0" err="1" smtClean="0"/>
+              <a:t>Async</a:t>
+            </a:r>
+            <a:r>
+              <a:rPr lang="en-US" sz="1400" dirty="0" smtClean="0"/>
+              <a:t> Query</a:t>
+            </a:r>
+          </a:p>
+          <a:p>
+            <a:endParaRPr lang="en-US" sz="1400" dirty="0" smtClean="0"/>
+          </a:p>
+          <a:p>
+            <a:r>
+              <a:rPr lang="en-US" sz="1400" dirty="0" err="1" smtClean="0"/>
+              <a:t>bucket.query</a:t>
+            </a:r>
+            <a:r>
+              <a:rPr lang="en-US" sz="1400" dirty="0" smtClean="0"/>
               <a:t>(</a:t>
             </a:r>
             <a:r>
-              <a:rPr lang="en-US" dirty="0" err="1" smtClean="0"/>
-              <a:t>mapFunction</a:t>
-            </a:r>
-            <a:r>
-              <a:rPr lang="en-US" dirty="0" smtClean="0"/>
-              <a:t>)</a:t>
-            </a:r>
-          </a:p>
-          <a:p>
-            <a:pPr>
-              <a:lnSpc>
-                <a:spcPct val="150000"/>
-              </a:lnSpc>
-            </a:pPr>
-            <a:r>
-              <a:rPr lang="en-US" dirty="0" err="1" smtClean="0"/>
-              <a:t>mapFunction</a:t>
-            </a:r>
-            <a:r>
-              <a:rPr lang="en-US" dirty="0" smtClean="0"/>
-              <a:t> transforms each T into an R</a:t>
-            </a:r>
-          </a:p>
-          <a:p>
-            <a:pPr lvl="1">
-              <a:lnSpc>
-                <a:spcPct val="150000"/>
-              </a:lnSpc>
-            </a:pPr>
-            <a:r>
-              <a:rPr lang="en-US" dirty="0" smtClean="0"/>
-              <a:t>Ex: T = String and R = </a:t>
-            </a:r>
-            <a:r>
-              <a:rPr lang="en-US" dirty="0" err="1" smtClean="0"/>
-              <a:t>int</a:t>
-            </a:r>
-            <a:endParaRPr lang="en-US" dirty="0"/>
+              <a:rPr lang="en-US" sz="1400" dirty="0" err="1" smtClean="0"/>
+              <a:t>Query.simple</a:t>
+            </a:r>
+            <a:r>
+              <a:rPr lang="en-US" sz="1400" dirty="0" smtClean="0"/>
+              <a:t>(select(“*”).from(</a:t>
+            </a:r>
+            <a:r>
+              <a:rPr lang="en-US" sz="1400" dirty="0" err="1" smtClean="0"/>
+              <a:t>i</a:t>
+            </a:r>
+            <a:r>
+              <a:rPr lang="en-US" sz="1400" dirty="0" smtClean="0"/>
+              <a:t>(“bucket-name”)).limit(10)))</a:t>
+            </a:r>
+          </a:p>
+          <a:p>
+            <a:r>
+              <a:rPr lang="en-US" sz="1400" dirty="0" smtClean="0"/>
+              <a:t>.</a:t>
+            </a:r>
+            <a:r>
+              <a:rPr lang="en-US" sz="1400" dirty="0" err="1" smtClean="0"/>
+              <a:t>flatMap</a:t>
+            </a:r>
+            <a:r>
+              <a:rPr lang="en-US" sz="1400" dirty="0" smtClean="0"/>
+              <a:t>(</a:t>
+            </a:r>
+            <a:r>
+              <a:rPr lang="en-US" sz="1400" dirty="0" err="1" smtClean="0"/>
+              <a:t>AsyncQueryResult</a:t>
+            </a:r>
+            <a:r>
+              <a:rPr lang="en-US" sz="1400" dirty="0" smtClean="0"/>
+              <a:t>::row)</a:t>
+            </a:r>
+          </a:p>
+          <a:p>
+            <a:r>
+              <a:rPr lang="en-US" sz="1400" dirty="0" smtClean="0"/>
+              <a:t>.</a:t>
+            </a:r>
+            <a:r>
+              <a:rPr lang="en-US" sz="1400" dirty="0" err="1" smtClean="0"/>
+              <a:t>forEach</a:t>
+            </a:r>
+            <a:r>
+              <a:rPr lang="en-US" sz="1400" dirty="0" smtClean="0"/>
+              <a:t>(</a:t>
+            </a:r>
+            <a:r>
+              <a:rPr lang="en-US" sz="1400" dirty="0" err="1" smtClean="0"/>
+              <a:t>System.out</a:t>
+            </a:r>
+            <a:r>
+              <a:rPr lang="en-US" sz="1400" dirty="0" smtClean="0"/>
+              <a:t>::</a:t>
+            </a:r>
+            <a:r>
+              <a:rPr lang="en-US" sz="1400" dirty="0" err="1" smtClean="0"/>
+              <a:t>println</a:t>
+            </a:r>
+            <a:r>
+              <a:rPr lang="en-US" sz="1400" dirty="0" smtClean="0"/>
+              <a:t>);</a:t>
+            </a:r>
+          </a:p>
+          <a:p>
+            <a:endParaRPr lang="en-US" sz="1400" dirty="0"/>
+          </a:p>
+          <a:p>
+            <a:r>
+              <a:rPr lang="en-US" sz="1400" dirty="0" smtClean="0"/>
+              <a:t>// Result</a:t>
+            </a:r>
+          </a:p>
+          <a:p>
+            <a:endParaRPr lang="en-US" sz="1400" dirty="0"/>
+          </a:p>
+          <a:p>
+            <a:r>
+              <a:rPr lang="en-US" sz="1400" dirty="0" smtClean="0"/>
+              <a:t>{ data: { something: “1” }</a:t>
+            </a:r>
+          </a:p>
+          <a:p>
+            <a:r>
+              <a:rPr lang="en-US" sz="1400" dirty="0" smtClean="0"/>
+              <a:t>{ data: { something: “2” }</a:t>
+            </a:r>
+          </a:p>
+          <a:p>
+            <a:r>
+              <a:rPr lang="en-US" sz="1400" dirty="0" smtClean="0"/>
+              <a:t>// …</a:t>
+            </a:r>
+            <a:endParaRPr lang="en-US" sz="1400" dirty="0"/>
           </a:p>
         </p:txBody>
       </p:sp>
     </p:spTree>
     <p:extLst>
       <p:ext uri="{BB962C8B-B14F-4D97-AF65-F5344CB8AC3E}">
-        <p14:creationId xmlns:p14="http://schemas.microsoft.com/office/powerpoint/2010/main" val="1285891312"/>
+        <p14:creationId xmlns:p14="http://schemas.microsoft.com/office/powerpoint/2010/main" val="2344698406"/>
       </p:ext>
     </p:extLst>
   </p:cSld>
@@ -19989,7 +19851,7 @@
           <a:p>
             <a:r>
               <a:rPr lang="en-US" dirty="0" smtClean="0"/>
-              <a:t>Observable&lt;T&gt; Filter</a:t>
+              <a:t>Couchbase N1QL Tutorial</a:t>
             </a:r>
             <a:endParaRPr lang="en-US" dirty="0"/>
           </a:p>
@@ -20005,51 +19867,35 @@
             <p:ph idx="1"/>
           </p:nvPr>
         </p:nvSpPr>
-        <p:spPr/>
+        <p:spPr>
+          <a:xfrm>
+            <a:off x="457208" y="2350889"/>
+            <a:ext cx="8007739" cy="441723"/>
+          </a:xfrm>
+        </p:spPr>
         <p:txBody>
           <a:bodyPr/>
           <a:lstStyle/>
           <a:p>
-            <a:pPr>
-              <a:lnSpc>
-                <a:spcPct val="150000"/>
-              </a:lnSpc>
-            </a:pPr>
-            <a:r>
-              <a:rPr lang="en-US" dirty="0" smtClean="0"/>
-              <a:t>Observable&lt;T&gt; filter ( </a:t>
-            </a:r>
-            <a:r>
-              <a:rPr lang="en-US" dirty="0" err="1" smtClean="0"/>
-              <a:t>filterPredicate</a:t>
-            </a:r>
-            <a:r>
-              <a:rPr lang="en-US" dirty="0" smtClean="0"/>
-              <a:t> )</a:t>
-            </a:r>
-          </a:p>
-          <a:p>
-            <a:pPr>
-              <a:lnSpc>
-                <a:spcPct val="150000"/>
-              </a:lnSpc>
-            </a:pPr>
-            <a:r>
-              <a:rPr lang="en-US" dirty="0" smtClean="0"/>
-              <a:t>Only emit T’s that match the </a:t>
-            </a:r>
-            <a:r>
-              <a:rPr lang="en-US" dirty="0" err="1" smtClean="0"/>
-              <a:t>filterPredicate</a:t>
-            </a:r>
-            <a:endParaRPr lang="en-US" dirty="0" smtClean="0"/>
+            <a:r>
+              <a:rPr lang="en-US" dirty="0"/>
+              <a:t>http://</a:t>
+            </a:r>
+            <a:r>
+              <a:rPr lang="en-US" dirty="0" err="1"/>
+              <a:t>query.pub.couchbase.com</a:t>
+            </a:r>
+            <a:r>
+              <a:rPr lang="en-US" dirty="0"/>
+              <a:t>/tutorial</a:t>
+            </a:r>
           </a:p>
         </p:txBody>
       </p:sp>
     </p:spTree>
     <p:extLst>
       <p:ext uri="{BB962C8B-B14F-4D97-AF65-F5344CB8AC3E}">
-        <p14:creationId xmlns:p14="http://schemas.microsoft.com/office/powerpoint/2010/main" val="718405194"/>
+        <p14:creationId xmlns:p14="http://schemas.microsoft.com/office/powerpoint/2010/main" val="1696580365"/>
       </p:ext>
     </p:extLst>
   </p:cSld>
@@ -20085,12 +19931,12 @@
       </p:grpSpPr>
       <p:sp>
         <p:nvSpPr>
-          <p:cNvPr id="2" name="Title 1"/>
+          <p:cNvPr id="4" name="Title 3"/>
           <p:cNvSpPr>
             <a:spLocks noGrp="1"/>
           </p:cNvSpPr>
           <p:nvPr>
-            <p:ph type="title"/>
+            <p:ph type="ctrTitle"/>
           </p:nvPr>
         </p:nvSpPr>
         <p:spPr/>
@@ -20099,12 +19945,8 @@
           <a:lstStyle/>
           <a:p>
             <a:r>
-              <a:rPr lang="en-US" dirty="0" err="1" smtClean="0"/>
-              <a:t>RxJava</a:t>
-            </a:r>
-            <a:r>
               <a:rPr lang="en-US" dirty="0" smtClean="0"/>
-              <a:t> Example</a:t>
+              <a:t>Questions?</a:t>
             </a:r>
             <a:endParaRPr lang="en-US" dirty="0"/>
           </a:p>
@@ -20112,18 +19954,37 @@
       </p:sp>
       <p:sp>
         <p:nvSpPr>
-          <p:cNvPr id="3" name="Content Placeholder 2"/>
+          <p:cNvPr id="6" name="Subtitle 5"/>
           <p:cNvSpPr>
             <a:spLocks noGrp="1"/>
           </p:cNvSpPr>
           <p:nvPr>
-            <p:ph idx="1"/>
+            <p:ph type="subTitle" idx="1"/>
+          </p:nvPr>
+        </p:nvSpPr>
+        <p:spPr/>
+        <p:txBody>
+          <a:bodyPr/>
+          <a:lstStyle/>
+          <a:p>
+            <a:endParaRPr lang="en-US"/>
+          </a:p>
+        </p:txBody>
+      </p:sp>
+      <p:sp>
+        <p:nvSpPr>
+          <p:cNvPr id="3" name="Footer Placeholder 2"/>
+          <p:cNvSpPr>
+            <a:spLocks noGrp="1"/>
+          </p:cNvSpPr>
+          <p:nvPr>
+            <p:ph type="ftr" sz="quarter" idx="4294967295"/>
           </p:nvPr>
         </p:nvSpPr>
         <p:spPr>
           <a:xfrm>
-            <a:off x="457208" y="685800"/>
-            <a:ext cx="8007739" cy="4019550"/>
+            <a:off x="0" y="4767263"/>
+            <a:ext cx="2895600" cy="274637"/>
           </a:xfrm>
         </p:spPr>
         <p:txBody>
@@ -20131,188 +19992,17 @@
           <a:lstStyle/>
           <a:p>
             <a:r>
-              <a:rPr lang="en-US" sz="1400" dirty="0"/>
-              <a:t>return </a:t>
-            </a:r>
-            <a:r>
-              <a:rPr lang="en-US" sz="1400" dirty="0" err="1"/>
-              <a:t>bucket.async</a:t>
-            </a:r>
-            <a:r>
-              <a:rPr lang="en-US" sz="1400" dirty="0"/>
-              <a:t>()</a:t>
-            </a:r>
-          </a:p>
-          <a:p>
-            <a:r>
-              <a:rPr lang="en-US" sz="1400" dirty="0"/>
-              <a:t>.get("user::" + username)</a:t>
-            </a:r>
-          </a:p>
-          <a:p>
-            <a:r>
-              <a:rPr lang="en-US" sz="1400" dirty="0"/>
-              <a:t>.map(new Func1&lt;</a:t>
-            </a:r>
-            <a:r>
-              <a:rPr lang="en-US" sz="1400" dirty="0" err="1"/>
-              <a:t>JsonDocument</a:t>
-            </a:r>
-            <a:r>
-              <a:rPr lang="en-US" sz="1400" dirty="0"/>
-              <a:t>, </a:t>
-            </a:r>
-            <a:r>
-              <a:rPr lang="en-US" sz="1400" dirty="0" err="1"/>
-              <a:t>ResponseEntity</a:t>
-            </a:r>
-            <a:r>
-              <a:rPr lang="en-US" sz="1400" dirty="0"/>
-              <a:t>&lt;String&gt;&gt;() {</a:t>
-            </a:r>
-          </a:p>
-          <a:p>
-            <a:r>
-              <a:rPr lang="en-US" sz="1400" dirty="0"/>
-              <a:t>    @Override</a:t>
-            </a:r>
-          </a:p>
-          <a:p>
-            <a:r>
-              <a:rPr lang="en-US" sz="1400" dirty="0"/>
-              <a:t>    public </a:t>
-            </a:r>
-            <a:r>
-              <a:rPr lang="en-US" sz="1400" dirty="0" err="1"/>
-              <a:t>ResponseEntity</a:t>
-            </a:r>
-            <a:r>
-              <a:rPr lang="en-US" sz="1400" dirty="0"/>
-              <a:t>&lt;String&gt; call(</a:t>
-            </a:r>
-            <a:r>
-              <a:rPr lang="en-US" sz="1400" dirty="0" err="1"/>
-              <a:t>JsonDocument</a:t>
-            </a:r>
-            <a:r>
-              <a:rPr lang="en-US" sz="1400" dirty="0"/>
-              <a:t> doc) {</a:t>
-            </a:r>
-          </a:p>
-          <a:p>
-            <a:r>
-              <a:rPr lang="en-US" sz="1400" dirty="0"/>
-              <a:t>        return new </a:t>
-            </a:r>
-            <a:r>
-              <a:rPr lang="en-US" sz="1400" dirty="0" err="1"/>
-              <a:t>ResponseEntity</a:t>
-            </a:r>
-            <a:r>
-              <a:rPr lang="en-US" sz="1400" dirty="0"/>
-              <a:t>&lt;String&gt;(</a:t>
-            </a:r>
-            <a:r>
-              <a:rPr lang="en-US" sz="1400" dirty="0" err="1"/>
-              <a:t>doc.content</a:t>
-            </a:r>
-            <a:r>
-              <a:rPr lang="en-US" sz="1400" dirty="0"/>
-              <a:t>().</a:t>
-            </a:r>
-            <a:r>
-              <a:rPr lang="en-US" sz="1400" dirty="0" err="1"/>
-              <a:t>getArray</a:t>
-            </a:r>
-            <a:r>
-              <a:rPr lang="en-US" sz="1400" dirty="0"/>
-              <a:t>("flights").</a:t>
-            </a:r>
-            <a:r>
-              <a:rPr lang="en-US" sz="1400" dirty="0" err="1"/>
-              <a:t>toString</a:t>
-            </a:r>
-            <a:r>
-              <a:rPr lang="en-US" sz="1400" dirty="0"/>
-              <a:t>(), </a:t>
-            </a:r>
-            <a:r>
-              <a:rPr lang="en-US" sz="1400" dirty="0" err="1"/>
-              <a:t>HttpStatus.OK</a:t>
-            </a:r>
-            <a:r>
-              <a:rPr lang="en-US" sz="1400" dirty="0"/>
-              <a:t>);</a:t>
-            </a:r>
-          </a:p>
-          <a:p>
-            <a:r>
-              <a:rPr lang="en-US" sz="1400" dirty="0"/>
-              <a:t>    }</a:t>
-            </a:r>
-          </a:p>
-          <a:p>
-            <a:r>
-              <a:rPr lang="en-US" sz="1400" dirty="0"/>
-              <a:t>})</a:t>
-            </a:r>
-          </a:p>
-          <a:p>
-            <a:r>
-              <a:rPr lang="en-US" sz="1400" dirty="0"/>
-              <a:t>.</a:t>
-            </a:r>
-            <a:r>
-              <a:rPr lang="en-US" sz="1400" dirty="0" err="1"/>
-              <a:t>defaultIfEmpty</a:t>
-            </a:r>
-            <a:r>
-              <a:rPr lang="en-US" sz="1400" dirty="0"/>
-              <a:t>(new </a:t>
-            </a:r>
-            <a:r>
-              <a:rPr lang="en-US" sz="1400" dirty="0" err="1"/>
-              <a:t>ResponseEntity</a:t>
-            </a:r>
-            <a:r>
-              <a:rPr lang="en-US" sz="1400" dirty="0"/>
-              <a:t>&lt;String&gt;("{failure: 'No flights found'}", </a:t>
-            </a:r>
-            <a:r>
-              <a:rPr lang="en-US" sz="1400" dirty="0" err="1"/>
-              <a:t>HttpStatus.OK</a:t>
-            </a:r>
-            <a:r>
-              <a:rPr lang="en-US" sz="1400" dirty="0"/>
-              <a:t>))</a:t>
-            </a:r>
-          </a:p>
-          <a:p>
-            <a:r>
-              <a:rPr lang="en-US" sz="1400" dirty="0"/>
-              <a:t>.</a:t>
-            </a:r>
-            <a:r>
-              <a:rPr lang="en-US" sz="1400" dirty="0" err="1"/>
-              <a:t>toBlocking</a:t>
-            </a:r>
-            <a:r>
-              <a:rPr lang="en-US" sz="1400" dirty="0"/>
-              <a:t>()</a:t>
-            </a:r>
-          </a:p>
-          <a:p>
-            <a:r>
-              <a:rPr lang="en-US" sz="1400" dirty="0"/>
-              <a:t>.single();</a:t>
-            </a:r>
+              <a:rPr lang="en-US" smtClean="0"/>
+              <a:t>©2014 Couchbase, Inc. </a:t>
+            </a:r>
+            <a:endParaRPr lang="en-US" dirty="0"/>
           </a:p>
         </p:txBody>
       </p:sp>
     </p:spTree>
     <p:extLst>
       <p:ext uri="{BB962C8B-B14F-4D97-AF65-F5344CB8AC3E}">
-        <p14:creationId xmlns:p14="http://schemas.microsoft.com/office/powerpoint/2010/main" val="3124101617"/>
+        <p14:creationId xmlns:p14="http://schemas.microsoft.com/office/powerpoint/2010/main" val="3517521933"/>
       </p:ext>
     </p:extLst>
   </p:cSld>
@@ -20353,7 +20043,7 @@
             <a:spLocks noGrp="1"/>
           </p:cNvSpPr>
           <p:nvPr>
-            <p:ph type="title"/>
+            <p:ph type="ctrTitle"/>
           </p:nvPr>
         </p:nvSpPr>
         <p:spPr/>
@@ -20363,7 +20053,7 @@
           <a:p>
             <a:r>
               <a:rPr lang="en-US" dirty="0" smtClean="0"/>
-              <a:t>Couchbase N1QL Tutorial</a:t>
+              <a:t>Travel Application</a:t>
             </a:r>
             <a:endParaRPr lang="en-US" dirty="0"/>
           </a:p>
@@ -20371,43 +20061,31 @@
       </p:sp>
       <p:sp>
         <p:nvSpPr>
-          <p:cNvPr id="3" name="Content Placeholder 2"/>
+          <p:cNvPr id="3" name="Subtitle 2"/>
           <p:cNvSpPr>
             <a:spLocks noGrp="1"/>
           </p:cNvSpPr>
           <p:nvPr>
-            <p:ph idx="1"/>
+            <p:ph type="subTitle" idx="1"/>
           </p:nvPr>
         </p:nvSpPr>
-        <p:spPr>
-          <a:xfrm>
-            <a:off x="457208" y="2350889"/>
-            <a:ext cx="8007739" cy="441723"/>
-          </a:xfrm>
-        </p:spPr>
+        <p:spPr/>
         <p:txBody>
           <a:bodyPr/>
           <a:lstStyle/>
           <a:p>
             <a:r>
-              <a:rPr lang="en-US" dirty="0"/>
-              <a:t>http://</a:t>
-            </a:r>
-            <a:r>
-              <a:rPr lang="en-US" dirty="0" err="1"/>
-              <a:t>query.pub.couchbase.com</a:t>
-            </a:r>
-            <a:r>
-              <a:rPr lang="en-US" dirty="0"/>
-              <a:t>/tutorial</a:t>
-            </a:r>
+              <a:rPr lang="en-US" dirty="0" smtClean="0"/>
+              <a:t>Workshop</a:t>
+            </a:r>
+            <a:endParaRPr lang="en-US" dirty="0"/>
           </a:p>
         </p:txBody>
       </p:sp>
     </p:spTree>
     <p:extLst>
       <p:ext uri="{BB962C8B-B14F-4D97-AF65-F5344CB8AC3E}">
-        <p14:creationId xmlns:p14="http://schemas.microsoft.com/office/powerpoint/2010/main" val="1696580365"/>
+        <p14:creationId xmlns:p14="http://schemas.microsoft.com/office/powerpoint/2010/main" val="2979816808"/>
       </p:ext>
     </p:extLst>
   </p:cSld>
@@ -20443,1402 +20121,6 @@
       </p:grpSpPr>
       <p:sp>
         <p:nvSpPr>
-          <p:cNvPr id="4" name="Title 3"/>
-          <p:cNvSpPr>
-            <a:spLocks noGrp="1"/>
-          </p:cNvSpPr>
-          <p:nvPr>
-            <p:ph type="ctrTitle"/>
-          </p:nvPr>
-        </p:nvSpPr>
-        <p:spPr/>
-        <p:txBody>
-          <a:bodyPr/>
-          <a:lstStyle/>
-          <a:p>
-            <a:r>
-              <a:rPr lang="en-US" dirty="0" smtClean="0"/>
-              <a:t>Questions?</a:t>
-            </a:r>
-            <a:endParaRPr lang="en-US" dirty="0"/>
-          </a:p>
-        </p:txBody>
-      </p:sp>
-      <p:sp>
-        <p:nvSpPr>
-          <p:cNvPr id="6" name="Subtitle 5"/>
-          <p:cNvSpPr>
-            <a:spLocks noGrp="1"/>
-          </p:cNvSpPr>
-          <p:nvPr>
-            <p:ph type="subTitle" idx="1"/>
-          </p:nvPr>
-        </p:nvSpPr>
-        <p:spPr/>
-        <p:txBody>
-          <a:bodyPr/>
-          <a:lstStyle/>
-          <a:p>
-            <a:endParaRPr lang="en-US"/>
-          </a:p>
-        </p:txBody>
-      </p:sp>
-      <p:sp>
-        <p:nvSpPr>
-          <p:cNvPr id="3" name="Footer Placeholder 2"/>
-          <p:cNvSpPr>
-            <a:spLocks noGrp="1"/>
-          </p:cNvSpPr>
-          <p:nvPr>
-            <p:ph type="ftr" sz="quarter" idx="4294967295"/>
-          </p:nvPr>
-        </p:nvSpPr>
-        <p:spPr>
-          <a:xfrm>
-            <a:off x="0" y="4767263"/>
-            <a:ext cx="2895600" cy="274637"/>
-          </a:xfrm>
-        </p:spPr>
-        <p:txBody>
-          <a:bodyPr/>
-          <a:lstStyle/>
-          <a:p>
-            <a:r>
-              <a:rPr lang="en-US" smtClean="0"/>
-              <a:t>©2014 Couchbase, Inc. </a:t>
-            </a:r>
-            <a:endParaRPr lang="en-US" dirty="0"/>
-          </a:p>
-        </p:txBody>
-      </p:sp>
-    </p:spTree>
-    <p:extLst>
-      <p:ext uri="{BB962C8B-B14F-4D97-AF65-F5344CB8AC3E}">
-        <p14:creationId xmlns:p14="http://schemas.microsoft.com/office/powerpoint/2010/main" val="3517521933"/>
-      </p:ext>
-    </p:extLst>
-  </p:cSld>
-  <p:clrMapOvr>
-    <a:masterClrMapping/>
-  </p:clrMapOvr>
-  <p:timing>
-    <p:tnLst>
-      <p:par>
-        <p:cTn xmlns:p14="http://schemas.microsoft.com/office/powerpoint/2010/main" id="1" dur="indefinite" restart="never" nodeType="tmRoot"/>
-      </p:par>
-    </p:tnLst>
-  </p:timing>
-</p:sld>
-</file>
-
-<file path=ppt/slides/slide5.xml><?xml version="1.0" encoding="utf-8"?>
-<p:sld xmlns:a="http://schemas.openxmlformats.org/drawingml/2006/main" xmlns:r="http://schemas.openxmlformats.org/officeDocument/2006/relationships" xmlns:p="http://schemas.openxmlformats.org/presentationml/2006/main">
-  <p:cSld>
-    <p:spTree>
-      <p:nvGrpSpPr>
-        <p:cNvPr id="1" name=""/>
-        <p:cNvGrpSpPr/>
-        <p:nvPr/>
-      </p:nvGrpSpPr>
-      <p:grpSpPr>
-        <a:xfrm>
-          <a:off x="0" y="0"/>
-          <a:ext cx="0" cy="0"/>
-          <a:chOff x="0" y="0"/>
-          <a:chExt cx="0" cy="0"/>
-        </a:xfrm>
-      </p:grpSpPr>
-      <p:pic>
-        <p:nvPicPr>
-          <p:cNvPr id="24" name="Picture 23" descr="multi-purpose_database_blue_solid.png"/>
-          <p:cNvPicPr>
-            <a:picLocks noChangeAspect="1"/>
-          </p:cNvPicPr>
-          <p:nvPr/>
-        </p:nvPicPr>
-        <p:blipFill>
-          <a:blip r:embed="rId2">
-            <a:extLst>
-              <a:ext uri="{28A0092B-C50C-407E-A947-70E740481C1C}">
-                <a14:useLocalDpi xmlns:a14="http://schemas.microsoft.com/office/drawing/2010/main" val="0"/>
-              </a:ext>
-            </a:extLst>
-          </a:blip>
-          <a:stretch>
-            <a:fillRect/>
-          </a:stretch>
-        </p:blipFill>
-        <p:spPr>
-          <a:xfrm>
-            <a:off x="3896356" y="713742"/>
-            <a:ext cx="1209627" cy="1649946"/>
-          </a:xfrm>
-          <a:prstGeom prst="rect">
-            <a:avLst/>
-          </a:prstGeom>
-        </p:spPr>
-      </p:pic>
-      <p:sp>
-        <p:nvSpPr>
-          <p:cNvPr id="15" name="Content Placeholder 2"/>
-          <p:cNvSpPr txBox="1">
-            <a:spLocks/>
-          </p:cNvSpPr>
-          <p:nvPr/>
-        </p:nvSpPr>
-        <p:spPr>
-          <a:xfrm>
-            <a:off x="246459" y="3307734"/>
-            <a:ext cx="2882648" cy="1448457"/>
-          </a:xfrm>
-          <a:prstGeom prst="rect">
-            <a:avLst/>
-          </a:prstGeom>
-        </p:spPr>
-        <p:txBody>
-          <a:bodyPr vert="horz" lIns="91440" tIns="45720" rIns="91440" bIns="45720" rtlCol="0">
-            <a:noAutofit/>
-          </a:bodyPr>
-          <a:lstStyle>
-            <a:lvl1pPr marL="228600" indent="-228600" algn="l" defTabSz="457200" rtl="0" eaLnBrk="1" latinLnBrk="0" hangingPunct="1">
-              <a:lnSpc>
-                <a:spcPct val="100000"/>
-              </a:lnSpc>
-              <a:spcBef>
-                <a:spcPts val="0"/>
-              </a:spcBef>
-              <a:spcAft>
-                <a:spcPts val="300"/>
-              </a:spcAft>
-              <a:buClr>
-                <a:schemeClr val="accent1"/>
-              </a:buClr>
-              <a:buSzPct val="110000"/>
-              <a:buFont typeface="Wingdings" charset="2"/>
-              <a:buChar char="§"/>
-              <a:defRPr sz="2400" kern="1200">
-                <a:solidFill>
-                  <a:schemeClr val="tx1"/>
-                </a:solidFill>
-                <a:latin typeface="+mn-lt"/>
-                <a:ea typeface="+mn-ea"/>
-                <a:cs typeface="+mn-cs"/>
-              </a:defRPr>
-            </a:lvl1pPr>
-            <a:lvl2pPr marL="455613" indent="-225425" algn="l" defTabSz="457200" rtl="0" eaLnBrk="1" latinLnBrk="0" hangingPunct="1">
-              <a:lnSpc>
-                <a:spcPct val="100000"/>
-              </a:lnSpc>
-              <a:spcBef>
-                <a:spcPts val="0"/>
-              </a:spcBef>
-              <a:spcAft>
-                <a:spcPts val="300"/>
-              </a:spcAft>
-              <a:buClr>
-                <a:srgbClr val="262626"/>
-              </a:buClr>
-              <a:buFont typeface="Wingdings" charset="2"/>
-              <a:buChar char="§"/>
-              <a:defRPr sz="2000" kern="1200">
-                <a:solidFill>
-                  <a:schemeClr val="tx1"/>
-                </a:solidFill>
-                <a:latin typeface="+mn-lt"/>
-                <a:ea typeface="+mn-ea"/>
-                <a:cs typeface="+mn-cs"/>
-              </a:defRPr>
-            </a:lvl2pPr>
-            <a:lvl3pPr marL="455613" indent="-225425" algn="l" defTabSz="457200" rtl="0" eaLnBrk="1" latinLnBrk="0" hangingPunct="1">
-              <a:lnSpc>
-                <a:spcPct val="100000"/>
-              </a:lnSpc>
-              <a:spcBef>
-                <a:spcPts val="0"/>
-              </a:spcBef>
-              <a:spcAft>
-                <a:spcPts val="300"/>
-              </a:spcAft>
-              <a:buClr>
-                <a:srgbClr val="262626"/>
-              </a:buClr>
-              <a:buFont typeface="Wingdings" charset="2"/>
-              <a:buChar char="§"/>
-              <a:defRPr sz="2000" kern="1200">
-                <a:solidFill>
-                  <a:schemeClr val="tx1"/>
-                </a:solidFill>
-                <a:latin typeface="+mn-lt"/>
-                <a:ea typeface="+mn-ea"/>
-                <a:cs typeface="+mn-cs"/>
-              </a:defRPr>
-            </a:lvl3pPr>
-            <a:lvl4pPr marL="455613" indent="-225425" algn="l" defTabSz="457200" rtl="0" eaLnBrk="1" latinLnBrk="0" hangingPunct="1">
-              <a:lnSpc>
-                <a:spcPct val="100000"/>
-              </a:lnSpc>
-              <a:spcBef>
-                <a:spcPts val="0"/>
-              </a:spcBef>
-              <a:spcAft>
-                <a:spcPts val="300"/>
-              </a:spcAft>
-              <a:buClr>
-                <a:srgbClr val="262626"/>
-              </a:buClr>
-              <a:buFont typeface="Wingdings" charset="2"/>
-              <a:buChar char="§"/>
-              <a:defRPr sz="2000" kern="1200">
-                <a:solidFill>
-                  <a:schemeClr val="tx1"/>
-                </a:solidFill>
-                <a:latin typeface="+mn-lt"/>
-                <a:ea typeface="+mn-ea"/>
-                <a:cs typeface="+mn-cs"/>
-              </a:defRPr>
-            </a:lvl4pPr>
-            <a:lvl5pPr marL="455613" indent="-225425" algn="l" defTabSz="457200" rtl="0" eaLnBrk="1" latinLnBrk="0" hangingPunct="1">
-              <a:lnSpc>
-                <a:spcPct val="100000"/>
-              </a:lnSpc>
-              <a:spcBef>
-                <a:spcPts val="0"/>
-              </a:spcBef>
-              <a:spcAft>
-                <a:spcPts val="300"/>
-              </a:spcAft>
-              <a:buClr>
-                <a:srgbClr val="262626"/>
-              </a:buClr>
-              <a:buFont typeface="Wingdings" charset="2"/>
-              <a:buChar char="§"/>
-              <a:defRPr sz="2000" kern="1200">
-                <a:solidFill>
-                  <a:schemeClr val="tx1"/>
-                </a:solidFill>
-                <a:latin typeface="+mn-lt"/>
-                <a:ea typeface="+mn-ea"/>
-                <a:cs typeface="+mn-cs"/>
-              </a:defRPr>
-            </a:lvl5pPr>
-            <a:lvl6pPr marL="2514600" indent="-228600" algn="l" defTabSz="457200" rtl="0" eaLnBrk="1" latinLnBrk="0" hangingPunct="1">
-              <a:spcBef>
-                <a:spcPct val="20000"/>
-              </a:spcBef>
-              <a:buFont typeface="Arial"/>
-              <a:buChar char="•"/>
-              <a:defRPr sz="2000" kern="1200">
-                <a:solidFill>
-                  <a:schemeClr val="tx1"/>
-                </a:solidFill>
-                <a:latin typeface="+mn-lt"/>
-                <a:ea typeface="+mn-ea"/>
-                <a:cs typeface="+mn-cs"/>
-              </a:defRPr>
-            </a:lvl6pPr>
-            <a:lvl7pPr marL="2971800" indent="-228600" algn="l" defTabSz="457200" rtl="0" eaLnBrk="1" latinLnBrk="0" hangingPunct="1">
-              <a:spcBef>
-                <a:spcPct val="20000"/>
-              </a:spcBef>
-              <a:buFont typeface="Arial"/>
-              <a:buChar char="•"/>
-              <a:defRPr sz="2000" kern="1200">
-                <a:solidFill>
-                  <a:schemeClr val="tx1"/>
-                </a:solidFill>
-                <a:latin typeface="+mn-lt"/>
-                <a:ea typeface="+mn-ea"/>
-                <a:cs typeface="+mn-cs"/>
-              </a:defRPr>
-            </a:lvl7pPr>
-            <a:lvl8pPr marL="3429000" indent="-228600" algn="l" defTabSz="457200" rtl="0" eaLnBrk="1" latinLnBrk="0" hangingPunct="1">
-              <a:spcBef>
-                <a:spcPct val="20000"/>
-              </a:spcBef>
-              <a:buFont typeface="Arial"/>
-              <a:buChar char="•"/>
-              <a:defRPr sz="2000" kern="1200">
-                <a:solidFill>
-                  <a:schemeClr val="tx1"/>
-                </a:solidFill>
-                <a:latin typeface="+mn-lt"/>
-                <a:ea typeface="+mn-ea"/>
-                <a:cs typeface="+mn-cs"/>
-              </a:defRPr>
-            </a:lvl8pPr>
-            <a:lvl9pPr marL="3886200" indent="-228600" algn="l" defTabSz="457200" rtl="0" eaLnBrk="1" latinLnBrk="0" hangingPunct="1">
-              <a:spcBef>
-                <a:spcPct val="20000"/>
-              </a:spcBef>
-              <a:buFont typeface="Arial"/>
-              <a:buChar char="•"/>
-              <a:defRPr sz="2000" kern="1200">
-                <a:solidFill>
-                  <a:schemeClr val="tx1"/>
-                </a:solidFill>
-                <a:latin typeface="+mn-lt"/>
-                <a:ea typeface="+mn-ea"/>
-                <a:cs typeface="+mn-cs"/>
-              </a:defRPr>
-            </a:lvl9pPr>
-          </a:lstStyle>
-          <a:p>
-            <a:pPr>
-              <a:spcBef>
-                <a:spcPts val="600"/>
-              </a:spcBef>
-            </a:pPr>
-            <a:r>
-              <a:rPr lang="en-US" sz="1500" dirty="0"/>
-              <a:t>Consolidated cache and </a:t>
-            </a:r>
-            <a:r>
-              <a:rPr lang="en-US" sz="1500" dirty="0" smtClean="0"/>
-              <a:t>database</a:t>
-            </a:r>
-            <a:endParaRPr lang="en-US" sz="1500" dirty="0"/>
-          </a:p>
-          <a:p>
-            <a:pPr>
-              <a:spcBef>
-                <a:spcPts val="600"/>
-              </a:spcBef>
-            </a:pPr>
-            <a:r>
-              <a:rPr lang="en-US" sz="1500" dirty="0"/>
-              <a:t>Tune memory required based on application requirements</a:t>
-            </a:r>
-          </a:p>
-        </p:txBody>
-      </p:sp>
-      <p:sp>
-        <p:nvSpPr>
-          <p:cNvPr id="2" name="Title 1"/>
-          <p:cNvSpPr>
-            <a:spLocks noGrp="1"/>
-          </p:cNvSpPr>
-          <p:nvPr>
-            <p:ph type="title"/>
-          </p:nvPr>
-        </p:nvSpPr>
-        <p:spPr/>
-        <p:txBody>
-          <a:bodyPr/>
-          <a:lstStyle/>
-          <a:p>
-            <a:r>
-              <a:rPr lang="en-US" dirty="0" smtClean="0"/>
-              <a:t>Multi-purpose database supports many uses</a:t>
-            </a:r>
-            <a:endParaRPr lang="en-US" dirty="0"/>
-          </a:p>
-        </p:txBody>
-      </p:sp>
-      <p:sp>
-        <p:nvSpPr>
-          <p:cNvPr id="26" name="Slide Number Placeholder 2"/>
-          <p:cNvSpPr>
-            <a:spLocks noGrp="1"/>
-          </p:cNvSpPr>
-          <p:nvPr>
-            <p:ph type="sldNum" sz="quarter" idx="4294967295"/>
-          </p:nvPr>
-        </p:nvSpPr>
-        <p:spPr>
-          <a:xfrm>
-            <a:off x="5105983" y="4767263"/>
-            <a:ext cx="740664" cy="273844"/>
-          </a:xfrm>
-          <a:prstGeom prst="rect">
-            <a:avLst/>
-          </a:prstGeom>
-        </p:spPr>
-        <p:txBody>
-          <a:bodyPr/>
-          <a:lstStyle/>
-          <a:p>
-            <a:fld id="{E728A94C-44F1-DF43-8BD8-694E750DEF33}" type="slidenum">
-              <a:rPr lang="en-US" smtClean="0">
-                <a:latin typeface="Corbel"/>
-              </a:rPr>
-              <a:pPr/>
-              <a:t>5</a:t>
-            </a:fld>
-            <a:endParaRPr lang="en-US">
-              <a:latin typeface="Corbel"/>
-            </a:endParaRPr>
-          </a:p>
-        </p:txBody>
-      </p:sp>
-      <p:cxnSp>
-        <p:nvCxnSpPr>
-          <p:cNvPr id="11" name="Straight Connector 10"/>
-          <p:cNvCxnSpPr/>
-          <p:nvPr/>
-        </p:nvCxnSpPr>
-        <p:spPr>
-          <a:xfrm>
-            <a:off x="3129106" y="2728751"/>
-            <a:ext cx="0" cy="2034525"/>
-          </a:xfrm>
-          <a:prstGeom prst="line">
-            <a:avLst/>
-          </a:prstGeom>
-          <a:ln w="6350" cmpd="sng">
-            <a:prstDash val="dot"/>
-          </a:ln>
-        </p:spPr>
-        <p:style>
-          <a:lnRef idx="1">
-            <a:schemeClr val="dk1"/>
-          </a:lnRef>
-          <a:fillRef idx="0">
-            <a:schemeClr val="dk1"/>
-          </a:fillRef>
-          <a:effectRef idx="0">
-            <a:schemeClr val="dk1"/>
-          </a:effectRef>
-          <a:fontRef idx="minor">
-            <a:schemeClr val="tx1"/>
-          </a:fontRef>
-        </p:style>
-      </p:cxnSp>
-      <p:cxnSp>
-        <p:nvCxnSpPr>
-          <p:cNvPr id="12" name="Straight Connector 11"/>
-          <p:cNvCxnSpPr/>
-          <p:nvPr/>
-        </p:nvCxnSpPr>
-        <p:spPr>
-          <a:xfrm>
-            <a:off x="6014894" y="2728751"/>
-            <a:ext cx="0" cy="2034525"/>
-          </a:xfrm>
-          <a:prstGeom prst="line">
-            <a:avLst/>
-          </a:prstGeom>
-          <a:ln w="6350" cmpd="sng">
-            <a:prstDash val="dot"/>
-          </a:ln>
-        </p:spPr>
-        <p:style>
-          <a:lnRef idx="1">
-            <a:schemeClr val="dk1"/>
-          </a:lnRef>
-          <a:fillRef idx="0">
-            <a:schemeClr val="dk1"/>
-          </a:fillRef>
-          <a:effectRef idx="0">
-            <a:schemeClr val="dk1"/>
-          </a:effectRef>
-          <a:fontRef idx="minor">
-            <a:schemeClr val="tx1"/>
-          </a:fontRef>
-        </p:style>
-      </p:cxnSp>
-      <p:sp>
-        <p:nvSpPr>
-          <p:cNvPr id="18" name="Slide Number Placeholder 2"/>
-          <p:cNvSpPr txBox="1">
-            <a:spLocks/>
-          </p:cNvSpPr>
-          <p:nvPr/>
-        </p:nvSpPr>
-        <p:spPr>
-          <a:xfrm>
-            <a:off x="2106386" y="4895139"/>
-            <a:ext cx="740664" cy="273844"/>
-          </a:xfrm>
-          <a:prstGeom prst="rect">
-            <a:avLst/>
-          </a:prstGeom>
-        </p:spPr>
-        <p:txBody>
-          <a:bodyPr vert="horz" lIns="91440" tIns="45720" rIns="91440" bIns="45720" rtlCol="0" anchor="ctr"/>
-          <a:lstStyle>
-            <a:defPPr>
-              <a:defRPr lang="en-US"/>
-            </a:defPPr>
-            <a:lvl1pPr marL="0" algn="r" defTabSz="457200" rtl="0" eaLnBrk="1" latinLnBrk="0" hangingPunct="1">
-              <a:defRPr sz="850" kern="1200">
-                <a:solidFill>
-                  <a:srgbClr val="CCCCCC"/>
-                </a:solidFill>
-                <a:latin typeface="+mn-lt"/>
-                <a:ea typeface="+mn-ea"/>
-                <a:cs typeface="+mn-cs"/>
-              </a:defRPr>
-            </a:lvl1pPr>
-            <a:lvl2pPr marL="457200" algn="l" defTabSz="457200" rtl="0" eaLnBrk="1" latinLnBrk="0" hangingPunct="1">
-              <a:defRPr sz="1800" kern="1200">
-                <a:solidFill>
-                  <a:schemeClr val="tx1"/>
-                </a:solidFill>
-                <a:latin typeface="+mn-lt"/>
-                <a:ea typeface="+mn-ea"/>
-                <a:cs typeface="+mn-cs"/>
-              </a:defRPr>
-            </a:lvl2pPr>
-            <a:lvl3pPr marL="914400" algn="l" defTabSz="457200" rtl="0" eaLnBrk="1" latinLnBrk="0" hangingPunct="1">
-              <a:defRPr sz="1800" kern="1200">
-                <a:solidFill>
-                  <a:schemeClr val="tx1"/>
-                </a:solidFill>
-                <a:latin typeface="+mn-lt"/>
-                <a:ea typeface="+mn-ea"/>
-                <a:cs typeface="+mn-cs"/>
-              </a:defRPr>
-            </a:lvl3pPr>
-            <a:lvl4pPr marL="1371600" algn="l" defTabSz="457200" rtl="0" eaLnBrk="1" latinLnBrk="0" hangingPunct="1">
-              <a:defRPr sz="1800" kern="1200">
-                <a:solidFill>
-                  <a:schemeClr val="tx1"/>
-                </a:solidFill>
-                <a:latin typeface="+mn-lt"/>
-                <a:ea typeface="+mn-ea"/>
-                <a:cs typeface="+mn-cs"/>
-              </a:defRPr>
-            </a:lvl4pPr>
-            <a:lvl5pPr marL="1828800" algn="l" defTabSz="457200" rtl="0" eaLnBrk="1" latinLnBrk="0" hangingPunct="1">
-              <a:defRPr sz="1800" kern="1200">
-                <a:solidFill>
-                  <a:schemeClr val="tx1"/>
-                </a:solidFill>
-                <a:latin typeface="+mn-lt"/>
-                <a:ea typeface="+mn-ea"/>
-                <a:cs typeface="+mn-cs"/>
-              </a:defRPr>
-            </a:lvl5pPr>
-            <a:lvl6pPr marL="2286000" algn="l" defTabSz="457200" rtl="0" eaLnBrk="1" latinLnBrk="0" hangingPunct="1">
-              <a:defRPr sz="1800" kern="1200">
-                <a:solidFill>
-                  <a:schemeClr val="tx1"/>
-                </a:solidFill>
-                <a:latin typeface="+mn-lt"/>
-                <a:ea typeface="+mn-ea"/>
-                <a:cs typeface="+mn-cs"/>
-              </a:defRPr>
-            </a:lvl6pPr>
-            <a:lvl7pPr marL="2743200" algn="l" defTabSz="457200" rtl="0" eaLnBrk="1" latinLnBrk="0" hangingPunct="1">
-              <a:defRPr sz="1800" kern="1200">
-                <a:solidFill>
-                  <a:schemeClr val="tx1"/>
-                </a:solidFill>
-                <a:latin typeface="+mn-lt"/>
-                <a:ea typeface="+mn-ea"/>
-                <a:cs typeface="+mn-cs"/>
-              </a:defRPr>
-            </a:lvl7pPr>
-            <a:lvl8pPr marL="3200400" algn="l" defTabSz="457200" rtl="0" eaLnBrk="1" latinLnBrk="0" hangingPunct="1">
-              <a:defRPr sz="1800" kern="1200">
-                <a:solidFill>
-                  <a:schemeClr val="tx1"/>
-                </a:solidFill>
-                <a:latin typeface="+mn-lt"/>
-                <a:ea typeface="+mn-ea"/>
-                <a:cs typeface="+mn-cs"/>
-              </a:defRPr>
-            </a:lvl8pPr>
-            <a:lvl9pPr marL="3657600" algn="l" defTabSz="457200" rtl="0" eaLnBrk="1" latinLnBrk="0" hangingPunct="1">
-              <a:defRPr sz="1800" kern="1200">
-                <a:solidFill>
-                  <a:schemeClr val="tx1"/>
-                </a:solidFill>
-                <a:latin typeface="+mn-lt"/>
-                <a:ea typeface="+mn-ea"/>
-                <a:cs typeface="+mn-cs"/>
-              </a:defRPr>
-            </a:lvl9pPr>
-          </a:lstStyle>
-          <a:p>
-            <a:fld id="{E728A94C-44F1-DF43-8BD8-694E750DEF33}" type="slidenum">
-              <a:rPr lang="en-US" smtClean="0">
-                <a:latin typeface="Corbel"/>
-              </a:rPr>
-              <a:pPr/>
-              <a:t>5</a:t>
-            </a:fld>
-            <a:endParaRPr lang="en-US">
-              <a:latin typeface="Corbel"/>
-            </a:endParaRPr>
-          </a:p>
-        </p:txBody>
-      </p:sp>
-      <p:sp>
-        <p:nvSpPr>
-          <p:cNvPr id="19" name="Rectangle 18"/>
-          <p:cNvSpPr/>
-          <p:nvPr/>
-        </p:nvSpPr>
-        <p:spPr>
-          <a:xfrm>
-            <a:off x="499431" y="2687037"/>
-            <a:ext cx="2187922" cy="559971"/>
-          </a:xfrm>
-          <a:prstGeom prst="rect">
-            <a:avLst/>
-          </a:prstGeom>
-          <a:noFill/>
-        </p:spPr>
-        <p:txBody>
-          <a:bodyPr rot="0" spcFirstLastPara="0" vert="horz" wrap="square" lIns="91440" tIns="45720" rIns="91440" bIns="45720" numCol="1" spcCol="0" rtlCol="0" fromWordArt="0" anchor="ctr" anchorCtr="0" forceAA="0" compatLnSpc="1">
-            <a:prstTxWarp prst="textNoShape">
-              <a:avLst/>
-            </a:prstTxWarp>
-            <a:noAutofit/>
-          </a:bodyPr>
-          <a:lstStyle/>
-          <a:p>
-            <a:pPr algn="ctr">
-              <a:lnSpc>
-                <a:spcPct val="80000"/>
-              </a:lnSpc>
-            </a:pPr>
-            <a:r>
-              <a:rPr lang="en-US" sz="2000" b="1" dirty="0" smtClean="0">
-                <a:solidFill>
-                  <a:srgbClr val="E10021"/>
-                </a:solidFill>
-                <a:latin typeface="Corbel"/>
-              </a:rPr>
-              <a:t>Tunable built</a:t>
-            </a:r>
-            <a:r>
-              <a:rPr lang="en-US" sz="2000" b="1" dirty="0">
-                <a:solidFill>
-                  <a:srgbClr val="E10021"/>
-                </a:solidFill>
-                <a:latin typeface="Corbel"/>
-              </a:rPr>
-              <a:t>-</a:t>
-            </a:r>
-            <a:r>
-              <a:rPr lang="en-US" sz="2000" b="1" dirty="0" smtClean="0">
-                <a:solidFill>
-                  <a:srgbClr val="E10021"/>
-                </a:solidFill>
-                <a:latin typeface="Corbel"/>
-              </a:rPr>
-              <a:t>in </a:t>
-            </a:r>
-            <a:br>
-              <a:rPr lang="en-US" sz="2000" b="1" dirty="0" smtClean="0">
-                <a:solidFill>
-                  <a:srgbClr val="E10021"/>
-                </a:solidFill>
-                <a:latin typeface="Corbel"/>
-              </a:rPr>
-            </a:br>
-            <a:r>
-              <a:rPr lang="en-US" sz="2000" b="1" dirty="0" smtClean="0">
-                <a:solidFill>
-                  <a:srgbClr val="E10021"/>
-                </a:solidFill>
-                <a:latin typeface="Corbel"/>
-              </a:rPr>
-              <a:t>cache</a:t>
-            </a:r>
-            <a:endParaRPr lang="en-US" sz="2000" b="1" dirty="0">
-              <a:solidFill>
-                <a:srgbClr val="E10021"/>
-              </a:solidFill>
-              <a:latin typeface="Corbel"/>
-            </a:endParaRPr>
-          </a:p>
-        </p:txBody>
-      </p:sp>
-      <p:sp>
-        <p:nvSpPr>
-          <p:cNvPr id="21" name="Rectangle 20"/>
-          <p:cNvSpPr/>
-          <p:nvPr/>
-        </p:nvSpPr>
-        <p:spPr>
-          <a:xfrm>
-            <a:off x="3399479" y="2607283"/>
-            <a:ext cx="2319730" cy="685800"/>
-          </a:xfrm>
-          <a:prstGeom prst="rect">
-            <a:avLst/>
-          </a:prstGeom>
-          <a:noFill/>
-        </p:spPr>
-        <p:txBody>
-          <a:bodyPr rot="0" spcFirstLastPara="0" vert="horz" wrap="square" lIns="0" tIns="45720" rIns="0" bIns="45720" numCol="1" spcCol="0" rtlCol="0" fromWordArt="0" anchor="ctr" anchorCtr="0" forceAA="0" compatLnSpc="1">
-            <a:prstTxWarp prst="textNoShape">
-              <a:avLst/>
-            </a:prstTxWarp>
-            <a:noAutofit/>
-          </a:bodyPr>
-          <a:lstStyle/>
-          <a:p>
-            <a:pPr algn="ctr">
-              <a:lnSpc>
-                <a:spcPct val="80000"/>
-              </a:lnSpc>
-            </a:pPr>
-            <a:r>
-              <a:rPr lang="en-US" sz="2000" b="1" dirty="0" smtClean="0">
-                <a:solidFill>
-                  <a:srgbClr val="E10021"/>
-                </a:solidFill>
-                <a:latin typeface="Corbel"/>
-              </a:rPr>
-              <a:t>Flexible schemas with JSON</a:t>
-            </a:r>
-            <a:endParaRPr lang="en-US" sz="2000" b="1" dirty="0">
-              <a:solidFill>
-                <a:srgbClr val="E10021"/>
-              </a:solidFill>
-              <a:latin typeface="Corbel"/>
-            </a:endParaRPr>
-          </a:p>
-        </p:txBody>
-      </p:sp>
-      <p:sp>
-        <p:nvSpPr>
-          <p:cNvPr id="25" name="Rectangle 24"/>
-          <p:cNvSpPr/>
-          <p:nvPr/>
-        </p:nvSpPr>
-        <p:spPr>
-          <a:xfrm>
-            <a:off x="6337300" y="2480283"/>
-            <a:ext cx="2305174" cy="685800"/>
-          </a:xfrm>
-          <a:prstGeom prst="rect">
-            <a:avLst/>
-          </a:prstGeom>
-          <a:noFill/>
-        </p:spPr>
-        <p:txBody>
-          <a:bodyPr rot="0" spcFirstLastPara="0" vert="horz" wrap="square" lIns="0" tIns="45720" rIns="0" bIns="45720" numCol="1" spcCol="0" rtlCol="0" fromWordArt="0" anchor="ctr" anchorCtr="0" forceAA="0" compatLnSpc="1">
-            <a:prstTxWarp prst="textNoShape">
-              <a:avLst/>
-            </a:prstTxWarp>
-            <a:noAutofit/>
-          </a:bodyPr>
-          <a:lstStyle/>
-          <a:p>
-            <a:pPr algn="ctr">
-              <a:lnSpc>
-                <a:spcPct val="80000"/>
-              </a:lnSpc>
-            </a:pPr>
-            <a:r>
-              <a:rPr lang="en-US" sz="2000" b="1" dirty="0" smtClean="0">
-                <a:solidFill>
-                  <a:srgbClr val="E10021"/>
-                </a:solidFill>
-                <a:latin typeface="Corbel"/>
-              </a:rPr>
-              <a:t>Couchbase Lite </a:t>
-            </a:r>
-            <a:endParaRPr lang="en-US" sz="2000" b="1" dirty="0">
-              <a:solidFill>
-                <a:srgbClr val="E10021"/>
-              </a:solidFill>
-              <a:latin typeface="Corbel"/>
-            </a:endParaRPr>
-          </a:p>
-        </p:txBody>
-      </p:sp>
-      <p:sp>
-        <p:nvSpPr>
-          <p:cNvPr id="16" name="Content Placeholder 2"/>
-          <p:cNvSpPr txBox="1">
-            <a:spLocks/>
-          </p:cNvSpPr>
-          <p:nvPr/>
-        </p:nvSpPr>
-        <p:spPr>
-          <a:xfrm>
-            <a:off x="3132246" y="3307734"/>
-            <a:ext cx="2882648" cy="1448457"/>
-          </a:xfrm>
-          <a:prstGeom prst="rect">
-            <a:avLst/>
-          </a:prstGeom>
-        </p:spPr>
-        <p:txBody>
-          <a:bodyPr vert="horz" lIns="91440" tIns="45720" rIns="91440" bIns="45720" rtlCol="0">
-            <a:noAutofit/>
-          </a:bodyPr>
-          <a:lstStyle>
-            <a:lvl1pPr marL="228600" indent="-228600" algn="l" defTabSz="457200" rtl="0" eaLnBrk="1" latinLnBrk="0" hangingPunct="1">
-              <a:lnSpc>
-                <a:spcPct val="100000"/>
-              </a:lnSpc>
-              <a:spcBef>
-                <a:spcPts val="0"/>
-              </a:spcBef>
-              <a:spcAft>
-                <a:spcPts val="300"/>
-              </a:spcAft>
-              <a:buClr>
-                <a:schemeClr val="accent1"/>
-              </a:buClr>
-              <a:buSzPct val="110000"/>
-              <a:buFont typeface="Wingdings" charset="2"/>
-              <a:buChar char="§"/>
-              <a:defRPr sz="2400" kern="1200">
-                <a:solidFill>
-                  <a:schemeClr val="tx1"/>
-                </a:solidFill>
-                <a:latin typeface="+mn-lt"/>
-                <a:ea typeface="+mn-ea"/>
-                <a:cs typeface="+mn-cs"/>
-              </a:defRPr>
-            </a:lvl1pPr>
-            <a:lvl2pPr marL="455613" indent="-225425" algn="l" defTabSz="457200" rtl="0" eaLnBrk="1" latinLnBrk="0" hangingPunct="1">
-              <a:lnSpc>
-                <a:spcPct val="100000"/>
-              </a:lnSpc>
-              <a:spcBef>
-                <a:spcPts val="0"/>
-              </a:spcBef>
-              <a:spcAft>
-                <a:spcPts val="300"/>
-              </a:spcAft>
-              <a:buClr>
-                <a:srgbClr val="262626"/>
-              </a:buClr>
-              <a:buFont typeface="Wingdings" charset="2"/>
-              <a:buChar char="§"/>
-              <a:defRPr sz="2000" kern="1200">
-                <a:solidFill>
-                  <a:schemeClr val="tx1"/>
-                </a:solidFill>
-                <a:latin typeface="+mn-lt"/>
-                <a:ea typeface="+mn-ea"/>
-                <a:cs typeface="+mn-cs"/>
-              </a:defRPr>
-            </a:lvl2pPr>
-            <a:lvl3pPr marL="455613" indent="-225425" algn="l" defTabSz="457200" rtl="0" eaLnBrk="1" latinLnBrk="0" hangingPunct="1">
-              <a:lnSpc>
-                <a:spcPct val="100000"/>
-              </a:lnSpc>
-              <a:spcBef>
-                <a:spcPts val="0"/>
-              </a:spcBef>
-              <a:spcAft>
-                <a:spcPts val="300"/>
-              </a:spcAft>
-              <a:buClr>
-                <a:srgbClr val="262626"/>
-              </a:buClr>
-              <a:buFont typeface="Wingdings" charset="2"/>
-              <a:buChar char="§"/>
-              <a:defRPr sz="2000" kern="1200">
-                <a:solidFill>
-                  <a:schemeClr val="tx1"/>
-                </a:solidFill>
-                <a:latin typeface="+mn-lt"/>
-                <a:ea typeface="+mn-ea"/>
-                <a:cs typeface="+mn-cs"/>
-              </a:defRPr>
-            </a:lvl3pPr>
-            <a:lvl4pPr marL="455613" indent="-225425" algn="l" defTabSz="457200" rtl="0" eaLnBrk="1" latinLnBrk="0" hangingPunct="1">
-              <a:lnSpc>
-                <a:spcPct val="100000"/>
-              </a:lnSpc>
-              <a:spcBef>
-                <a:spcPts val="0"/>
-              </a:spcBef>
-              <a:spcAft>
-                <a:spcPts val="300"/>
-              </a:spcAft>
-              <a:buClr>
-                <a:srgbClr val="262626"/>
-              </a:buClr>
-              <a:buFont typeface="Wingdings" charset="2"/>
-              <a:buChar char="§"/>
-              <a:defRPr sz="2000" kern="1200">
-                <a:solidFill>
-                  <a:schemeClr val="tx1"/>
-                </a:solidFill>
-                <a:latin typeface="+mn-lt"/>
-                <a:ea typeface="+mn-ea"/>
-                <a:cs typeface="+mn-cs"/>
-              </a:defRPr>
-            </a:lvl4pPr>
-            <a:lvl5pPr marL="455613" indent="-225425" algn="l" defTabSz="457200" rtl="0" eaLnBrk="1" latinLnBrk="0" hangingPunct="1">
-              <a:lnSpc>
-                <a:spcPct val="100000"/>
-              </a:lnSpc>
-              <a:spcBef>
-                <a:spcPts val="0"/>
-              </a:spcBef>
-              <a:spcAft>
-                <a:spcPts val="300"/>
-              </a:spcAft>
-              <a:buClr>
-                <a:srgbClr val="262626"/>
-              </a:buClr>
-              <a:buFont typeface="Wingdings" charset="2"/>
-              <a:buChar char="§"/>
-              <a:defRPr sz="2000" kern="1200">
-                <a:solidFill>
-                  <a:schemeClr val="tx1"/>
-                </a:solidFill>
-                <a:latin typeface="+mn-lt"/>
-                <a:ea typeface="+mn-ea"/>
-                <a:cs typeface="+mn-cs"/>
-              </a:defRPr>
-            </a:lvl5pPr>
-            <a:lvl6pPr marL="2514600" indent="-228600" algn="l" defTabSz="457200" rtl="0" eaLnBrk="1" latinLnBrk="0" hangingPunct="1">
-              <a:spcBef>
-                <a:spcPct val="20000"/>
-              </a:spcBef>
-              <a:buFont typeface="Arial"/>
-              <a:buChar char="•"/>
-              <a:defRPr sz="2000" kern="1200">
-                <a:solidFill>
-                  <a:schemeClr val="tx1"/>
-                </a:solidFill>
-                <a:latin typeface="+mn-lt"/>
-                <a:ea typeface="+mn-ea"/>
-                <a:cs typeface="+mn-cs"/>
-              </a:defRPr>
-            </a:lvl6pPr>
-            <a:lvl7pPr marL="2971800" indent="-228600" algn="l" defTabSz="457200" rtl="0" eaLnBrk="1" latinLnBrk="0" hangingPunct="1">
-              <a:spcBef>
-                <a:spcPct val="20000"/>
-              </a:spcBef>
-              <a:buFont typeface="Arial"/>
-              <a:buChar char="•"/>
-              <a:defRPr sz="2000" kern="1200">
-                <a:solidFill>
-                  <a:schemeClr val="tx1"/>
-                </a:solidFill>
-                <a:latin typeface="+mn-lt"/>
-                <a:ea typeface="+mn-ea"/>
-                <a:cs typeface="+mn-cs"/>
-              </a:defRPr>
-            </a:lvl7pPr>
-            <a:lvl8pPr marL="3429000" indent="-228600" algn="l" defTabSz="457200" rtl="0" eaLnBrk="1" latinLnBrk="0" hangingPunct="1">
-              <a:spcBef>
-                <a:spcPct val="20000"/>
-              </a:spcBef>
-              <a:buFont typeface="Arial"/>
-              <a:buChar char="•"/>
-              <a:defRPr sz="2000" kern="1200">
-                <a:solidFill>
-                  <a:schemeClr val="tx1"/>
-                </a:solidFill>
-                <a:latin typeface="+mn-lt"/>
-                <a:ea typeface="+mn-ea"/>
-                <a:cs typeface="+mn-cs"/>
-              </a:defRPr>
-            </a:lvl8pPr>
-            <a:lvl9pPr marL="3886200" indent="-228600" algn="l" defTabSz="457200" rtl="0" eaLnBrk="1" latinLnBrk="0" hangingPunct="1">
-              <a:spcBef>
-                <a:spcPct val="20000"/>
-              </a:spcBef>
-              <a:buFont typeface="Arial"/>
-              <a:buChar char="•"/>
-              <a:defRPr sz="2000" kern="1200">
-                <a:solidFill>
-                  <a:schemeClr val="tx1"/>
-                </a:solidFill>
-                <a:latin typeface="+mn-lt"/>
-                <a:ea typeface="+mn-ea"/>
-                <a:cs typeface="+mn-cs"/>
-              </a:defRPr>
-            </a:lvl9pPr>
-          </a:lstStyle>
-          <a:p>
-            <a:pPr>
-              <a:spcBef>
-                <a:spcPts val="600"/>
-              </a:spcBef>
-            </a:pPr>
-            <a:r>
-              <a:rPr lang="en-US" sz="1500" dirty="0"/>
-              <a:t>Represent data with varying schemas using JSON on the server or on the </a:t>
-            </a:r>
-            <a:r>
-              <a:rPr lang="en-US" sz="1500" dirty="0" smtClean="0"/>
-              <a:t>device</a:t>
-            </a:r>
-            <a:endParaRPr lang="en-US" sz="1500" dirty="0"/>
-          </a:p>
-          <a:p>
-            <a:pPr>
-              <a:spcBef>
-                <a:spcPts val="600"/>
-              </a:spcBef>
-            </a:pPr>
-            <a:r>
-              <a:rPr lang="en-US" sz="1500" dirty="0"/>
-              <a:t>Index and query data with </a:t>
-            </a:r>
-            <a:r>
-              <a:rPr lang="en-US" sz="1500" dirty="0" err="1"/>
-              <a:t>Javascript</a:t>
-            </a:r>
-            <a:r>
-              <a:rPr lang="en-US" sz="1500" dirty="0"/>
-              <a:t> views </a:t>
-            </a:r>
-          </a:p>
-        </p:txBody>
-      </p:sp>
-      <p:sp>
-        <p:nvSpPr>
-          <p:cNvPr id="17" name="Content Placeholder 2"/>
-          <p:cNvSpPr txBox="1">
-            <a:spLocks/>
-          </p:cNvSpPr>
-          <p:nvPr/>
-        </p:nvSpPr>
-        <p:spPr>
-          <a:xfrm>
-            <a:off x="6014894" y="3307734"/>
-            <a:ext cx="2882648" cy="1448457"/>
-          </a:xfrm>
-          <a:prstGeom prst="rect">
-            <a:avLst/>
-          </a:prstGeom>
-        </p:spPr>
-        <p:txBody>
-          <a:bodyPr vert="horz" lIns="91440" tIns="45720" rIns="91440" bIns="45720" rtlCol="0">
-            <a:noAutofit/>
-          </a:bodyPr>
-          <a:lstStyle>
-            <a:lvl1pPr marL="228600" indent="-228600" algn="l" defTabSz="457200" rtl="0" eaLnBrk="1" latinLnBrk="0" hangingPunct="1">
-              <a:lnSpc>
-                <a:spcPct val="100000"/>
-              </a:lnSpc>
-              <a:spcBef>
-                <a:spcPts val="0"/>
-              </a:spcBef>
-              <a:spcAft>
-                <a:spcPts val="300"/>
-              </a:spcAft>
-              <a:buClr>
-                <a:schemeClr val="accent1"/>
-              </a:buClr>
-              <a:buSzPct val="110000"/>
-              <a:buFont typeface="Wingdings" charset="2"/>
-              <a:buChar char="§"/>
-              <a:defRPr sz="2400" kern="1200">
-                <a:solidFill>
-                  <a:schemeClr val="tx1"/>
-                </a:solidFill>
-                <a:latin typeface="+mn-lt"/>
-                <a:ea typeface="+mn-ea"/>
-                <a:cs typeface="+mn-cs"/>
-              </a:defRPr>
-            </a:lvl1pPr>
-            <a:lvl2pPr marL="455613" indent="-225425" algn="l" defTabSz="457200" rtl="0" eaLnBrk="1" latinLnBrk="0" hangingPunct="1">
-              <a:lnSpc>
-                <a:spcPct val="100000"/>
-              </a:lnSpc>
-              <a:spcBef>
-                <a:spcPts val="0"/>
-              </a:spcBef>
-              <a:spcAft>
-                <a:spcPts val="300"/>
-              </a:spcAft>
-              <a:buClr>
-                <a:srgbClr val="262626"/>
-              </a:buClr>
-              <a:buFont typeface="Wingdings" charset="2"/>
-              <a:buChar char="§"/>
-              <a:defRPr sz="2000" kern="1200">
-                <a:solidFill>
-                  <a:schemeClr val="tx1"/>
-                </a:solidFill>
-                <a:latin typeface="+mn-lt"/>
-                <a:ea typeface="+mn-ea"/>
-                <a:cs typeface="+mn-cs"/>
-              </a:defRPr>
-            </a:lvl2pPr>
-            <a:lvl3pPr marL="455613" indent="-225425" algn="l" defTabSz="457200" rtl="0" eaLnBrk="1" latinLnBrk="0" hangingPunct="1">
-              <a:lnSpc>
-                <a:spcPct val="100000"/>
-              </a:lnSpc>
-              <a:spcBef>
-                <a:spcPts val="0"/>
-              </a:spcBef>
-              <a:spcAft>
-                <a:spcPts val="300"/>
-              </a:spcAft>
-              <a:buClr>
-                <a:srgbClr val="262626"/>
-              </a:buClr>
-              <a:buFont typeface="Wingdings" charset="2"/>
-              <a:buChar char="§"/>
-              <a:defRPr sz="2000" kern="1200">
-                <a:solidFill>
-                  <a:schemeClr val="tx1"/>
-                </a:solidFill>
-                <a:latin typeface="+mn-lt"/>
-                <a:ea typeface="+mn-ea"/>
-                <a:cs typeface="+mn-cs"/>
-              </a:defRPr>
-            </a:lvl3pPr>
-            <a:lvl4pPr marL="455613" indent="-225425" algn="l" defTabSz="457200" rtl="0" eaLnBrk="1" latinLnBrk="0" hangingPunct="1">
-              <a:lnSpc>
-                <a:spcPct val="100000"/>
-              </a:lnSpc>
-              <a:spcBef>
-                <a:spcPts val="0"/>
-              </a:spcBef>
-              <a:spcAft>
-                <a:spcPts val="300"/>
-              </a:spcAft>
-              <a:buClr>
-                <a:srgbClr val="262626"/>
-              </a:buClr>
-              <a:buFont typeface="Wingdings" charset="2"/>
-              <a:buChar char="§"/>
-              <a:defRPr sz="2000" kern="1200">
-                <a:solidFill>
-                  <a:schemeClr val="tx1"/>
-                </a:solidFill>
-                <a:latin typeface="+mn-lt"/>
-                <a:ea typeface="+mn-ea"/>
-                <a:cs typeface="+mn-cs"/>
-              </a:defRPr>
-            </a:lvl4pPr>
-            <a:lvl5pPr marL="455613" indent="-225425" algn="l" defTabSz="457200" rtl="0" eaLnBrk="1" latinLnBrk="0" hangingPunct="1">
-              <a:lnSpc>
-                <a:spcPct val="100000"/>
-              </a:lnSpc>
-              <a:spcBef>
-                <a:spcPts val="0"/>
-              </a:spcBef>
-              <a:spcAft>
-                <a:spcPts val="300"/>
-              </a:spcAft>
-              <a:buClr>
-                <a:srgbClr val="262626"/>
-              </a:buClr>
-              <a:buFont typeface="Wingdings" charset="2"/>
-              <a:buChar char="§"/>
-              <a:defRPr sz="2000" kern="1200">
-                <a:solidFill>
-                  <a:schemeClr val="tx1"/>
-                </a:solidFill>
-                <a:latin typeface="+mn-lt"/>
-                <a:ea typeface="+mn-ea"/>
-                <a:cs typeface="+mn-cs"/>
-              </a:defRPr>
-            </a:lvl5pPr>
-            <a:lvl6pPr marL="2514600" indent="-228600" algn="l" defTabSz="457200" rtl="0" eaLnBrk="1" latinLnBrk="0" hangingPunct="1">
-              <a:spcBef>
-                <a:spcPct val="20000"/>
-              </a:spcBef>
-              <a:buFont typeface="Arial"/>
-              <a:buChar char="•"/>
-              <a:defRPr sz="2000" kern="1200">
-                <a:solidFill>
-                  <a:schemeClr val="tx1"/>
-                </a:solidFill>
-                <a:latin typeface="+mn-lt"/>
-                <a:ea typeface="+mn-ea"/>
-                <a:cs typeface="+mn-cs"/>
-              </a:defRPr>
-            </a:lvl6pPr>
-            <a:lvl7pPr marL="2971800" indent="-228600" algn="l" defTabSz="457200" rtl="0" eaLnBrk="1" latinLnBrk="0" hangingPunct="1">
-              <a:spcBef>
-                <a:spcPct val="20000"/>
-              </a:spcBef>
-              <a:buFont typeface="Arial"/>
-              <a:buChar char="•"/>
-              <a:defRPr sz="2000" kern="1200">
-                <a:solidFill>
-                  <a:schemeClr val="tx1"/>
-                </a:solidFill>
-                <a:latin typeface="+mn-lt"/>
-                <a:ea typeface="+mn-ea"/>
-                <a:cs typeface="+mn-cs"/>
-              </a:defRPr>
-            </a:lvl7pPr>
-            <a:lvl8pPr marL="3429000" indent="-228600" algn="l" defTabSz="457200" rtl="0" eaLnBrk="1" latinLnBrk="0" hangingPunct="1">
-              <a:spcBef>
-                <a:spcPct val="20000"/>
-              </a:spcBef>
-              <a:buFont typeface="Arial"/>
-              <a:buChar char="•"/>
-              <a:defRPr sz="2000" kern="1200">
-                <a:solidFill>
-                  <a:schemeClr val="tx1"/>
-                </a:solidFill>
-                <a:latin typeface="+mn-lt"/>
-                <a:ea typeface="+mn-ea"/>
-                <a:cs typeface="+mn-cs"/>
-              </a:defRPr>
-            </a:lvl8pPr>
-            <a:lvl9pPr marL="3886200" indent="-228600" algn="l" defTabSz="457200" rtl="0" eaLnBrk="1" latinLnBrk="0" hangingPunct="1">
-              <a:spcBef>
-                <a:spcPct val="20000"/>
-              </a:spcBef>
-              <a:buFont typeface="Arial"/>
-              <a:buChar char="•"/>
-              <a:defRPr sz="2000" kern="1200">
-                <a:solidFill>
-                  <a:schemeClr val="tx1"/>
-                </a:solidFill>
-                <a:latin typeface="+mn-lt"/>
-                <a:ea typeface="+mn-ea"/>
-                <a:cs typeface="+mn-cs"/>
-              </a:defRPr>
-            </a:lvl9pPr>
-          </a:lstStyle>
-          <a:p>
-            <a:pPr>
-              <a:spcBef>
-                <a:spcPts val="600"/>
-              </a:spcBef>
-            </a:pPr>
-            <a:r>
-              <a:rPr lang="en-US" sz="1500" dirty="0"/>
-              <a:t>Light weight embedded DB for always available </a:t>
-            </a:r>
-            <a:r>
-              <a:rPr lang="en-US" sz="1500" dirty="0" smtClean="0"/>
-              <a:t>apps</a:t>
-            </a:r>
-            <a:endParaRPr lang="en-US" sz="1500" dirty="0"/>
-          </a:p>
-          <a:p>
-            <a:pPr>
-              <a:spcBef>
-                <a:spcPts val="600"/>
-              </a:spcBef>
-            </a:pPr>
-            <a:r>
-              <a:rPr lang="en-US" sz="1500" dirty="0"/>
-              <a:t>Sync Gateway syncs data seamlessly with Couchbase Server</a:t>
-            </a:r>
-          </a:p>
-        </p:txBody>
-      </p:sp>
-    </p:spTree>
-    <p:extLst>
-      <p:ext uri="{BB962C8B-B14F-4D97-AF65-F5344CB8AC3E}">
-        <p14:creationId xmlns:p14="http://schemas.microsoft.com/office/powerpoint/2010/main" val="987940720"/>
-      </p:ext>
-    </p:extLst>
-  </p:cSld>
-  <p:clrMapOvr>
-    <a:masterClrMapping/>
-  </p:clrMapOvr>
-  <p:timing>
-    <p:tnLst>
-      <p:par>
-        <p:cTn xmlns:p14="http://schemas.microsoft.com/office/powerpoint/2010/main" id="1" dur="indefinite" restart="never" nodeType="tmRoot"/>
-      </p:par>
-    </p:tnLst>
-  </p:timing>
-</p:sld>
-</file>
-
-<file path=ppt/slides/slide50.xml><?xml version="1.0" encoding="utf-8"?>
-<p:sld xmlns:a="http://schemas.openxmlformats.org/drawingml/2006/main" xmlns:r="http://schemas.openxmlformats.org/officeDocument/2006/relationships" xmlns:p="http://schemas.openxmlformats.org/presentationml/2006/main">
-  <p:cSld>
-    <p:spTree>
-      <p:nvGrpSpPr>
-        <p:cNvPr id="1" name=""/>
-        <p:cNvGrpSpPr/>
-        <p:nvPr/>
-      </p:nvGrpSpPr>
-      <p:grpSpPr>
-        <a:xfrm>
-          <a:off x="0" y="0"/>
-          <a:ext cx="0" cy="0"/>
-          <a:chOff x="0" y="0"/>
-          <a:chExt cx="0" cy="0"/>
-        </a:xfrm>
-      </p:grpSpPr>
-      <p:sp>
-        <p:nvSpPr>
-          <p:cNvPr id="2" name="Title 1"/>
-          <p:cNvSpPr>
-            <a:spLocks noGrp="1"/>
-          </p:cNvSpPr>
-          <p:nvPr>
-            <p:ph type="ctrTitle"/>
-          </p:nvPr>
-        </p:nvSpPr>
-        <p:spPr/>
-        <p:txBody>
-          <a:bodyPr/>
-          <a:lstStyle/>
-          <a:p>
-            <a:r>
-              <a:rPr lang="en-US" dirty="0" smtClean="0"/>
-              <a:t>Travel Application</a:t>
-            </a:r>
-            <a:endParaRPr lang="en-US" dirty="0"/>
-          </a:p>
-        </p:txBody>
-      </p:sp>
-      <p:sp>
-        <p:nvSpPr>
-          <p:cNvPr id="3" name="Subtitle 2"/>
-          <p:cNvSpPr>
-            <a:spLocks noGrp="1"/>
-          </p:cNvSpPr>
-          <p:nvPr>
-            <p:ph type="subTitle" idx="1"/>
-          </p:nvPr>
-        </p:nvSpPr>
-        <p:spPr/>
-        <p:txBody>
-          <a:bodyPr/>
-          <a:lstStyle/>
-          <a:p>
-            <a:r>
-              <a:rPr lang="en-US" dirty="0" smtClean="0"/>
-              <a:t>Workshop</a:t>
-            </a:r>
-            <a:endParaRPr lang="en-US" dirty="0"/>
-          </a:p>
-        </p:txBody>
-      </p:sp>
-    </p:spTree>
-    <p:extLst>
-      <p:ext uri="{BB962C8B-B14F-4D97-AF65-F5344CB8AC3E}">
-        <p14:creationId xmlns:p14="http://schemas.microsoft.com/office/powerpoint/2010/main" val="2979816808"/>
-      </p:ext>
-    </p:extLst>
-  </p:cSld>
-  <p:clrMapOvr>
-    <a:masterClrMapping/>
-  </p:clrMapOvr>
-  <p:timing>
-    <p:tnLst>
-      <p:par>
-        <p:cTn xmlns:p14="http://schemas.microsoft.com/office/powerpoint/2010/main" id="1" dur="indefinite" restart="never" nodeType="tmRoot"/>
-      </p:par>
-    </p:tnLst>
-  </p:timing>
-</p:sld>
-</file>
-
-<file path=ppt/slides/slide51.xml><?xml version="1.0" encoding="utf-8"?>
-<p:sld xmlns:a="http://schemas.openxmlformats.org/drawingml/2006/main" xmlns:r="http://schemas.openxmlformats.org/officeDocument/2006/relationships" xmlns:p="http://schemas.openxmlformats.org/presentationml/2006/main">
-  <p:cSld>
-    <p:spTree>
-      <p:nvGrpSpPr>
-        <p:cNvPr id="1" name=""/>
-        <p:cNvGrpSpPr/>
-        <p:nvPr/>
-      </p:nvGrpSpPr>
-      <p:grpSpPr>
-        <a:xfrm>
-          <a:off x="0" y="0"/>
-          <a:ext cx="0" cy="0"/>
-          <a:chOff x="0" y="0"/>
-          <a:chExt cx="0" cy="0"/>
-        </a:xfrm>
-      </p:grpSpPr>
-      <p:sp>
-        <p:nvSpPr>
           <p:cNvPr id="2" name="Title 1"/>
           <p:cNvSpPr>
             <a:spLocks noGrp="1"/>
@@ -21888,7 +20170,7 @@
                 <a:latin typeface="Corbel"/>
               </a:rPr>
               <a:pPr/>
-              <a:t>51</a:t>
+              <a:t>49</a:t>
             </a:fld>
             <a:endParaRPr lang="en-US">
               <a:latin typeface="Corbel"/>
@@ -23776,6 +22058,1453 @@
 </p:sld>
 </file>
 
+<file path=ppt/slides/slide5.xml><?xml version="1.0" encoding="utf-8"?>
+<p:sld xmlns:a="http://schemas.openxmlformats.org/drawingml/2006/main" xmlns:r="http://schemas.openxmlformats.org/officeDocument/2006/relationships" xmlns:p="http://schemas.openxmlformats.org/presentationml/2006/main">
+  <p:cSld>
+    <p:spTree>
+      <p:nvGrpSpPr>
+        <p:cNvPr id="1" name=""/>
+        <p:cNvGrpSpPr/>
+        <p:nvPr/>
+      </p:nvGrpSpPr>
+      <p:grpSpPr>
+        <a:xfrm>
+          <a:off x="0" y="0"/>
+          <a:ext cx="0" cy="0"/>
+          <a:chOff x="0" y="0"/>
+          <a:chExt cx="0" cy="0"/>
+        </a:xfrm>
+      </p:grpSpPr>
+      <p:pic>
+        <p:nvPicPr>
+          <p:cNvPr id="24" name="Picture 23" descr="multi-purpose_database_blue_solid.png"/>
+          <p:cNvPicPr>
+            <a:picLocks noChangeAspect="1"/>
+          </p:cNvPicPr>
+          <p:nvPr/>
+        </p:nvPicPr>
+        <p:blipFill>
+          <a:blip r:embed="rId2">
+            <a:extLst>
+              <a:ext uri="{28A0092B-C50C-407E-A947-70E740481C1C}">
+                <a14:useLocalDpi xmlns:a14="http://schemas.microsoft.com/office/drawing/2010/main" val="0"/>
+              </a:ext>
+            </a:extLst>
+          </a:blip>
+          <a:stretch>
+            <a:fillRect/>
+          </a:stretch>
+        </p:blipFill>
+        <p:spPr>
+          <a:xfrm>
+            <a:off x="3896356" y="713742"/>
+            <a:ext cx="1209627" cy="1649946"/>
+          </a:xfrm>
+          <a:prstGeom prst="rect">
+            <a:avLst/>
+          </a:prstGeom>
+        </p:spPr>
+      </p:pic>
+      <p:sp>
+        <p:nvSpPr>
+          <p:cNvPr id="15" name="Content Placeholder 2"/>
+          <p:cNvSpPr txBox="1">
+            <a:spLocks/>
+          </p:cNvSpPr>
+          <p:nvPr/>
+        </p:nvSpPr>
+        <p:spPr>
+          <a:xfrm>
+            <a:off x="246459" y="3307734"/>
+            <a:ext cx="2882648" cy="1448457"/>
+          </a:xfrm>
+          <a:prstGeom prst="rect">
+            <a:avLst/>
+          </a:prstGeom>
+        </p:spPr>
+        <p:txBody>
+          <a:bodyPr vert="horz" lIns="91440" tIns="45720" rIns="91440" bIns="45720" rtlCol="0">
+            <a:noAutofit/>
+          </a:bodyPr>
+          <a:lstStyle>
+            <a:lvl1pPr marL="228600" indent="-228600" algn="l" defTabSz="457200" rtl="0" eaLnBrk="1" latinLnBrk="0" hangingPunct="1">
+              <a:lnSpc>
+                <a:spcPct val="100000"/>
+              </a:lnSpc>
+              <a:spcBef>
+                <a:spcPts val="0"/>
+              </a:spcBef>
+              <a:spcAft>
+                <a:spcPts val="300"/>
+              </a:spcAft>
+              <a:buClr>
+                <a:schemeClr val="accent1"/>
+              </a:buClr>
+              <a:buSzPct val="110000"/>
+              <a:buFont typeface="Wingdings" charset="2"/>
+              <a:buChar char="§"/>
+              <a:defRPr sz="2400" kern="1200">
+                <a:solidFill>
+                  <a:schemeClr val="tx1"/>
+                </a:solidFill>
+                <a:latin typeface="+mn-lt"/>
+                <a:ea typeface="+mn-ea"/>
+                <a:cs typeface="+mn-cs"/>
+              </a:defRPr>
+            </a:lvl1pPr>
+            <a:lvl2pPr marL="455613" indent="-225425" algn="l" defTabSz="457200" rtl="0" eaLnBrk="1" latinLnBrk="0" hangingPunct="1">
+              <a:lnSpc>
+                <a:spcPct val="100000"/>
+              </a:lnSpc>
+              <a:spcBef>
+                <a:spcPts val="0"/>
+              </a:spcBef>
+              <a:spcAft>
+                <a:spcPts val="300"/>
+              </a:spcAft>
+              <a:buClr>
+                <a:srgbClr val="262626"/>
+              </a:buClr>
+              <a:buFont typeface="Wingdings" charset="2"/>
+              <a:buChar char="§"/>
+              <a:defRPr sz="2000" kern="1200">
+                <a:solidFill>
+                  <a:schemeClr val="tx1"/>
+                </a:solidFill>
+                <a:latin typeface="+mn-lt"/>
+                <a:ea typeface="+mn-ea"/>
+                <a:cs typeface="+mn-cs"/>
+              </a:defRPr>
+            </a:lvl2pPr>
+            <a:lvl3pPr marL="455613" indent="-225425" algn="l" defTabSz="457200" rtl="0" eaLnBrk="1" latinLnBrk="0" hangingPunct="1">
+              <a:lnSpc>
+                <a:spcPct val="100000"/>
+              </a:lnSpc>
+              <a:spcBef>
+                <a:spcPts val="0"/>
+              </a:spcBef>
+              <a:spcAft>
+                <a:spcPts val="300"/>
+              </a:spcAft>
+              <a:buClr>
+                <a:srgbClr val="262626"/>
+              </a:buClr>
+              <a:buFont typeface="Wingdings" charset="2"/>
+              <a:buChar char="§"/>
+              <a:defRPr sz="2000" kern="1200">
+                <a:solidFill>
+                  <a:schemeClr val="tx1"/>
+                </a:solidFill>
+                <a:latin typeface="+mn-lt"/>
+                <a:ea typeface="+mn-ea"/>
+                <a:cs typeface="+mn-cs"/>
+              </a:defRPr>
+            </a:lvl3pPr>
+            <a:lvl4pPr marL="455613" indent="-225425" algn="l" defTabSz="457200" rtl="0" eaLnBrk="1" latinLnBrk="0" hangingPunct="1">
+              <a:lnSpc>
+                <a:spcPct val="100000"/>
+              </a:lnSpc>
+              <a:spcBef>
+                <a:spcPts val="0"/>
+              </a:spcBef>
+              <a:spcAft>
+                <a:spcPts val="300"/>
+              </a:spcAft>
+              <a:buClr>
+                <a:srgbClr val="262626"/>
+              </a:buClr>
+              <a:buFont typeface="Wingdings" charset="2"/>
+              <a:buChar char="§"/>
+              <a:defRPr sz="2000" kern="1200">
+                <a:solidFill>
+                  <a:schemeClr val="tx1"/>
+                </a:solidFill>
+                <a:latin typeface="+mn-lt"/>
+                <a:ea typeface="+mn-ea"/>
+                <a:cs typeface="+mn-cs"/>
+              </a:defRPr>
+            </a:lvl4pPr>
+            <a:lvl5pPr marL="455613" indent="-225425" algn="l" defTabSz="457200" rtl="0" eaLnBrk="1" latinLnBrk="0" hangingPunct="1">
+              <a:lnSpc>
+                <a:spcPct val="100000"/>
+              </a:lnSpc>
+              <a:spcBef>
+                <a:spcPts val="0"/>
+              </a:spcBef>
+              <a:spcAft>
+                <a:spcPts val="300"/>
+              </a:spcAft>
+              <a:buClr>
+                <a:srgbClr val="262626"/>
+              </a:buClr>
+              <a:buFont typeface="Wingdings" charset="2"/>
+              <a:buChar char="§"/>
+              <a:defRPr sz="2000" kern="1200">
+                <a:solidFill>
+                  <a:schemeClr val="tx1"/>
+                </a:solidFill>
+                <a:latin typeface="+mn-lt"/>
+                <a:ea typeface="+mn-ea"/>
+                <a:cs typeface="+mn-cs"/>
+              </a:defRPr>
+            </a:lvl5pPr>
+            <a:lvl6pPr marL="2514600" indent="-228600" algn="l" defTabSz="457200" rtl="0" eaLnBrk="1" latinLnBrk="0" hangingPunct="1">
+              <a:spcBef>
+                <a:spcPct val="20000"/>
+              </a:spcBef>
+              <a:buFont typeface="Arial"/>
+              <a:buChar char="•"/>
+              <a:defRPr sz="2000" kern="1200">
+                <a:solidFill>
+                  <a:schemeClr val="tx1"/>
+                </a:solidFill>
+                <a:latin typeface="+mn-lt"/>
+                <a:ea typeface="+mn-ea"/>
+                <a:cs typeface="+mn-cs"/>
+              </a:defRPr>
+            </a:lvl6pPr>
+            <a:lvl7pPr marL="2971800" indent="-228600" algn="l" defTabSz="457200" rtl="0" eaLnBrk="1" latinLnBrk="0" hangingPunct="1">
+              <a:spcBef>
+                <a:spcPct val="20000"/>
+              </a:spcBef>
+              <a:buFont typeface="Arial"/>
+              <a:buChar char="•"/>
+              <a:defRPr sz="2000" kern="1200">
+                <a:solidFill>
+                  <a:schemeClr val="tx1"/>
+                </a:solidFill>
+                <a:latin typeface="+mn-lt"/>
+                <a:ea typeface="+mn-ea"/>
+                <a:cs typeface="+mn-cs"/>
+              </a:defRPr>
+            </a:lvl7pPr>
+            <a:lvl8pPr marL="3429000" indent="-228600" algn="l" defTabSz="457200" rtl="0" eaLnBrk="1" latinLnBrk="0" hangingPunct="1">
+              <a:spcBef>
+                <a:spcPct val="20000"/>
+              </a:spcBef>
+              <a:buFont typeface="Arial"/>
+              <a:buChar char="•"/>
+              <a:defRPr sz="2000" kern="1200">
+                <a:solidFill>
+                  <a:schemeClr val="tx1"/>
+                </a:solidFill>
+                <a:latin typeface="+mn-lt"/>
+                <a:ea typeface="+mn-ea"/>
+                <a:cs typeface="+mn-cs"/>
+              </a:defRPr>
+            </a:lvl8pPr>
+            <a:lvl9pPr marL="3886200" indent="-228600" algn="l" defTabSz="457200" rtl="0" eaLnBrk="1" latinLnBrk="0" hangingPunct="1">
+              <a:spcBef>
+                <a:spcPct val="20000"/>
+              </a:spcBef>
+              <a:buFont typeface="Arial"/>
+              <a:buChar char="•"/>
+              <a:defRPr sz="2000" kern="1200">
+                <a:solidFill>
+                  <a:schemeClr val="tx1"/>
+                </a:solidFill>
+                <a:latin typeface="+mn-lt"/>
+                <a:ea typeface="+mn-ea"/>
+                <a:cs typeface="+mn-cs"/>
+              </a:defRPr>
+            </a:lvl9pPr>
+          </a:lstStyle>
+          <a:p>
+            <a:pPr>
+              <a:spcBef>
+                <a:spcPts val="600"/>
+              </a:spcBef>
+            </a:pPr>
+            <a:r>
+              <a:rPr lang="en-US" sz="1500" dirty="0"/>
+              <a:t>Consolidated cache and </a:t>
+            </a:r>
+            <a:r>
+              <a:rPr lang="en-US" sz="1500" dirty="0" smtClean="0"/>
+              <a:t>database</a:t>
+            </a:r>
+            <a:endParaRPr lang="en-US" sz="1500" dirty="0"/>
+          </a:p>
+          <a:p>
+            <a:pPr>
+              <a:spcBef>
+                <a:spcPts val="600"/>
+              </a:spcBef>
+            </a:pPr>
+            <a:r>
+              <a:rPr lang="en-US" sz="1500" dirty="0"/>
+              <a:t>Tune memory required based on application requirements</a:t>
+            </a:r>
+          </a:p>
+        </p:txBody>
+      </p:sp>
+      <p:sp>
+        <p:nvSpPr>
+          <p:cNvPr id="2" name="Title 1"/>
+          <p:cNvSpPr>
+            <a:spLocks noGrp="1"/>
+          </p:cNvSpPr>
+          <p:nvPr>
+            <p:ph type="title"/>
+          </p:nvPr>
+        </p:nvSpPr>
+        <p:spPr/>
+        <p:txBody>
+          <a:bodyPr/>
+          <a:lstStyle/>
+          <a:p>
+            <a:r>
+              <a:rPr lang="en-US" dirty="0" smtClean="0"/>
+              <a:t>Multi-purpose database supports many uses</a:t>
+            </a:r>
+            <a:endParaRPr lang="en-US" dirty="0"/>
+          </a:p>
+        </p:txBody>
+      </p:sp>
+      <p:sp>
+        <p:nvSpPr>
+          <p:cNvPr id="26" name="Slide Number Placeholder 2"/>
+          <p:cNvSpPr>
+            <a:spLocks noGrp="1"/>
+          </p:cNvSpPr>
+          <p:nvPr>
+            <p:ph type="sldNum" sz="quarter" idx="4294967295"/>
+          </p:nvPr>
+        </p:nvSpPr>
+        <p:spPr>
+          <a:xfrm>
+            <a:off x="5105983" y="4767263"/>
+            <a:ext cx="740664" cy="273844"/>
+          </a:xfrm>
+          <a:prstGeom prst="rect">
+            <a:avLst/>
+          </a:prstGeom>
+        </p:spPr>
+        <p:txBody>
+          <a:bodyPr/>
+          <a:lstStyle/>
+          <a:p>
+            <a:fld id="{E728A94C-44F1-DF43-8BD8-694E750DEF33}" type="slidenum">
+              <a:rPr lang="en-US" smtClean="0">
+                <a:latin typeface="Corbel"/>
+              </a:rPr>
+              <a:pPr/>
+              <a:t>5</a:t>
+            </a:fld>
+            <a:endParaRPr lang="en-US">
+              <a:latin typeface="Corbel"/>
+            </a:endParaRPr>
+          </a:p>
+        </p:txBody>
+      </p:sp>
+      <p:cxnSp>
+        <p:nvCxnSpPr>
+          <p:cNvPr id="11" name="Straight Connector 10"/>
+          <p:cNvCxnSpPr/>
+          <p:nvPr/>
+        </p:nvCxnSpPr>
+        <p:spPr>
+          <a:xfrm>
+            <a:off x="3129106" y="2728751"/>
+            <a:ext cx="0" cy="2034525"/>
+          </a:xfrm>
+          <a:prstGeom prst="line">
+            <a:avLst/>
+          </a:prstGeom>
+          <a:ln w="6350" cmpd="sng">
+            <a:prstDash val="dot"/>
+          </a:ln>
+        </p:spPr>
+        <p:style>
+          <a:lnRef idx="1">
+            <a:schemeClr val="dk1"/>
+          </a:lnRef>
+          <a:fillRef idx="0">
+            <a:schemeClr val="dk1"/>
+          </a:fillRef>
+          <a:effectRef idx="0">
+            <a:schemeClr val="dk1"/>
+          </a:effectRef>
+          <a:fontRef idx="minor">
+            <a:schemeClr val="tx1"/>
+          </a:fontRef>
+        </p:style>
+      </p:cxnSp>
+      <p:cxnSp>
+        <p:nvCxnSpPr>
+          <p:cNvPr id="12" name="Straight Connector 11"/>
+          <p:cNvCxnSpPr/>
+          <p:nvPr/>
+        </p:nvCxnSpPr>
+        <p:spPr>
+          <a:xfrm>
+            <a:off x="6014894" y="2728751"/>
+            <a:ext cx="0" cy="2034525"/>
+          </a:xfrm>
+          <a:prstGeom prst="line">
+            <a:avLst/>
+          </a:prstGeom>
+          <a:ln w="6350" cmpd="sng">
+            <a:prstDash val="dot"/>
+          </a:ln>
+        </p:spPr>
+        <p:style>
+          <a:lnRef idx="1">
+            <a:schemeClr val="dk1"/>
+          </a:lnRef>
+          <a:fillRef idx="0">
+            <a:schemeClr val="dk1"/>
+          </a:fillRef>
+          <a:effectRef idx="0">
+            <a:schemeClr val="dk1"/>
+          </a:effectRef>
+          <a:fontRef idx="minor">
+            <a:schemeClr val="tx1"/>
+          </a:fontRef>
+        </p:style>
+      </p:cxnSp>
+      <p:sp>
+        <p:nvSpPr>
+          <p:cNvPr id="18" name="Slide Number Placeholder 2"/>
+          <p:cNvSpPr txBox="1">
+            <a:spLocks/>
+          </p:cNvSpPr>
+          <p:nvPr/>
+        </p:nvSpPr>
+        <p:spPr>
+          <a:xfrm>
+            <a:off x="2106386" y="4895139"/>
+            <a:ext cx="740664" cy="273844"/>
+          </a:xfrm>
+          <a:prstGeom prst="rect">
+            <a:avLst/>
+          </a:prstGeom>
+        </p:spPr>
+        <p:txBody>
+          <a:bodyPr vert="horz" lIns="91440" tIns="45720" rIns="91440" bIns="45720" rtlCol="0" anchor="ctr"/>
+          <a:lstStyle>
+            <a:defPPr>
+              <a:defRPr lang="en-US"/>
+            </a:defPPr>
+            <a:lvl1pPr marL="0" algn="r" defTabSz="457200" rtl="0" eaLnBrk="1" latinLnBrk="0" hangingPunct="1">
+              <a:defRPr sz="850" kern="1200">
+                <a:solidFill>
+                  <a:srgbClr val="CCCCCC"/>
+                </a:solidFill>
+                <a:latin typeface="+mn-lt"/>
+                <a:ea typeface="+mn-ea"/>
+                <a:cs typeface="+mn-cs"/>
+              </a:defRPr>
+            </a:lvl1pPr>
+            <a:lvl2pPr marL="457200" algn="l" defTabSz="457200" rtl="0" eaLnBrk="1" latinLnBrk="0" hangingPunct="1">
+              <a:defRPr sz="1800" kern="1200">
+                <a:solidFill>
+                  <a:schemeClr val="tx1"/>
+                </a:solidFill>
+                <a:latin typeface="+mn-lt"/>
+                <a:ea typeface="+mn-ea"/>
+                <a:cs typeface="+mn-cs"/>
+              </a:defRPr>
+            </a:lvl2pPr>
+            <a:lvl3pPr marL="914400" algn="l" defTabSz="457200" rtl="0" eaLnBrk="1" latinLnBrk="0" hangingPunct="1">
+              <a:defRPr sz="1800" kern="1200">
+                <a:solidFill>
+                  <a:schemeClr val="tx1"/>
+                </a:solidFill>
+                <a:latin typeface="+mn-lt"/>
+                <a:ea typeface="+mn-ea"/>
+                <a:cs typeface="+mn-cs"/>
+              </a:defRPr>
+            </a:lvl3pPr>
+            <a:lvl4pPr marL="1371600" algn="l" defTabSz="457200" rtl="0" eaLnBrk="1" latinLnBrk="0" hangingPunct="1">
+              <a:defRPr sz="1800" kern="1200">
+                <a:solidFill>
+                  <a:schemeClr val="tx1"/>
+                </a:solidFill>
+                <a:latin typeface="+mn-lt"/>
+                <a:ea typeface="+mn-ea"/>
+                <a:cs typeface="+mn-cs"/>
+              </a:defRPr>
+            </a:lvl4pPr>
+            <a:lvl5pPr marL="1828800" algn="l" defTabSz="457200" rtl="0" eaLnBrk="1" latinLnBrk="0" hangingPunct="1">
+              <a:defRPr sz="1800" kern="1200">
+                <a:solidFill>
+                  <a:schemeClr val="tx1"/>
+                </a:solidFill>
+                <a:latin typeface="+mn-lt"/>
+                <a:ea typeface="+mn-ea"/>
+                <a:cs typeface="+mn-cs"/>
+              </a:defRPr>
+            </a:lvl5pPr>
+            <a:lvl6pPr marL="2286000" algn="l" defTabSz="457200" rtl="0" eaLnBrk="1" latinLnBrk="0" hangingPunct="1">
+              <a:defRPr sz="1800" kern="1200">
+                <a:solidFill>
+                  <a:schemeClr val="tx1"/>
+                </a:solidFill>
+                <a:latin typeface="+mn-lt"/>
+                <a:ea typeface="+mn-ea"/>
+                <a:cs typeface="+mn-cs"/>
+              </a:defRPr>
+            </a:lvl6pPr>
+            <a:lvl7pPr marL="2743200" algn="l" defTabSz="457200" rtl="0" eaLnBrk="1" latinLnBrk="0" hangingPunct="1">
+              <a:defRPr sz="1800" kern="1200">
+                <a:solidFill>
+                  <a:schemeClr val="tx1"/>
+                </a:solidFill>
+                <a:latin typeface="+mn-lt"/>
+                <a:ea typeface="+mn-ea"/>
+                <a:cs typeface="+mn-cs"/>
+              </a:defRPr>
+            </a:lvl7pPr>
+            <a:lvl8pPr marL="3200400" algn="l" defTabSz="457200" rtl="0" eaLnBrk="1" latinLnBrk="0" hangingPunct="1">
+              <a:defRPr sz="1800" kern="1200">
+                <a:solidFill>
+                  <a:schemeClr val="tx1"/>
+                </a:solidFill>
+                <a:latin typeface="+mn-lt"/>
+                <a:ea typeface="+mn-ea"/>
+                <a:cs typeface="+mn-cs"/>
+              </a:defRPr>
+            </a:lvl8pPr>
+            <a:lvl9pPr marL="3657600" algn="l" defTabSz="457200" rtl="0" eaLnBrk="1" latinLnBrk="0" hangingPunct="1">
+              <a:defRPr sz="1800" kern="1200">
+                <a:solidFill>
+                  <a:schemeClr val="tx1"/>
+                </a:solidFill>
+                <a:latin typeface="+mn-lt"/>
+                <a:ea typeface="+mn-ea"/>
+                <a:cs typeface="+mn-cs"/>
+              </a:defRPr>
+            </a:lvl9pPr>
+          </a:lstStyle>
+          <a:p>
+            <a:fld id="{E728A94C-44F1-DF43-8BD8-694E750DEF33}" type="slidenum">
+              <a:rPr lang="en-US" smtClean="0">
+                <a:latin typeface="Corbel"/>
+              </a:rPr>
+              <a:pPr/>
+              <a:t>5</a:t>
+            </a:fld>
+            <a:endParaRPr lang="en-US">
+              <a:latin typeface="Corbel"/>
+            </a:endParaRPr>
+          </a:p>
+        </p:txBody>
+      </p:sp>
+      <p:sp>
+        <p:nvSpPr>
+          <p:cNvPr id="19" name="Rectangle 18"/>
+          <p:cNvSpPr/>
+          <p:nvPr/>
+        </p:nvSpPr>
+        <p:spPr>
+          <a:xfrm>
+            <a:off x="499431" y="2687037"/>
+            <a:ext cx="2187922" cy="559971"/>
+          </a:xfrm>
+          <a:prstGeom prst="rect">
+            <a:avLst/>
+          </a:prstGeom>
+          <a:noFill/>
+        </p:spPr>
+        <p:txBody>
+          <a:bodyPr rot="0" spcFirstLastPara="0" vert="horz" wrap="square" lIns="91440" tIns="45720" rIns="91440" bIns="45720" numCol="1" spcCol="0" rtlCol="0" fromWordArt="0" anchor="ctr" anchorCtr="0" forceAA="0" compatLnSpc="1">
+            <a:prstTxWarp prst="textNoShape">
+              <a:avLst/>
+            </a:prstTxWarp>
+            <a:noAutofit/>
+          </a:bodyPr>
+          <a:lstStyle/>
+          <a:p>
+            <a:pPr algn="ctr">
+              <a:lnSpc>
+                <a:spcPct val="80000"/>
+              </a:lnSpc>
+            </a:pPr>
+            <a:r>
+              <a:rPr lang="en-US" sz="2000" b="1" dirty="0" smtClean="0">
+                <a:solidFill>
+                  <a:srgbClr val="E10021"/>
+                </a:solidFill>
+                <a:latin typeface="Corbel"/>
+              </a:rPr>
+              <a:t>Tunable built</a:t>
+            </a:r>
+            <a:r>
+              <a:rPr lang="en-US" sz="2000" b="1" dirty="0">
+                <a:solidFill>
+                  <a:srgbClr val="E10021"/>
+                </a:solidFill>
+                <a:latin typeface="Corbel"/>
+              </a:rPr>
+              <a:t>-</a:t>
+            </a:r>
+            <a:r>
+              <a:rPr lang="en-US" sz="2000" b="1" dirty="0" smtClean="0">
+                <a:solidFill>
+                  <a:srgbClr val="E10021"/>
+                </a:solidFill>
+                <a:latin typeface="Corbel"/>
+              </a:rPr>
+              <a:t>in </a:t>
+            </a:r>
+            <a:br>
+              <a:rPr lang="en-US" sz="2000" b="1" dirty="0" smtClean="0">
+                <a:solidFill>
+                  <a:srgbClr val="E10021"/>
+                </a:solidFill>
+                <a:latin typeface="Corbel"/>
+              </a:rPr>
+            </a:br>
+            <a:r>
+              <a:rPr lang="en-US" sz="2000" b="1" dirty="0" smtClean="0">
+                <a:solidFill>
+                  <a:srgbClr val="E10021"/>
+                </a:solidFill>
+                <a:latin typeface="Corbel"/>
+              </a:rPr>
+              <a:t>cache</a:t>
+            </a:r>
+            <a:endParaRPr lang="en-US" sz="2000" b="1" dirty="0">
+              <a:solidFill>
+                <a:srgbClr val="E10021"/>
+              </a:solidFill>
+              <a:latin typeface="Corbel"/>
+            </a:endParaRPr>
+          </a:p>
+        </p:txBody>
+      </p:sp>
+      <p:sp>
+        <p:nvSpPr>
+          <p:cNvPr id="21" name="Rectangle 20"/>
+          <p:cNvSpPr/>
+          <p:nvPr/>
+        </p:nvSpPr>
+        <p:spPr>
+          <a:xfrm>
+            <a:off x="3399479" y="2607283"/>
+            <a:ext cx="2319730" cy="685800"/>
+          </a:xfrm>
+          <a:prstGeom prst="rect">
+            <a:avLst/>
+          </a:prstGeom>
+          <a:noFill/>
+        </p:spPr>
+        <p:txBody>
+          <a:bodyPr rot="0" spcFirstLastPara="0" vert="horz" wrap="square" lIns="0" tIns="45720" rIns="0" bIns="45720" numCol="1" spcCol="0" rtlCol="0" fromWordArt="0" anchor="ctr" anchorCtr="0" forceAA="0" compatLnSpc="1">
+            <a:prstTxWarp prst="textNoShape">
+              <a:avLst/>
+            </a:prstTxWarp>
+            <a:noAutofit/>
+          </a:bodyPr>
+          <a:lstStyle/>
+          <a:p>
+            <a:pPr algn="ctr">
+              <a:lnSpc>
+                <a:spcPct val="80000"/>
+              </a:lnSpc>
+            </a:pPr>
+            <a:r>
+              <a:rPr lang="en-US" sz="2000" b="1" dirty="0" smtClean="0">
+                <a:solidFill>
+                  <a:srgbClr val="E10021"/>
+                </a:solidFill>
+                <a:latin typeface="Corbel"/>
+              </a:rPr>
+              <a:t>Flexible schemas with JSON</a:t>
+            </a:r>
+            <a:endParaRPr lang="en-US" sz="2000" b="1" dirty="0">
+              <a:solidFill>
+                <a:srgbClr val="E10021"/>
+              </a:solidFill>
+              <a:latin typeface="Corbel"/>
+            </a:endParaRPr>
+          </a:p>
+        </p:txBody>
+      </p:sp>
+      <p:sp>
+        <p:nvSpPr>
+          <p:cNvPr id="25" name="Rectangle 24"/>
+          <p:cNvSpPr/>
+          <p:nvPr/>
+        </p:nvSpPr>
+        <p:spPr>
+          <a:xfrm>
+            <a:off x="6337300" y="2480283"/>
+            <a:ext cx="2305174" cy="685800"/>
+          </a:xfrm>
+          <a:prstGeom prst="rect">
+            <a:avLst/>
+          </a:prstGeom>
+          <a:noFill/>
+        </p:spPr>
+        <p:txBody>
+          <a:bodyPr rot="0" spcFirstLastPara="0" vert="horz" wrap="square" lIns="0" tIns="45720" rIns="0" bIns="45720" numCol="1" spcCol="0" rtlCol="0" fromWordArt="0" anchor="ctr" anchorCtr="0" forceAA="0" compatLnSpc="1">
+            <a:prstTxWarp prst="textNoShape">
+              <a:avLst/>
+            </a:prstTxWarp>
+            <a:noAutofit/>
+          </a:bodyPr>
+          <a:lstStyle/>
+          <a:p>
+            <a:pPr algn="ctr">
+              <a:lnSpc>
+                <a:spcPct val="80000"/>
+              </a:lnSpc>
+            </a:pPr>
+            <a:r>
+              <a:rPr lang="en-US" sz="2000" b="1" dirty="0" smtClean="0">
+                <a:solidFill>
+                  <a:srgbClr val="E10021"/>
+                </a:solidFill>
+                <a:latin typeface="Corbel"/>
+              </a:rPr>
+              <a:t>Couchbase Lite </a:t>
+            </a:r>
+            <a:endParaRPr lang="en-US" sz="2000" b="1" dirty="0">
+              <a:solidFill>
+                <a:srgbClr val="E10021"/>
+              </a:solidFill>
+              <a:latin typeface="Corbel"/>
+            </a:endParaRPr>
+          </a:p>
+        </p:txBody>
+      </p:sp>
+      <p:sp>
+        <p:nvSpPr>
+          <p:cNvPr id="16" name="Content Placeholder 2"/>
+          <p:cNvSpPr txBox="1">
+            <a:spLocks/>
+          </p:cNvSpPr>
+          <p:nvPr/>
+        </p:nvSpPr>
+        <p:spPr>
+          <a:xfrm>
+            <a:off x="3132246" y="3307734"/>
+            <a:ext cx="2882648" cy="1448457"/>
+          </a:xfrm>
+          <a:prstGeom prst="rect">
+            <a:avLst/>
+          </a:prstGeom>
+        </p:spPr>
+        <p:txBody>
+          <a:bodyPr vert="horz" lIns="91440" tIns="45720" rIns="91440" bIns="45720" rtlCol="0">
+            <a:noAutofit/>
+          </a:bodyPr>
+          <a:lstStyle>
+            <a:lvl1pPr marL="228600" indent="-228600" algn="l" defTabSz="457200" rtl="0" eaLnBrk="1" latinLnBrk="0" hangingPunct="1">
+              <a:lnSpc>
+                <a:spcPct val="100000"/>
+              </a:lnSpc>
+              <a:spcBef>
+                <a:spcPts val="0"/>
+              </a:spcBef>
+              <a:spcAft>
+                <a:spcPts val="300"/>
+              </a:spcAft>
+              <a:buClr>
+                <a:schemeClr val="accent1"/>
+              </a:buClr>
+              <a:buSzPct val="110000"/>
+              <a:buFont typeface="Wingdings" charset="2"/>
+              <a:buChar char="§"/>
+              <a:defRPr sz="2400" kern="1200">
+                <a:solidFill>
+                  <a:schemeClr val="tx1"/>
+                </a:solidFill>
+                <a:latin typeface="+mn-lt"/>
+                <a:ea typeface="+mn-ea"/>
+                <a:cs typeface="+mn-cs"/>
+              </a:defRPr>
+            </a:lvl1pPr>
+            <a:lvl2pPr marL="455613" indent="-225425" algn="l" defTabSz="457200" rtl="0" eaLnBrk="1" latinLnBrk="0" hangingPunct="1">
+              <a:lnSpc>
+                <a:spcPct val="100000"/>
+              </a:lnSpc>
+              <a:spcBef>
+                <a:spcPts val="0"/>
+              </a:spcBef>
+              <a:spcAft>
+                <a:spcPts val="300"/>
+              </a:spcAft>
+              <a:buClr>
+                <a:srgbClr val="262626"/>
+              </a:buClr>
+              <a:buFont typeface="Wingdings" charset="2"/>
+              <a:buChar char="§"/>
+              <a:defRPr sz="2000" kern="1200">
+                <a:solidFill>
+                  <a:schemeClr val="tx1"/>
+                </a:solidFill>
+                <a:latin typeface="+mn-lt"/>
+                <a:ea typeface="+mn-ea"/>
+                <a:cs typeface="+mn-cs"/>
+              </a:defRPr>
+            </a:lvl2pPr>
+            <a:lvl3pPr marL="455613" indent="-225425" algn="l" defTabSz="457200" rtl="0" eaLnBrk="1" latinLnBrk="0" hangingPunct="1">
+              <a:lnSpc>
+                <a:spcPct val="100000"/>
+              </a:lnSpc>
+              <a:spcBef>
+                <a:spcPts val="0"/>
+              </a:spcBef>
+              <a:spcAft>
+                <a:spcPts val="300"/>
+              </a:spcAft>
+              <a:buClr>
+                <a:srgbClr val="262626"/>
+              </a:buClr>
+              <a:buFont typeface="Wingdings" charset="2"/>
+              <a:buChar char="§"/>
+              <a:defRPr sz="2000" kern="1200">
+                <a:solidFill>
+                  <a:schemeClr val="tx1"/>
+                </a:solidFill>
+                <a:latin typeface="+mn-lt"/>
+                <a:ea typeface="+mn-ea"/>
+                <a:cs typeface="+mn-cs"/>
+              </a:defRPr>
+            </a:lvl3pPr>
+            <a:lvl4pPr marL="455613" indent="-225425" algn="l" defTabSz="457200" rtl="0" eaLnBrk="1" latinLnBrk="0" hangingPunct="1">
+              <a:lnSpc>
+                <a:spcPct val="100000"/>
+              </a:lnSpc>
+              <a:spcBef>
+                <a:spcPts val="0"/>
+              </a:spcBef>
+              <a:spcAft>
+                <a:spcPts val="300"/>
+              </a:spcAft>
+              <a:buClr>
+                <a:srgbClr val="262626"/>
+              </a:buClr>
+              <a:buFont typeface="Wingdings" charset="2"/>
+              <a:buChar char="§"/>
+              <a:defRPr sz="2000" kern="1200">
+                <a:solidFill>
+                  <a:schemeClr val="tx1"/>
+                </a:solidFill>
+                <a:latin typeface="+mn-lt"/>
+                <a:ea typeface="+mn-ea"/>
+                <a:cs typeface="+mn-cs"/>
+              </a:defRPr>
+            </a:lvl4pPr>
+            <a:lvl5pPr marL="455613" indent="-225425" algn="l" defTabSz="457200" rtl="0" eaLnBrk="1" latinLnBrk="0" hangingPunct="1">
+              <a:lnSpc>
+                <a:spcPct val="100000"/>
+              </a:lnSpc>
+              <a:spcBef>
+                <a:spcPts val="0"/>
+              </a:spcBef>
+              <a:spcAft>
+                <a:spcPts val="300"/>
+              </a:spcAft>
+              <a:buClr>
+                <a:srgbClr val="262626"/>
+              </a:buClr>
+              <a:buFont typeface="Wingdings" charset="2"/>
+              <a:buChar char="§"/>
+              <a:defRPr sz="2000" kern="1200">
+                <a:solidFill>
+                  <a:schemeClr val="tx1"/>
+                </a:solidFill>
+                <a:latin typeface="+mn-lt"/>
+                <a:ea typeface="+mn-ea"/>
+                <a:cs typeface="+mn-cs"/>
+              </a:defRPr>
+            </a:lvl5pPr>
+            <a:lvl6pPr marL="2514600" indent="-228600" algn="l" defTabSz="457200" rtl="0" eaLnBrk="1" latinLnBrk="0" hangingPunct="1">
+              <a:spcBef>
+                <a:spcPct val="20000"/>
+              </a:spcBef>
+              <a:buFont typeface="Arial"/>
+              <a:buChar char="•"/>
+              <a:defRPr sz="2000" kern="1200">
+                <a:solidFill>
+                  <a:schemeClr val="tx1"/>
+                </a:solidFill>
+                <a:latin typeface="+mn-lt"/>
+                <a:ea typeface="+mn-ea"/>
+                <a:cs typeface="+mn-cs"/>
+              </a:defRPr>
+            </a:lvl6pPr>
+            <a:lvl7pPr marL="2971800" indent="-228600" algn="l" defTabSz="457200" rtl="0" eaLnBrk="1" latinLnBrk="0" hangingPunct="1">
+              <a:spcBef>
+                <a:spcPct val="20000"/>
+              </a:spcBef>
+              <a:buFont typeface="Arial"/>
+              <a:buChar char="•"/>
+              <a:defRPr sz="2000" kern="1200">
+                <a:solidFill>
+                  <a:schemeClr val="tx1"/>
+                </a:solidFill>
+                <a:latin typeface="+mn-lt"/>
+                <a:ea typeface="+mn-ea"/>
+                <a:cs typeface="+mn-cs"/>
+              </a:defRPr>
+            </a:lvl7pPr>
+            <a:lvl8pPr marL="3429000" indent="-228600" algn="l" defTabSz="457200" rtl="0" eaLnBrk="1" latinLnBrk="0" hangingPunct="1">
+              <a:spcBef>
+                <a:spcPct val="20000"/>
+              </a:spcBef>
+              <a:buFont typeface="Arial"/>
+              <a:buChar char="•"/>
+              <a:defRPr sz="2000" kern="1200">
+                <a:solidFill>
+                  <a:schemeClr val="tx1"/>
+                </a:solidFill>
+                <a:latin typeface="+mn-lt"/>
+                <a:ea typeface="+mn-ea"/>
+                <a:cs typeface="+mn-cs"/>
+              </a:defRPr>
+            </a:lvl8pPr>
+            <a:lvl9pPr marL="3886200" indent="-228600" algn="l" defTabSz="457200" rtl="0" eaLnBrk="1" latinLnBrk="0" hangingPunct="1">
+              <a:spcBef>
+                <a:spcPct val="20000"/>
+              </a:spcBef>
+              <a:buFont typeface="Arial"/>
+              <a:buChar char="•"/>
+              <a:defRPr sz="2000" kern="1200">
+                <a:solidFill>
+                  <a:schemeClr val="tx1"/>
+                </a:solidFill>
+                <a:latin typeface="+mn-lt"/>
+                <a:ea typeface="+mn-ea"/>
+                <a:cs typeface="+mn-cs"/>
+              </a:defRPr>
+            </a:lvl9pPr>
+          </a:lstStyle>
+          <a:p>
+            <a:pPr>
+              <a:spcBef>
+                <a:spcPts val="600"/>
+              </a:spcBef>
+            </a:pPr>
+            <a:r>
+              <a:rPr lang="en-US" sz="1500" dirty="0"/>
+              <a:t>Represent data with varying schemas using JSON on the server or on the </a:t>
+            </a:r>
+            <a:r>
+              <a:rPr lang="en-US" sz="1500" dirty="0" smtClean="0"/>
+              <a:t>device</a:t>
+            </a:r>
+            <a:endParaRPr lang="en-US" sz="1500" dirty="0"/>
+          </a:p>
+          <a:p>
+            <a:pPr>
+              <a:spcBef>
+                <a:spcPts val="600"/>
+              </a:spcBef>
+            </a:pPr>
+            <a:r>
+              <a:rPr lang="en-US" sz="1500" dirty="0"/>
+              <a:t>Index and query data with </a:t>
+            </a:r>
+            <a:r>
+              <a:rPr lang="en-US" sz="1500" dirty="0" err="1"/>
+              <a:t>Javascript</a:t>
+            </a:r>
+            <a:r>
+              <a:rPr lang="en-US" sz="1500" dirty="0"/>
+              <a:t> views </a:t>
+            </a:r>
+          </a:p>
+        </p:txBody>
+      </p:sp>
+      <p:sp>
+        <p:nvSpPr>
+          <p:cNvPr id="17" name="Content Placeholder 2"/>
+          <p:cNvSpPr txBox="1">
+            <a:spLocks/>
+          </p:cNvSpPr>
+          <p:nvPr/>
+        </p:nvSpPr>
+        <p:spPr>
+          <a:xfrm>
+            <a:off x="6014894" y="3307734"/>
+            <a:ext cx="2882648" cy="1448457"/>
+          </a:xfrm>
+          <a:prstGeom prst="rect">
+            <a:avLst/>
+          </a:prstGeom>
+        </p:spPr>
+        <p:txBody>
+          <a:bodyPr vert="horz" lIns="91440" tIns="45720" rIns="91440" bIns="45720" rtlCol="0">
+            <a:noAutofit/>
+          </a:bodyPr>
+          <a:lstStyle>
+            <a:lvl1pPr marL="228600" indent="-228600" algn="l" defTabSz="457200" rtl="0" eaLnBrk="1" latinLnBrk="0" hangingPunct="1">
+              <a:lnSpc>
+                <a:spcPct val="100000"/>
+              </a:lnSpc>
+              <a:spcBef>
+                <a:spcPts val="0"/>
+              </a:spcBef>
+              <a:spcAft>
+                <a:spcPts val="300"/>
+              </a:spcAft>
+              <a:buClr>
+                <a:schemeClr val="accent1"/>
+              </a:buClr>
+              <a:buSzPct val="110000"/>
+              <a:buFont typeface="Wingdings" charset="2"/>
+              <a:buChar char="§"/>
+              <a:defRPr sz="2400" kern="1200">
+                <a:solidFill>
+                  <a:schemeClr val="tx1"/>
+                </a:solidFill>
+                <a:latin typeface="+mn-lt"/>
+                <a:ea typeface="+mn-ea"/>
+                <a:cs typeface="+mn-cs"/>
+              </a:defRPr>
+            </a:lvl1pPr>
+            <a:lvl2pPr marL="455613" indent="-225425" algn="l" defTabSz="457200" rtl="0" eaLnBrk="1" latinLnBrk="0" hangingPunct="1">
+              <a:lnSpc>
+                <a:spcPct val="100000"/>
+              </a:lnSpc>
+              <a:spcBef>
+                <a:spcPts val="0"/>
+              </a:spcBef>
+              <a:spcAft>
+                <a:spcPts val="300"/>
+              </a:spcAft>
+              <a:buClr>
+                <a:srgbClr val="262626"/>
+              </a:buClr>
+              <a:buFont typeface="Wingdings" charset="2"/>
+              <a:buChar char="§"/>
+              <a:defRPr sz="2000" kern="1200">
+                <a:solidFill>
+                  <a:schemeClr val="tx1"/>
+                </a:solidFill>
+                <a:latin typeface="+mn-lt"/>
+                <a:ea typeface="+mn-ea"/>
+                <a:cs typeface="+mn-cs"/>
+              </a:defRPr>
+            </a:lvl2pPr>
+            <a:lvl3pPr marL="455613" indent="-225425" algn="l" defTabSz="457200" rtl="0" eaLnBrk="1" latinLnBrk="0" hangingPunct="1">
+              <a:lnSpc>
+                <a:spcPct val="100000"/>
+              </a:lnSpc>
+              <a:spcBef>
+                <a:spcPts val="0"/>
+              </a:spcBef>
+              <a:spcAft>
+                <a:spcPts val="300"/>
+              </a:spcAft>
+              <a:buClr>
+                <a:srgbClr val="262626"/>
+              </a:buClr>
+              <a:buFont typeface="Wingdings" charset="2"/>
+              <a:buChar char="§"/>
+              <a:defRPr sz="2000" kern="1200">
+                <a:solidFill>
+                  <a:schemeClr val="tx1"/>
+                </a:solidFill>
+                <a:latin typeface="+mn-lt"/>
+                <a:ea typeface="+mn-ea"/>
+                <a:cs typeface="+mn-cs"/>
+              </a:defRPr>
+            </a:lvl3pPr>
+            <a:lvl4pPr marL="455613" indent="-225425" algn="l" defTabSz="457200" rtl="0" eaLnBrk="1" latinLnBrk="0" hangingPunct="1">
+              <a:lnSpc>
+                <a:spcPct val="100000"/>
+              </a:lnSpc>
+              <a:spcBef>
+                <a:spcPts val="0"/>
+              </a:spcBef>
+              <a:spcAft>
+                <a:spcPts val="300"/>
+              </a:spcAft>
+              <a:buClr>
+                <a:srgbClr val="262626"/>
+              </a:buClr>
+              <a:buFont typeface="Wingdings" charset="2"/>
+              <a:buChar char="§"/>
+              <a:defRPr sz="2000" kern="1200">
+                <a:solidFill>
+                  <a:schemeClr val="tx1"/>
+                </a:solidFill>
+                <a:latin typeface="+mn-lt"/>
+                <a:ea typeface="+mn-ea"/>
+                <a:cs typeface="+mn-cs"/>
+              </a:defRPr>
+            </a:lvl4pPr>
+            <a:lvl5pPr marL="455613" indent="-225425" algn="l" defTabSz="457200" rtl="0" eaLnBrk="1" latinLnBrk="0" hangingPunct="1">
+              <a:lnSpc>
+                <a:spcPct val="100000"/>
+              </a:lnSpc>
+              <a:spcBef>
+                <a:spcPts val="0"/>
+              </a:spcBef>
+              <a:spcAft>
+                <a:spcPts val="300"/>
+              </a:spcAft>
+              <a:buClr>
+                <a:srgbClr val="262626"/>
+              </a:buClr>
+              <a:buFont typeface="Wingdings" charset="2"/>
+              <a:buChar char="§"/>
+              <a:defRPr sz="2000" kern="1200">
+                <a:solidFill>
+                  <a:schemeClr val="tx1"/>
+                </a:solidFill>
+                <a:latin typeface="+mn-lt"/>
+                <a:ea typeface="+mn-ea"/>
+                <a:cs typeface="+mn-cs"/>
+              </a:defRPr>
+            </a:lvl5pPr>
+            <a:lvl6pPr marL="2514600" indent="-228600" algn="l" defTabSz="457200" rtl="0" eaLnBrk="1" latinLnBrk="0" hangingPunct="1">
+              <a:spcBef>
+                <a:spcPct val="20000"/>
+              </a:spcBef>
+              <a:buFont typeface="Arial"/>
+              <a:buChar char="•"/>
+              <a:defRPr sz="2000" kern="1200">
+                <a:solidFill>
+                  <a:schemeClr val="tx1"/>
+                </a:solidFill>
+                <a:latin typeface="+mn-lt"/>
+                <a:ea typeface="+mn-ea"/>
+                <a:cs typeface="+mn-cs"/>
+              </a:defRPr>
+            </a:lvl6pPr>
+            <a:lvl7pPr marL="2971800" indent="-228600" algn="l" defTabSz="457200" rtl="0" eaLnBrk="1" latinLnBrk="0" hangingPunct="1">
+              <a:spcBef>
+                <a:spcPct val="20000"/>
+              </a:spcBef>
+              <a:buFont typeface="Arial"/>
+              <a:buChar char="•"/>
+              <a:defRPr sz="2000" kern="1200">
+                <a:solidFill>
+                  <a:schemeClr val="tx1"/>
+                </a:solidFill>
+                <a:latin typeface="+mn-lt"/>
+                <a:ea typeface="+mn-ea"/>
+                <a:cs typeface="+mn-cs"/>
+              </a:defRPr>
+            </a:lvl7pPr>
+            <a:lvl8pPr marL="3429000" indent="-228600" algn="l" defTabSz="457200" rtl="0" eaLnBrk="1" latinLnBrk="0" hangingPunct="1">
+              <a:spcBef>
+                <a:spcPct val="20000"/>
+              </a:spcBef>
+              <a:buFont typeface="Arial"/>
+              <a:buChar char="•"/>
+              <a:defRPr sz="2000" kern="1200">
+                <a:solidFill>
+                  <a:schemeClr val="tx1"/>
+                </a:solidFill>
+                <a:latin typeface="+mn-lt"/>
+                <a:ea typeface="+mn-ea"/>
+                <a:cs typeface="+mn-cs"/>
+              </a:defRPr>
+            </a:lvl8pPr>
+            <a:lvl9pPr marL="3886200" indent="-228600" algn="l" defTabSz="457200" rtl="0" eaLnBrk="1" latinLnBrk="0" hangingPunct="1">
+              <a:spcBef>
+                <a:spcPct val="20000"/>
+              </a:spcBef>
+              <a:buFont typeface="Arial"/>
+              <a:buChar char="•"/>
+              <a:defRPr sz="2000" kern="1200">
+                <a:solidFill>
+                  <a:schemeClr val="tx1"/>
+                </a:solidFill>
+                <a:latin typeface="+mn-lt"/>
+                <a:ea typeface="+mn-ea"/>
+                <a:cs typeface="+mn-cs"/>
+              </a:defRPr>
+            </a:lvl9pPr>
+          </a:lstStyle>
+          <a:p>
+            <a:pPr>
+              <a:spcBef>
+                <a:spcPts val="600"/>
+              </a:spcBef>
+            </a:pPr>
+            <a:r>
+              <a:rPr lang="en-US" sz="1500" dirty="0"/>
+              <a:t>Light weight embedded DB for always available </a:t>
+            </a:r>
+            <a:r>
+              <a:rPr lang="en-US" sz="1500" dirty="0" smtClean="0"/>
+              <a:t>apps</a:t>
+            </a:r>
+            <a:endParaRPr lang="en-US" sz="1500" dirty="0"/>
+          </a:p>
+          <a:p>
+            <a:pPr>
+              <a:spcBef>
+                <a:spcPts val="600"/>
+              </a:spcBef>
+            </a:pPr>
+            <a:r>
+              <a:rPr lang="en-US" sz="1500" dirty="0"/>
+              <a:t>Sync Gateway syncs data seamlessly with Couchbase Server</a:t>
+            </a:r>
+          </a:p>
+        </p:txBody>
+      </p:sp>
+    </p:spTree>
+    <p:extLst>
+      <p:ext uri="{BB962C8B-B14F-4D97-AF65-F5344CB8AC3E}">
+        <p14:creationId xmlns:p14="http://schemas.microsoft.com/office/powerpoint/2010/main" val="987940720"/>
+      </p:ext>
+    </p:extLst>
+  </p:cSld>
+  <p:clrMapOvr>
+    <a:masterClrMapping/>
+  </p:clrMapOvr>
+  <p:timing>
+    <p:tnLst>
+      <p:par>
+        <p:cTn xmlns:p14="http://schemas.microsoft.com/office/powerpoint/2010/main" id="1" dur="indefinite" restart="never" nodeType="tmRoot"/>
+      </p:par>
+    </p:tnLst>
+  </p:timing>
+</p:sld>
+</file>
+
+<file path=ppt/slides/slide50.xml><?xml version="1.0" encoding="utf-8"?>
+<p:sld xmlns:a="http://schemas.openxmlformats.org/drawingml/2006/main" xmlns:r="http://schemas.openxmlformats.org/officeDocument/2006/relationships" xmlns:p="http://schemas.openxmlformats.org/presentationml/2006/main">
+  <p:cSld>
+    <p:spTree>
+      <p:nvGrpSpPr>
+        <p:cNvPr id="1" name=""/>
+        <p:cNvGrpSpPr/>
+        <p:nvPr/>
+      </p:nvGrpSpPr>
+      <p:grpSpPr>
+        <a:xfrm>
+          <a:off x="0" y="0"/>
+          <a:ext cx="0" cy="0"/>
+          <a:chOff x="0" y="0"/>
+          <a:chExt cx="0" cy="0"/>
+        </a:xfrm>
+      </p:grpSpPr>
+      <p:sp>
+        <p:nvSpPr>
+          <p:cNvPr id="2" name="Title 1"/>
+          <p:cNvSpPr>
+            <a:spLocks noGrp="1"/>
+          </p:cNvSpPr>
+          <p:nvPr>
+            <p:ph type="title"/>
+          </p:nvPr>
+        </p:nvSpPr>
+        <p:spPr/>
+        <p:txBody>
+          <a:bodyPr/>
+          <a:lstStyle/>
+          <a:p>
+            <a:r>
+              <a:rPr lang="en-US" dirty="0" smtClean="0"/>
+              <a:t>Workshop URL</a:t>
+            </a:r>
+            <a:endParaRPr lang="en-US" dirty="0"/>
+          </a:p>
+        </p:txBody>
+      </p:sp>
+      <p:sp>
+        <p:nvSpPr>
+          <p:cNvPr id="3" name="Content Placeholder 2"/>
+          <p:cNvSpPr>
+            <a:spLocks noGrp="1"/>
+          </p:cNvSpPr>
+          <p:nvPr>
+            <p:ph idx="1"/>
+          </p:nvPr>
+        </p:nvSpPr>
+        <p:spPr>
+          <a:xfrm>
+            <a:off x="457208" y="2350889"/>
+            <a:ext cx="8007739" cy="441723"/>
+          </a:xfrm>
+        </p:spPr>
+        <p:txBody>
+          <a:bodyPr/>
+          <a:lstStyle/>
+          <a:p>
+            <a:r>
+              <a:rPr lang="en-US" dirty="0"/>
+              <a:t>https://</a:t>
+            </a:r>
+            <a:r>
+              <a:rPr lang="en-US" dirty="0" err="1"/>
+              <a:t>github.com</a:t>
+            </a:r>
+            <a:r>
+              <a:rPr lang="en-US" dirty="0"/>
+              <a:t>/</a:t>
+            </a:r>
+            <a:r>
+              <a:rPr lang="en-US" dirty="0" err="1"/>
+              <a:t>couchbaselabs</a:t>
+            </a:r>
+            <a:r>
+              <a:rPr lang="en-US" dirty="0"/>
+              <a:t>/workshop-java-</a:t>
+            </a:r>
+            <a:r>
+              <a:rPr lang="en-US" dirty="0" err="1"/>
+              <a:t>sdk</a:t>
+            </a:r>
+            <a:endParaRPr lang="en-US" dirty="0"/>
+          </a:p>
+        </p:txBody>
+      </p:sp>
+    </p:spTree>
+    <p:extLst>
+      <p:ext uri="{BB962C8B-B14F-4D97-AF65-F5344CB8AC3E}">
+        <p14:creationId xmlns:p14="http://schemas.microsoft.com/office/powerpoint/2010/main" val="1022098101"/>
+      </p:ext>
+    </p:extLst>
+  </p:cSld>
+  <p:clrMapOvr>
+    <a:masterClrMapping/>
+  </p:clrMapOvr>
+  <p:timing>
+    <p:tnLst>
+      <p:par>
+        <p:cTn xmlns:p14="http://schemas.microsoft.com/office/powerpoint/2010/main" id="1" dur="indefinite" restart="never" nodeType="tmRoot"/>
+      </p:par>
+    </p:tnLst>
+  </p:timing>
+</p:sld>
+</file>
+
+<file path=ppt/slides/slide51.xml><?xml version="1.0" encoding="utf-8"?>
+<p:sld xmlns:a="http://schemas.openxmlformats.org/drawingml/2006/main" xmlns:r="http://schemas.openxmlformats.org/officeDocument/2006/relationships" xmlns:p="http://schemas.openxmlformats.org/presentationml/2006/main">
+  <p:cSld>
+    <p:spTree>
+      <p:nvGrpSpPr>
+        <p:cNvPr id="1" name=""/>
+        <p:cNvGrpSpPr/>
+        <p:nvPr/>
+      </p:nvGrpSpPr>
+      <p:grpSpPr>
+        <a:xfrm>
+          <a:off x="0" y="0"/>
+          <a:ext cx="0" cy="0"/>
+          <a:chOff x="0" y="0"/>
+          <a:chExt cx="0" cy="0"/>
+        </a:xfrm>
+      </p:grpSpPr>
+      <p:sp>
+        <p:nvSpPr>
+          <p:cNvPr id="2" name="Title 1"/>
+          <p:cNvSpPr>
+            <a:spLocks noGrp="1"/>
+          </p:cNvSpPr>
+          <p:nvPr>
+            <p:ph type="title"/>
+          </p:nvPr>
+        </p:nvSpPr>
+        <p:spPr/>
+        <p:txBody>
+          <a:bodyPr/>
+          <a:lstStyle/>
+          <a:p>
+            <a:r>
+              <a:rPr lang="en-US" dirty="0" smtClean="0"/>
+              <a:t>Workshop Files and Directories</a:t>
+            </a:r>
+            <a:endParaRPr lang="en-US" dirty="0"/>
+          </a:p>
+        </p:txBody>
+      </p:sp>
+      <p:sp>
+        <p:nvSpPr>
+          <p:cNvPr id="3" name="Content Placeholder 2"/>
+          <p:cNvSpPr>
+            <a:spLocks noGrp="1"/>
+          </p:cNvSpPr>
+          <p:nvPr>
+            <p:ph idx="1"/>
+          </p:nvPr>
+        </p:nvSpPr>
+        <p:spPr/>
+        <p:txBody>
+          <a:bodyPr/>
+          <a:lstStyle/>
+          <a:p>
+            <a:pPr>
+              <a:lnSpc>
+                <a:spcPct val="150000"/>
+              </a:lnSpc>
+            </a:pPr>
+            <a:r>
+              <a:rPr lang="en-US" dirty="0"/>
+              <a:t>f</a:t>
+            </a:r>
+            <a:r>
+              <a:rPr lang="en-US" dirty="0" smtClean="0"/>
+              <a:t>inished</a:t>
+            </a:r>
+          </a:p>
+          <a:p>
+            <a:pPr>
+              <a:lnSpc>
+                <a:spcPct val="150000"/>
+              </a:lnSpc>
+            </a:pPr>
+            <a:r>
+              <a:rPr lang="en-US" dirty="0"/>
+              <a:t>i</a:t>
+            </a:r>
+            <a:r>
+              <a:rPr lang="en-US" dirty="0" smtClean="0"/>
+              <a:t>nitial</a:t>
+            </a:r>
+          </a:p>
+          <a:p>
+            <a:pPr>
+              <a:lnSpc>
+                <a:spcPct val="150000"/>
+              </a:lnSpc>
+            </a:pPr>
+            <a:r>
+              <a:rPr lang="en-US" dirty="0"/>
+              <a:t>i</a:t>
+            </a:r>
+            <a:r>
+              <a:rPr lang="en-US" dirty="0" smtClean="0"/>
+              <a:t>mages</a:t>
+            </a:r>
+          </a:p>
+          <a:p>
+            <a:pPr>
+              <a:lnSpc>
+                <a:spcPct val="150000"/>
+              </a:lnSpc>
+            </a:pPr>
+            <a:r>
+              <a:rPr lang="en-US" dirty="0" err="1" smtClean="0"/>
+              <a:t>README.md</a:t>
+            </a:r>
+            <a:endParaRPr lang="en-US" dirty="0"/>
+          </a:p>
+        </p:txBody>
+      </p:sp>
+    </p:spTree>
+    <p:extLst>
+      <p:ext uri="{BB962C8B-B14F-4D97-AF65-F5344CB8AC3E}">
+        <p14:creationId xmlns:p14="http://schemas.microsoft.com/office/powerpoint/2010/main" val="976298888"/>
+      </p:ext>
+    </p:extLst>
+  </p:cSld>
+  <p:clrMapOvr>
+    <a:masterClrMapping/>
+  </p:clrMapOvr>
+  <p:timing>
+    <p:tnLst>
+      <p:par>
+        <p:cTn xmlns:p14="http://schemas.microsoft.com/office/powerpoint/2010/main" id="1" dur="indefinite" restart="never" nodeType="tmRoot"/>
+      </p:par>
+    </p:tnLst>
+  </p:timing>
+</p:sld>
+</file>
+
 <file path=ppt/slides/slide52.xml><?xml version="1.0" encoding="utf-8"?>
 <p:sld xmlns:a="http://schemas.openxmlformats.org/drawingml/2006/main" xmlns:r="http://schemas.openxmlformats.org/officeDocument/2006/relationships" xmlns:p="http://schemas.openxmlformats.org/presentationml/2006/main">
   <p:cSld>
@@ -23810,7 +23539,7 @@
           <a:p>
             <a:r>
               <a:rPr lang="en-US" dirty="0" smtClean="0"/>
-              <a:t>Workshop URL</a:t>
+              <a:t>Workshop Steps</a:t>
             </a:r>
             <a:endParaRPr lang="en-US" dirty="0"/>
           </a:p>
@@ -23826,39 +23555,75 @@
             <p:ph idx="1"/>
           </p:nvPr>
         </p:nvSpPr>
-        <p:spPr>
-          <a:xfrm>
-            <a:off x="457208" y="2350889"/>
-            <a:ext cx="8007739" cy="441723"/>
-          </a:xfrm>
-        </p:spPr>
+        <p:spPr/>
         <p:txBody>
           <a:bodyPr/>
           <a:lstStyle/>
           <a:p>
-            <a:r>
-              <a:rPr lang="en-US" dirty="0"/>
-              <a:t>https://</a:t>
-            </a:r>
-            <a:r>
-              <a:rPr lang="en-US" dirty="0" err="1"/>
-              <a:t>github.com</a:t>
-            </a:r>
-            <a:r>
-              <a:rPr lang="en-US" dirty="0"/>
-              <a:t>/</a:t>
-            </a:r>
-            <a:r>
-              <a:rPr lang="en-US" dirty="0" err="1"/>
-              <a:t>couchbaselabs</a:t>
-            </a:r>
-            <a:r>
-              <a:rPr lang="en-US" dirty="0"/>
-              <a:t>/workshop-java-</a:t>
-            </a:r>
-            <a:r>
-              <a:rPr lang="en-US" dirty="0" err="1"/>
-              <a:t>sdk</a:t>
+            <a:pPr>
+              <a:lnSpc>
+                <a:spcPct val="150000"/>
+              </a:lnSpc>
+            </a:pPr>
+            <a:r>
+              <a:rPr lang="en-US" dirty="0" smtClean="0"/>
+              <a:t>Connect to a Couchbase Cluster and Open a Bucket</a:t>
+            </a:r>
+          </a:p>
+          <a:p>
+            <a:pPr>
+              <a:lnSpc>
+                <a:spcPct val="150000"/>
+              </a:lnSpc>
+            </a:pPr>
+            <a:r>
+              <a:rPr lang="en-US" dirty="0" smtClean="0"/>
+              <a:t>Standard </a:t>
+            </a:r>
+            <a:r>
+              <a:rPr lang="en-US" dirty="0" err="1" smtClean="0"/>
+              <a:t>NoSQL</a:t>
+            </a:r>
+            <a:r>
+              <a:rPr lang="en-US" dirty="0" smtClean="0"/>
+              <a:t> CRUD Operations</a:t>
+            </a:r>
+          </a:p>
+          <a:p>
+            <a:pPr>
+              <a:lnSpc>
+                <a:spcPct val="150000"/>
+              </a:lnSpc>
+            </a:pPr>
+            <a:r>
+              <a:rPr lang="en-US" dirty="0" err="1" smtClean="0"/>
+              <a:t>RxJava</a:t>
+            </a:r>
+            <a:r>
+              <a:rPr lang="en-US" dirty="0" smtClean="0"/>
+              <a:t> and the Couchbase SDK</a:t>
+            </a:r>
+          </a:p>
+          <a:p>
+            <a:pPr>
+              <a:lnSpc>
+                <a:spcPct val="150000"/>
+              </a:lnSpc>
+            </a:pPr>
+            <a:r>
+              <a:rPr lang="en-US" dirty="0" smtClean="0"/>
+              <a:t>SQL-like Queries with Couchbase N1QL</a:t>
+            </a:r>
+          </a:p>
+          <a:p>
+            <a:pPr>
+              <a:lnSpc>
+                <a:spcPct val="150000"/>
+              </a:lnSpc>
+            </a:pPr>
+            <a:r>
+              <a:rPr lang="en-US" dirty="0" smtClean="0"/>
+              <a:t>Creating API Endpoints</a:t>
             </a:r>
             <a:endParaRPr lang="en-US" dirty="0"/>
           </a:p>
@@ -23867,7 +23632,7 @@
     </p:spTree>
     <p:extLst>
       <p:ext uri="{BB962C8B-B14F-4D97-AF65-F5344CB8AC3E}">
-        <p14:creationId xmlns:p14="http://schemas.microsoft.com/office/powerpoint/2010/main" val="1022098101"/>
+        <p14:creationId xmlns:p14="http://schemas.microsoft.com/office/powerpoint/2010/main" val="2187419484"/>
       </p:ext>
     </p:extLst>
   </p:cSld>
@@ -23908,7 +23673,7 @@
             <a:spLocks noGrp="1"/>
           </p:cNvSpPr>
           <p:nvPr>
-            <p:ph type="title"/>
+            <p:ph type="ctrTitle"/>
           </p:nvPr>
         </p:nvSpPr>
         <p:spPr/>
@@ -23918,7 +23683,7 @@
           <a:p>
             <a:r>
               <a:rPr lang="en-US" dirty="0" smtClean="0"/>
-              <a:t>Workshop Files and Directories</a:t>
+              <a:t>Demo</a:t>
             </a:r>
             <a:endParaRPr lang="en-US" dirty="0"/>
           </a:p>
@@ -23926,12 +23691,12 @@
       </p:sp>
       <p:sp>
         <p:nvSpPr>
-          <p:cNvPr id="3" name="Content Placeholder 2"/>
+          <p:cNvPr id="3" name="Subtitle 2"/>
           <p:cNvSpPr>
             <a:spLocks noGrp="1"/>
           </p:cNvSpPr>
           <p:nvPr>
-            <p:ph idx="1"/>
+            <p:ph type="subTitle" idx="1"/>
           </p:nvPr>
         </p:nvSpPr>
         <p:spPr/>
@@ -23939,62 +23704,9 @@
           <a:bodyPr/>
           <a:lstStyle/>
           <a:p>
-            <a:pPr>
-              <a:lnSpc>
-                <a:spcPct val="150000"/>
-              </a:lnSpc>
-            </a:pPr>
-            <a:r>
-              <a:rPr lang="en-US" dirty="0"/>
-              <a:t>f</a:t>
-            </a:r>
             <a:r>
               <a:rPr lang="en-US" dirty="0" smtClean="0"/>
-              <a:t>inished</a:t>
-            </a:r>
-            <a:endParaRPr lang="en-US" dirty="0" smtClean="0"/>
-          </a:p>
-          <a:p>
-            <a:pPr>
-              <a:lnSpc>
-                <a:spcPct val="150000"/>
-              </a:lnSpc>
-            </a:pPr>
-            <a:r>
-              <a:rPr lang="en-US" dirty="0"/>
-              <a:t>i</a:t>
-            </a:r>
-            <a:r>
-              <a:rPr lang="en-US" dirty="0" smtClean="0"/>
-              <a:t>nitial</a:t>
-            </a:r>
-            <a:endParaRPr lang="en-US" dirty="0" smtClean="0"/>
-          </a:p>
-          <a:p>
-            <a:pPr>
-              <a:lnSpc>
-                <a:spcPct val="150000"/>
-              </a:lnSpc>
-            </a:pPr>
-            <a:r>
-              <a:rPr lang="en-US" dirty="0"/>
-              <a:t>i</a:t>
-            </a:r>
-            <a:r>
-              <a:rPr lang="en-US" dirty="0" smtClean="0"/>
-              <a:t>mages</a:t>
-            </a:r>
-            <a:endParaRPr lang="en-US" dirty="0" smtClean="0"/>
-          </a:p>
-          <a:p>
-            <a:pPr>
-              <a:lnSpc>
-                <a:spcPct val="150000"/>
-              </a:lnSpc>
-            </a:pPr>
-            <a:r>
-              <a:rPr lang="en-US" dirty="0" err="1" smtClean="0"/>
-              <a:t>README.md</a:t>
+              <a:t>The Travel Sample</a:t>
             </a:r>
             <a:endParaRPr lang="en-US" dirty="0"/>
           </a:p>
@@ -24003,7 +23715,7 @@
     </p:spTree>
     <p:extLst>
       <p:ext uri="{BB962C8B-B14F-4D97-AF65-F5344CB8AC3E}">
-        <p14:creationId xmlns:p14="http://schemas.microsoft.com/office/powerpoint/2010/main" val="976298888"/>
+        <p14:creationId xmlns:p14="http://schemas.microsoft.com/office/powerpoint/2010/main" val="2940110274"/>
       </p:ext>
     </p:extLst>
   </p:cSld>
@@ -24054,7 +23766,109 @@
           <a:p>
             <a:r>
               <a:rPr lang="en-US" dirty="0" smtClean="0"/>
-              <a:t>Workshop Steps</a:t>
+              <a:t>Getting Started with </a:t>
+            </a:r>
+            <a:r>
+              <a:rPr lang="en-US" dirty="0" err="1" smtClean="0"/>
+              <a:t>Docker</a:t>
+            </a:r>
+            <a:endParaRPr lang="en-US" dirty="0"/>
+          </a:p>
+        </p:txBody>
+      </p:sp>
+      <p:pic>
+        <p:nvPicPr>
+          <p:cNvPr id="5" name="Picture 4" descr="Screen Shot 2016-02-02 at 2.08.02 PM.png"/>
+          <p:cNvPicPr>
+            <a:picLocks noChangeAspect="1"/>
+          </p:cNvPicPr>
+          <p:nvPr/>
+        </p:nvPicPr>
+        <p:blipFill>
+          <a:blip r:embed="rId2">
+            <a:extLst>
+              <a:ext uri="{28A0092B-C50C-407E-A947-70E740481C1C}">
+                <a14:useLocalDpi xmlns:a14="http://schemas.microsoft.com/office/drawing/2010/main" val="0"/>
+              </a:ext>
+            </a:extLst>
+          </a:blip>
+          <a:stretch>
+            <a:fillRect/>
+          </a:stretch>
+        </p:blipFill>
+        <p:spPr>
+          <a:xfrm>
+            <a:off x="0" y="590550"/>
+            <a:ext cx="9199169" cy="3803650"/>
+          </a:xfrm>
+          <a:prstGeom prst="rect">
+            <a:avLst/>
+          </a:prstGeom>
+        </p:spPr>
+      </p:pic>
+    </p:spTree>
+    <p:extLst>
+      <p:ext uri="{BB962C8B-B14F-4D97-AF65-F5344CB8AC3E}">
+        <p14:creationId xmlns:p14="http://schemas.microsoft.com/office/powerpoint/2010/main" val="1729891350"/>
+      </p:ext>
+    </p:extLst>
+  </p:cSld>
+  <p:clrMapOvr>
+    <a:masterClrMapping/>
+  </p:clrMapOvr>
+  <p:timing>
+    <p:tnLst>
+      <p:par>
+        <p:cTn xmlns:p14="http://schemas.microsoft.com/office/powerpoint/2010/main" id="1" dur="indefinite" restart="never" nodeType="tmRoot"/>
+      </p:par>
+    </p:tnLst>
+  </p:timing>
+</p:sld>
+</file>
+
+<file path=ppt/slides/slide55.xml><?xml version="1.0" encoding="utf-8"?>
+<p:sld xmlns:a="http://schemas.openxmlformats.org/drawingml/2006/main" xmlns:r="http://schemas.openxmlformats.org/officeDocument/2006/relationships" xmlns:p="http://schemas.openxmlformats.org/presentationml/2006/main">
+  <p:cSld>
+    <p:spTree>
+      <p:nvGrpSpPr>
+        <p:cNvPr id="1" name=""/>
+        <p:cNvGrpSpPr/>
+        <p:nvPr/>
+      </p:nvGrpSpPr>
+      <p:grpSpPr>
+        <a:xfrm>
+          <a:off x="0" y="0"/>
+          <a:ext cx="0" cy="0"/>
+          <a:chOff x="0" y="0"/>
+          <a:chExt cx="0" cy="0"/>
+        </a:xfrm>
+      </p:grpSpPr>
+      <p:sp>
+        <p:nvSpPr>
+          <p:cNvPr id="2" name="Title 1"/>
+          <p:cNvSpPr>
+            <a:spLocks noGrp="1"/>
+          </p:cNvSpPr>
+          <p:nvPr>
+            <p:ph type="title"/>
+          </p:nvPr>
+        </p:nvSpPr>
+        <p:spPr/>
+        <p:txBody>
+          <a:bodyPr/>
+          <a:lstStyle/>
+          <a:p>
+            <a:r>
+              <a:rPr lang="en-US" dirty="0" smtClean="0"/>
+              <a:t>New </a:t>
+            </a:r>
+            <a:r>
+              <a:rPr lang="en-US" dirty="0" err="1" smtClean="0"/>
+              <a:t>Docker</a:t>
+            </a:r>
+            <a:r>
+              <a:rPr lang="en-US" dirty="0" smtClean="0"/>
+              <a:t> Containers</a:t>
             </a:r>
             <a:endParaRPr lang="en-US" dirty="0"/>
           </a:p>
@@ -24081,10 +23895,18 @@
               </a:lnSpc>
             </a:pPr>
             <a:r>
-              <a:rPr lang="en-US" dirty="0" smtClean="0"/>
-              <a:t>Connect to a Couchbase Cluster and Open a Bucket</a:t>
-            </a:r>
-            <a:endParaRPr lang="en-US" dirty="0" smtClean="0"/>
+              <a:rPr lang="en-US" dirty="0" err="1"/>
+              <a:t>docker</a:t>
+            </a:r>
+            <a:r>
+              <a:rPr lang="en-US" dirty="0"/>
+              <a:t> run –d –p 1337:8091 </a:t>
+            </a:r>
+            <a:r>
+              <a:rPr lang="en-US" dirty="0" err="1" smtClean="0"/>
+              <a:t>couchbase</a:t>
+            </a:r>
+            <a:endParaRPr lang="en-US" dirty="0"/>
           </a:p>
           <a:p>
             <a:pPr>
@@ -24093,16 +23915,24 @@
               </a:lnSpc>
             </a:pPr>
             <a:r>
+              <a:rPr lang="en-US" dirty="0" err="1"/>
+              <a:t>docker</a:t>
+            </a:r>
+            <a:r>
+              <a:rPr lang="en-US" dirty="0"/>
+              <a:t> run –d –p </a:t>
+            </a:r>
+            <a:r>
               <a:rPr lang="en-US" dirty="0" smtClean="0"/>
-              <a:t>Standard </a:t>
+              <a:t>1338:</a:t>
+            </a:r>
+            <a:r>
+              <a:rPr lang="en-US" dirty="0"/>
+              <a:t>8091 </a:t>
             </a:r>
             <a:r>
               <a:rPr lang="en-US" dirty="0" err="1" smtClean="0"/>
-              <a:t>NoSQL</a:t>
-            </a:r>
-            <a:r>
-              <a:rPr lang="en-US" dirty="0" smtClean="0"/>
-              <a:t> CRUD Operations</a:t>
+              <a:t>couchbase</a:t>
             </a:r>
             <a:endParaRPr lang="en-US" dirty="0" smtClean="0"/>
           </a:p>
@@ -24114,13 +23944,21 @@
             </a:pPr>
             <a:r>
               <a:rPr lang="en-US" dirty="0" err="1" smtClean="0"/>
-              <a:t>RxJava</a:t>
+              <a:t>docker</a:t>
             </a:r>
             <a:r>
               <a:rPr lang="en-US" dirty="0" smtClean="0"/>
-              <a:t> and the Couchbase SDK</a:t>
-            </a:r>
-            <a:endParaRPr lang="en-US" dirty="0" smtClean="0"/>
+              <a:t>-machine </a:t>
+            </a:r>
+            <a:r>
+              <a:rPr lang="en-US" dirty="0" err="1" smtClean="0"/>
+              <a:t>ip</a:t>
+            </a:r>
+            <a:r>
+              <a:rPr lang="en-US" dirty="0" smtClean="0"/>
+              <a:t> default</a:t>
+            </a:r>
+            <a:endParaRPr lang="en-US" dirty="0"/>
           </a:p>
           <a:p>
             <a:pPr>
@@ -24129,9 +23967,18 @@
               </a:lnSpc>
             </a:pPr>
             <a:r>
+              <a:rPr lang="en-US" dirty="0" err="1" smtClean="0"/>
+              <a:t>docker</a:t>
+            </a:r>
+            <a:r>
               <a:rPr lang="en-US" dirty="0" smtClean="0"/>
-              <a:t>SQL-like Queries with Couchbase N1QL</a:t>
-            </a:r>
+              <a:t> network </a:t>
+            </a:r>
+            <a:r>
+              <a:rPr lang="en-US" dirty="0" err="1" smtClean="0"/>
+              <a:t>ls</a:t>
+            </a:r>
+            <a:endParaRPr lang="en-US" dirty="0" smtClean="0"/>
           </a:p>
           <a:p>
             <a:pPr>
@@ -24140,17 +23987,262 @@
               </a:lnSpc>
             </a:pPr>
             <a:r>
+              <a:rPr lang="en-US" dirty="0" err="1" smtClean="0"/>
+              <a:t>docker</a:t>
+            </a:r>
+            <a:r>
               <a:rPr lang="en-US" dirty="0" smtClean="0"/>
-              <a:t>Creating API Endpoints</a:t>
-            </a:r>
-            <a:endParaRPr lang="en-US" dirty="0"/>
+              <a:t> network inspect 53fe76</a:t>
+            </a:r>
+            <a:endParaRPr lang="en-US" dirty="0" smtClean="0"/>
           </a:p>
         </p:txBody>
       </p:sp>
     </p:spTree>
     <p:extLst>
       <p:ext uri="{BB962C8B-B14F-4D97-AF65-F5344CB8AC3E}">
-        <p14:creationId xmlns:p14="http://schemas.microsoft.com/office/powerpoint/2010/main" val="2187419484"/>
+        <p14:creationId xmlns:p14="http://schemas.microsoft.com/office/powerpoint/2010/main" val="3701587164"/>
+      </p:ext>
+    </p:extLst>
+  </p:cSld>
+  <p:clrMapOvr>
+    <a:masterClrMapping/>
+  </p:clrMapOvr>
+  <p:timing>
+    <p:tnLst>
+      <p:par>
+        <p:cTn xmlns:p14="http://schemas.microsoft.com/office/powerpoint/2010/main" id="1" dur="indefinite" restart="never" nodeType="tmRoot"/>
+      </p:par>
+    </p:tnLst>
+  </p:timing>
+</p:sld>
+</file>
+
+<file path=ppt/slides/slide56.xml><?xml version="1.0" encoding="utf-8"?>
+<p:sld xmlns:a="http://schemas.openxmlformats.org/drawingml/2006/main" xmlns:r="http://schemas.openxmlformats.org/officeDocument/2006/relationships" xmlns:p="http://schemas.openxmlformats.org/presentationml/2006/main">
+  <p:cSld>
+    <p:spTree>
+      <p:nvGrpSpPr>
+        <p:cNvPr id="1" name=""/>
+        <p:cNvGrpSpPr/>
+        <p:nvPr/>
+      </p:nvGrpSpPr>
+      <p:grpSpPr>
+        <a:xfrm>
+          <a:off x="0" y="0"/>
+          <a:ext cx="0" cy="0"/>
+          <a:chOff x="0" y="0"/>
+          <a:chExt cx="0" cy="0"/>
+        </a:xfrm>
+      </p:grpSpPr>
+      <p:sp>
+        <p:nvSpPr>
+          <p:cNvPr id="2" name="Title 1"/>
+          <p:cNvSpPr>
+            <a:spLocks noGrp="1"/>
+          </p:cNvSpPr>
+          <p:nvPr>
+            <p:ph type="title"/>
+          </p:nvPr>
+        </p:nvSpPr>
+        <p:spPr/>
+        <p:txBody>
+          <a:bodyPr/>
+          <a:lstStyle/>
+          <a:p>
+            <a:r>
+              <a:rPr lang="en-US" dirty="0" smtClean="0"/>
+              <a:t>Couchbase Query Client (CBQ)</a:t>
+            </a:r>
+            <a:endParaRPr lang="en-US" dirty="0"/>
+          </a:p>
+        </p:txBody>
+      </p:sp>
+      <p:sp>
+        <p:nvSpPr>
+          <p:cNvPr id="3" name="Content Placeholder 2"/>
+          <p:cNvSpPr>
+            <a:spLocks noGrp="1"/>
+          </p:cNvSpPr>
+          <p:nvPr>
+            <p:ph idx="1"/>
+          </p:nvPr>
+        </p:nvSpPr>
+        <p:spPr>
+          <a:xfrm>
+            <a:off x="457208" y="2076450"/>
+            <a:ext cx="8007739" cy="990601"/>
+          </a:xfrm>
+        </p:spPr>
+        <p:txBody>
+          <a:bodyPr/>
+          <a:lstStyle/>
+          <a:p>
+            <a:pPr>
+              <a:lnSpc>
+                <a:spcPct val="150000"/>
+              </a:lnSpc>
+            </a:pPr>
+            <a:r>
+              <a:rPr lang="en-US" sz="1600" dirty="0"/>
+              <a:t>.</a:t>
+            </a:r>
+            <a:r>
+              <a:rPr lang="en-US" sz="1600" dirty="0" smtClean="0"/>
+              <a:t>/</a:t>
+            </a:r>
+            <a:r>
+              <a:rPr lang="en-US" sz="1600" dirty="0"/>
+              <a:t>Applications/Couchbase\ </a:t>
+            </a:r>
+            <a:r>
+              <a:rPr lang="en-US" sz="1600" dirty="0" err="1"/>
+              <a:t>Server.app</a:t>
+            </a:r>
+            <a:r>
+              <a:rPr lang="en-US" sz="1600" dirty="0"/>
+              <a:t>/Contents/Resources/</a:t>
+            </a:r>
+            <a:r>
+              <a:rPr lang="en-US" sz="1600" dirty="0" err="1"/>
+              <a:t>couchbase</a:t>
+            </a:r>
+            <a:r>
+              <a:rPr lang="en-US" sz="1600" dirty="0"/>
+              <a:t>-core/bin</a:t>
+            </a:r>
+            <a:r>
+              <a:rPr lang="en-US" sz="1600" dirty="0" smtClean="0"/>
+              <a:t>/</a:t>
+            </a:r>
+            <a:r>
+              <a:rPr lang="en-US" sz="1600" dirty="0" err="1" smtClean="0"/>
+              <a:t>cbq</a:t>
+            </a:r>
+            <a:endParaRPr lang="en-US" sz="1600" dirty="0"/>
+          </a:p>
+          <a:p>
+            <a:pPr>
+              <a:lnSpc>
+                <a:spcPct val="200000"/>
+              </a:lnSpc>
+            </a:pPr>
+            <a:r>
+              <a:rPr lang="en-US" sz="1600" dirty="0"/>
+              <a:t>C:/Program Files/Couchbase/Server/bin/</a:t>
+            </a:r>
+            <a:r>
+              <a:rPr lang="en-US" sz="1600" dirty="0" err="1" smtClean="0"/>
+              <a:t>cbq.exe</a:t>
+            </a:r>
+            <a:endParaRPr lang="en-US" sz="1600" dirty="0" smtClean="0"/>
+          </a:p>
+        </p:txBody>
+      </p:sp>
+    </p:spTree>
+    <p:extLst>
+      <p:ext uri="{BB962C8B-B14F-4D97-AF65-F5344CB8AC3E}">
+        <p14:creationId xmlns:p14="http://schemas.microsoft.com/office/powerpoint/2010/main" val="2228334680"/>
+      </p:ext>
+    </p:extLst>
+  </p:cSld>
+  <p:clrMapOvr>
+    <a:masterClrMapping/>
+  </p:clrMapOvr>
+  <p:timing>
+    <p:tnLst>
+      <p:par>
+        <p:cTn xmlns:p14="http://schemas.microsoft.com/office/powerpoint/2010/main" id="1" dur="indefinite" restart="never" nodeType="tmRoot"/>
+      </p:par>
+    </p:tnLst>
+  </p:timing>
+</p:sld>
+</file>
+
+<file path=ppt/slides/slide57.xml><?xml version="1.0" encoding="utf-8"?>
+<p:sld xmlns:a="http://schemas.openxmlformats.org/drawingml/2006/main" xmlns:r="http://schemas.openxmlformats.org/officeDocument/2006/relationships" xmlns:p="http://schemas.openxmlformats.org/presentationml/2006/main">
+  <p:cSld>
+    <p:spTree>
+      <p:nvGrpSpPr>
+        <p:cNvPr id="1" name=""/>
+        <p:cNvGrpSpPr/>
+        <p:nvPr/>
+      </p:nvGrpSpPr>
+      <p:grpSpPr>
+        <a:xfrm>
+          <a:off x="0" y="0"/>
+          <a:ext cx="0" cy="0"/>
+          <a:chOff x="0" y="0"/>
+          <a:chExt cx="0" cy="0"/>
+        </a:xfrm>
+      </p:grpSpPr>
+      <p:sp>
+        <p:nvSpPr>
+          <p:cNvPr id="2" name="Title 1"/>
+          <p:cNvSpPr>
+            <a:spLocks noGrp="1"/>
+          </p:cNvSpPr>
+          <p:nvPr>
+            <p:ph type="title"/>
+          </p:nvPr>
+        </p:nvSpPr>
+        <p:spPr/>
+        <p:txBody>
+          <a:bodyPr/>
+          <a:lstStyle/>
+          <a:p>
+            <a:r>
+              <a:rPr lang="en-US" dirty="0" smtClean="0"/>
+              <a:t>Bucket Operations</a:t>
+            </a:r>
+            <a:endParaRPr lang="en-US" dirty="0"/>
+          </a:p>
+        </p:txBody>
+      </p:sp>
+      <p:sp>
+        <p:nvSpPr>
+          <p:cNvPr id="3" name="Content Placeholder 2"/>
+          <p:cNvSpPr>
+            <a:spLocks noGrp="1"/>
+          </p:cNvSpPr>
+          <p:nvPr>
+            <p:ph idx="1"/>
+          </p:nvPr>
+        </p:nvSpPr>
+        <p:spPr>
+          <a:xfrm>
+            <a:off x="457208" y="685800"/>
+            <a:ext cx="8007739" cy="3790949"/>
+          </a:xfrm>
+        </p:spPr>
+        <p:txBody>
+          <a:bodyPr/>
+          <a:lstStyle/>
+          <a:p>
+            <a:r>
+              <a:rPr lang="en-US" sz="1400" dirty="0" smtClean="0"/>
+              <a:t>// CRUD </a:t>
+            </a:r>
+            <a:r>
+              <a:rPr lang="en-US" sz="1400" dirty="0" smtClean="0"/>
+              <a:t>Operations</a:t>
+            </a:r>
+          </a:p>
+          <a:p>
+            <a:endParaRPr lang="en-US" sz="1400" dirty="0"/>
+          </a:p>
+          <a:p>
+            <a:endParaRPr lang="en-US" sz="1400" dirty="0" smtClean="0"/>
+          </a:p>
+          <a:p>
+            <a:endParaRPr lang="en-US" sz="1400" dirty="0" smtClean="0"/>
+          </a:p>
+        </p:txBody>
+      </p:sp>
+    </p:spTree>
+    <p:extLst>
+      <p:ext uri="{BB962C8B-B14F-4D97-AF65-F5344CB8AC3E}">
+        <p14:creationId xmlns:p14="http://schemas.microsoft.com/office/powerpoint/2010/main" val="2172755060"/>
       </p:ext>
     </p:extLst>
   </p:cSld>
@@ -25612,11 +25704,7 @@
             </a:pPr>
             <a:r>
               <a:rPr lang="en-US" dirty="0" smtClean="0"/>
-              <a:t>Minimal </a:t>
-            </a:r>
-            <a:r>
-              <a:rPr lang="en-US" dirty="0" smtClean="0"/>
-              <a:t>coding</a:t>
+              <a:t>Minimal coding</a:t>
             </a:r>
           </a:p>
           <a:p>
